--- a/PresentationKriging.pptx
+++ b/PresentationKriging.pptx
@@ -117,6 +117,11 @@
       </a:defRPr>
     </a:lvl9pPr>
   </p:defaultTextStyle>
+  <p:extLst>
+    <p:ext uri="{EFAFB233-063F-42B5-8137-9DF3F51BA10A}">
+      <p15:sldGuideLst xmlns:p15="http://schemas.microsoft.com/office/powerpoint/2012/main"/>
+    </p:ext>
+  </p:extLst>
 </p:presentation>
 </file>
 
@@ -3487,8 +3492,8 @@
           <a:chExt cx="0" cy="0"/>
         </a:xfrm>
       </p:grpSpPr>
-      <mc:AlternateContent xmlns:mc="http://schemas.openxmlformats.org/markup-compatibility/2006">
-        <mc:Choice xmlns:a14="http://schemas.microsoft.com/office/drawing/2010/main" Requires="a14">
+      <mc:AlternateContent xmlns:mc="http://schemas.openxmlformats.org/markup-compatibility/2006" xmlns:a14="http://schemas.microsoft.com/office/drawing/2010/main">
+        <mc:Choice Requires="a14">
           <p:sp>
             <p:nvSpPr>
               <p:cNvPr id="3" name="Content Placeholder 2">
@@ -3563,12 +3568,16 @@
                         <m:accPr>
                           <m:chr m:val="̂"/>
                           <m:ctrlPr>
-                            <a:rPr lang="en-US" i="1"/>
+                            <a:rPr lang="en-US" i="1">
+                              <a:latin typeface="Cambria Math" panose="02040503050406030204" pitchFamily="18" charset="0"/>
+                            </a:rPr>
                           </m:ctrlPr>
                         </m:accPr>
                         <m:e>
                           <m:r>
-                            <a:rPr lang="uk-UA" i="1"/>
+                            <a:rPr lang="uk-UA" i="1">
+                              <a:latin typeface="Cambria Math" panose="02040503050406030204" pitchFamily="18" charset="0"/>
+                            </a:rPr>
                             <m:t>𝑦</m:t>
                           </m:r>
                         </m:e>
@@ -3576,53 +3585,71 @@
                       <m:d>
                         <m:dPr>
                           <m:ctrlPr>
-                            <a:rPr lang="en-US" i="1"/>
+                            <a:rPr lang="en-US" i="1">
+                              <a:latin typeface="Cambria Math" panose="02040503050406030204" pitchFamily="18" charset="0"/>
+                            </a:rPr>
                           </m:ctrlPr>
                         </m:dPr>
                         <m:e>
                           <m:r>
-                            <a:rPr lang="en-US" b="1" i="1"/>
+                            <a:rPr lang="en-US" b="1" i="1">
+                              <a:latin typeface="Cambria Math" panose="02040503050406030204" pitchFamily="18" charset="0"/>
+                            </a:rPr>
                             <m:t>𝐱</m:t>
                           </m:r>
                         </m:e>
                       </m:d>
                       <m:r>
-                        <a:rPr lang="en-US" i="1"/>
+                        <a:rPr lang="en-US" i="1">
+                          <a:latin typeface="Cambria Math" panose="02040503050406030204" pitchFamily="18" charset="0"/>
+                        </a:rPr>
                         <m:t>=</m:t>
                       </m:r>
                       <m:acc>
                         <m:accPr>
                           <m:chr m:val="̂"/>
                           <m:ctrlPr>
-                            <a:rPr lang="en-US" i="1"/>
+                            <a:rPr lang="en-US" i="1">
+                              <a:latin typeface="Cambria Math" panose="02040503050406030204" pitchFamily="18" charset="0"/>
+                            </a:rPr>
                           </m:ctrlPr>
                         </m:accPr>
                         <m:e>
                           <m:r>
-                            <a:rPr lang="uk-UA" i="1"/>
+                            <a:rPr lang="uk-UA" i="1">
+                              <a:latin typeface="Cambria Math" panose="02040503050406030204" pitchFamily="18" charset="0"/>
+                            </a:rPr>
                             <m:t>𝜇</m:t>
                           </m:r>
                         </m:e>
                       </m:acc>
                       <m:r>
-                        <a:rPr lang="uk-UA" i="1"/>
+                        <a:rPr lang="uk-UA" i="1">
+                          <a:latin typeface="Cambria Math" panose="02040503050406030204" pitchFamily="18" charset="0"/>
+                        </a:rPr>
                         <m:t>+</m:t>
                       </m:r>
                       <m:sSup>
                         <m:sSupPr>
                           <m:ctrlPr>
-                            <a:rPr lang="en-US" i="1"/>
+                            <a:rPr lang="en-US" i="1">
+                              <a:latin typeface="Cambria Math" panose="02040503050406030204" pitchFamily="18" charset="0"/>
+                            </a:rPr>
                           </m:ctrlPr>
                         </m:sSupPr>
                         <m:e>
                           <m:r>
-                            <a:rPr lang="uk-UA" i="1"/>
+                            <a:rPr lang="uk-UA" i="1">
+                              <a:latin typeface="Cambria Math" panose="02040503050406030204" pitchFamily="18" charset="0"/>
+                            </a:rPr>
                             <m:t>𝜓</m:t>
                           </m:r>
                         </m:e>
                         <m:sup>
                           <m:r>
-                            <a:rPr lang="uk-UA" i="1"/>
+                            <a:rPr lang="uk-UA" i="1">
+                              <a:latin typeface="Cambria Math" panose="02040503050406030204" pitchFamily="18" charset="0"/>
+                            </a:rPr>
                             <m:t>𝑇</m:t>
                           </m:r>
                         </m:sup>
@@ -3630,18 +3657,24 @@
                       <m:sSup>
                         <m:sSupPr>
                           <m:ctrlPr>
-                            <a:rPr lang="en-US" i="1"/>
+                            <a:rPr lang="en-US" i="1">
+                              <a:latin typeface="Cambria Math" panose="02040503050406030204" pitchFamily="18" charset="0"/>
+                            </a:rPr>
                           </m:ctrlPr>
                         </m:sSupPr>
                         <m:e>
                           <m:r>
-                            <a:rPr lang="uk-UA" b="1" i="1"/>
+                            <a:rPr lang="uk-UA" b="1" i="1">
+                              <a:latin typeface="Cambria Math" panose="02040503050406030204" pitchFamily="18" charset="0"/>
+                            </a:rPr>
                             <m:t>𝚿</m:t>
                           </m:r>
                         </m:e>
                         <m:sup>
                           <m:r>
-                            <a:rPr lang="uk-UA" i="1"/>
+                            <a:rPr lang="uk-UA" i="1">
+                              <a:latin typeface="Cambria Math" panose="02040503050406030204" pitchFamily="18" charset="0"/>
+                            </a:rPr>
                             <m:t>−1</m:t>
                           </m:r>
                         </m:sup>
@@ -3649,32 +3682,44 @@
                       <m:d>
                         <m:dPr>
                           <m:ctrlPr>
-                            <a:rPr lang="en-US" i="1"/>
+                            <a:rPr lang="en-US" i="1">
+                              <a:latin typeface="Cambria Math" panose="02040503050406030204" pitchFamily="18" charset="0"/>
+                            </a:rPr>
                           </m:ctrlPr>
                         </m:dPr>
                         <m:e>
                           <m:r>
-                            <a:rPr lang="uk-UA" b="1" i="1"/>
+                            <a:rPr lang="uk-UA" b="1" i="1">
+                              <a:latin typeface="Cambria Math" panose="02040503050406030204" pitchFamily="18" charset="0"/>
+                            </a:rPr>
                             <m:t>𝐲</m:t>
                           </m:r>
                           <m:r>
-                            <a:rPr lang="uk-UA" b="1" i="1"/>
+                            <a:rPr lang="uk-UA" b="1" i="1">
+                              <a:latin typeface="Cambria Math" panose="02040503050406030204" pitchFamily="18" charset="0"/>
+                            </a:rPr>
                             <m:t>−</m:t>
                           </m:r>
                           <m:r>
-                            <a:rPr lang="uk-UA" b="1" i="1"/>
+                            <a:rPr lang="uk-UA" b="1" i="1">
+                              <a:latin typeface="Cambria Math" panose="02040503050406030204" pitchFamily="18" charset="0"/>
+                            </a:rPr>
                             <m:t>𝟏</m:t>
                           </m:r>
                           <m:acc>
                             <m:accPr>
                               <m:chr m:val="̂"/>
                               <m:ctrlPr>
-                                <a:rPr lang="en-US" i="1"/>
+                                <a:rPr lang="en-US" i="1">
+                                  <a:latin typeface="Cambria Math" panose="02040503050406030204" pitchFamily="18" charset="0"/>
+                                </a:rPr>
                               </m:ctrlPr>
                             </m:accPr>
                             <m:e>
                               <m:r>
-                                <a:rPr lang="uk-UA" i="1"/>
+                                <a:rPr lang="uk-UA" i="1">
+                                  <a:latin typeface="Cambria Math" panose="02040503050406030204" pitchFamily="18" charset="0"/>
+                                </a:rPr>
                                 <m:t>𝜇</m:t>
                               </m:r>
                             </m:e>
@@ -3682,7 +3727,9 @@
                         </m:e>
                       </m:d>
                       <m:r>
-                        <a:rPr lang="uk-UA" i="1"/>
+                        <a:rPr lang="uk-UA" i="1">
+                          <a:latin typeface="Cambria Math" panose="02040503050406030204" pitchFamily="18" charset="0"/>
+                        </a:rPr>
                         <m:t> </m:t>
                       </m:r>
                     </m:oMath>
@@ -3693,7 +3740,7 @@
             </p:txBody>
           </p:sp>
         </mc:Choice>
-        <mc:Fallback>
+        <mc:Fallback xmlns="">
           <p:sp>
             <p:nvSpPr>
               <p:cNvPr id="3" name="Content Placeholder 2">
@@ -6272,8 +6319,8 @@
           </a:p>
         </p:txBody>
       </p:sp>
-      <mc:AlternateContent xmlns:mc="http://schemas.openxmlformats.org/markup-compatibility/2006">
-        <mc:Choice xmlns:a14="http://schemas.microsoft.com/office/drawing/2010/main" Requires="a14">
+      <mc:AlternateContent xmlns:mc="http://schemas.openxmlformats.org/markup-compatibility/2006" xmlns:a14="http://schemas.microsoft.com/office/drawing/2010/main">
+        <mc:Choice Requires="a14">
           <p:sp>
             <p:nvSpPr>
               <p:cNvPr id="3" name="Content Placeholder 2">
@@ -6309,55 +6356,73 @@
                         <m:begChr m:val="{"/>
                         <m:endChr m:val="}"/>
                         <m:ctrlPr>
-                          <a:rPr lang="en-US" i="1" smtClean="0"/>
+                          <a:rPr lang="en-US" i="1" smtClean="0">
+                            <a:latin typeface="Cambria Math" panose="02040503050406030204" pitchFamily="18" charset="0"/>
+                          </a:rPr>
                         </m:ctrlPr>
                       </m:dPr>
                       <m:e>
                         <m:d>
                           <m:dPr>
                             <m:ctrlPr>
-                              <a:rPr lang="en-US" i="1"/>
+                              <a:rPr lang="en-US" i="1">
+                                <a:latin typeface="Cambria Math" panose="02040503050406030204" pitchFamily="18" charset="0"/>
+                              </a:rPr>
                             </m:ctrlPr>
                           </m:dPr>
                           <m:e>
                             <m:sSup>
                               <m:sSupPr>
                                 <m:ctrlPr>
-                                  <a:rPr lang="en-US" i="1"/>
+                                  <a:rPr lang="en-US" i="1">
+                                    <a:latin typeface="Cambria Math" panose="02040503050406030204" pitchFamily="18" charset="0"/>
+                                  </a:rPr>
                                 </m:ctrlPr>
                               </m:sSupPr>
                               <m:e>
                                 <m:r>
-                                  <a:rPr lang="uk-UA" i="1"/>
+                                  <a:rPr lang="uk-UA" i="1">
+                                    <a:latin typeface="Cambria Math" panose="02040503050406030204" pitchFamily="18" charset="0"/>
+                                  </a:rPr>
                                   <m:t>𝑥</m:t>
                                 </m:r>
                               </m:e>
                               <m:sup>
                                 <m:r>
-                                  <a:rPr lang="uk-UA" i="1"/>
+                                  <a:rPr lang="uk-UA" i="1">
+                                    <a:latin typeface="Cambria Math" panose="02040503050406030204" pitchFamily="18" charset="0"/>
+                                  </a:rPr>
                                   <m:t>(1)</m:t>
                                 </m:r>
                               </m:sup>
                             </m:sSup>
                             <m:r>
-                              <a:rPr lang="uk-UA" i="1"/>
+                              <a:rPr lang="uk-UA" i="1">
+                                <a:latin typeface="Cambria Math" panose="02040503050406030204" pitchFamily="18" charset="0"/>
+                              </a:rPr>
                               <m:t>,</m:t>
                             </m:r>
                             <m:sSup>
                               <m:sSupPr>
                                 <m:ctrlPr>
-                                  <a:rPr lang="en-US" i="1"/>
+                                  <a:rPr lang="en-US" i="1">
+                                    <a:latin typeface="Cambria Math" panose="02040503050406030204" pitchFamily="18" charset="0"/>
+                                  </a:rPr>
                                 </m:ctrlPr>
                               </m:sSupPr>
                               <m:e>
                                 <m:r>
-                                  <a:rPr lang="uk-UA" i="1"/>
+                                  <a:rPr lang="uk-UA" i="1">
+                                    <a:latin typeface="Cambria Math" panose="02040503050406030204" pitchFamily="18" charset="0"/>
+                                  </a:rPr>
                                   <m:t>𝑦</m:t>
                                 </m:r>
                               </m:e>
                               <m:sup>
                                 <m:r>
-                                  <a:rPr lang="uk-UA" i="1"/>
+                                  <a:rPr lang="uk-UA" i="1">
+                                    <a:latin typeface="Cambria Math" panose="02040503050406030204" pitchFamily="18" charset="0"/>
+                                  </a:rPr>
                                   <m:t>(1)</m:t>
                                 </m:r>
                               </m:sup>
@@ -6365,54 +6430,72 @@
                           </m:e>
                         </m:d>
                         <m:r>
-                          <a:rPr lang="uk-UA" i="1"/>
+                          <a:rPr lang="uk-UA" i="1">
+                            <a:latin typeface="Cambria Math" panose="02040503050406030204" pitchFamily="18" charset="0"/>
+                          </a:rPr>
                           <m:t>,</m:t>
                         </m:r>
                         <m:d>
                           <m:dPr>
                             <m:ctrlPr>
-                              <a:rPr lang="en-US" i="1"/>
+                              <a:rPr lang="en-US" i="1">
+                                <a:latin typeface="Cambria Math" panose="02040503050406030204" pitchFamily="18" charset="0"/>
+                              </a:rPr>
                             </m:ctrlPr>
                           </m:dPr>
                           <m:e>
                             <m:sSup>
                               <m:sSupPr>
                                 <m:ctrlPr>
-                                  <a:rPr lang="en-US" i="1"/>
+                                  <a:rPr lang="en-US" i="1">
+                                    <a:latin typeface="Cambria Math" panose="02040503050406030204" pitchFamily="18" charset="0"/>
+                                  </a:rPr>
                                 </m:ctrlPr>
                               </m:sSupPr>
                               <m:e>
                                 <m:r>
-                                  <a:rPr lang="uk-UA" i="1"/>
+                                  <a:rPr lang="uk-UA" i="1">
+                                    <a:latin typeface="Cambria Math" panose="02040503050406030204" pitchFamily="18" charset="0"/>
+                                  </a:rPr>
                                   <m:t>𝑥</m:t>
                                 </m:r>
                               </m:e>
                               <m:sup>
                                 <m:r>
-                                  <a:rPr lang="uk-UA" i="1"/>
+                                  <a:rPr lang="uk-UA" i="1">
+                                    <a:latin typeface="Cambria Math" panose="02040503050406030204" pitchFamily="18" charset="0"/>
+                                  </a:rPr>
                                   <m:t>(2)</m:t>
                                 </m:r>
                               </m:sup>
                             </m:sSup>
                             <m:r>
-                              <a:rPr lang="uk-UA" i="1"/>
+                              <a:rPr lang="uk-UA" i="1">
+                                <a:latin typeface="Cambria Math" panose="02040503050406030204" pitchFamily="18" charset="0"/>
+                              </a:rPr>
                               <m:t>,</m:t>
                             </m:r>
                             <m:sSup>
                               <m:sSupPr>
                                 <m:ctrlPr>
-                                  <a:rPr lang="en-US" i="1"/>
+                                  <a:rPr lang="en-US" i="1">
+                                    <a:latin typeface="Cambria Math" panose="02040503050406030204" pitchFamily="18" charset="0"/>
+                                  </a:rPr>
                                 </m:ctrlPr>
                               </m:sSupPr>
                               <m:e>
                                 <m:r>
-                                  <a:rPr lang="uk-UA" i="1"/>
+                                  <a:rPr lang="uk-UA" i="1">
+                                    <a:latin typeface="Cambria Math" panose="02040503050406030204" pitchFamily="18" charset="0"/>
+                                  </a:rPr>
                                   <m:t>𝑦</m:t>
                                 </m:r>
                               </m:e>
                               <m:sup>
                                 <m:r>
-                                  <a:rPr lang="uk-UA" i="1"/>
+                                  <a:rPr lang="uk-UA" i="1">
+                                    <a:latin typeface="Cambria Math" panose="02040503050406030204" pitchFamily="18" charset="0"/>
+                                  </a:rPr>
                                   <m:t>(2)</m:t>
                                 </m:r>
                               </m:sup>
@@ -6420,69 +6503,95 @@
                           </m:e>
                         </m:d>
                         <m:r>
-                          <a:rPr lang="uk-UA" i="1"/>
+                          <a:rPr lang="uk-UA" i="1">
+                            <a:latin typeface="Cambria Math" panose="02040503050406030204" pitchFamily="18" charset="0"/>
+                          </a:rPr>
                           <m:t>,…,(</m:t>
                         </m:r>
                         <m:sSup>
                           <m:sSupPr>
                             <m:ctrlPr>
-                              <a:rPr lang="en-US" i="1"/>
+                              <a:rPr lang="en-US" i="1">
+                                <a:latin typeface="Cambria Math" panose="02040503050406030204" pitchFamily="18" charset="0"/>
+                              </a:rPr>
                             </m:ctrlPr>
                           </m:sSupPr>
                           <m:e>
                             <m:r>
-                              <a:rPr lang="uk-UA" i="1"/>
+                              <a:rPr lang="uk-UA" i="1">
+                                <a:latin typeface="Cambria Math" panose="02040503050406030204" pitchFamily="18" charset="0"/>
+                              </a:rPr>
                               <m:t>𝑥</m:t>
                             </m:r>
                           </m:e>
                           <m:sup>
                             <m:r>
-                              <a:rPr lang="uk-UA" i="1"/>
+                              <a:rPr lang="uk-UA" i="1">
+                                <a:latin typeface="Cambria Math" panose="02040503050406030204" pitchFamily="18" charset="0"/>
+                              </a:rPr>
                               <m:t>(</m:t>
                             </m:r>
                             <m:r>
-                              <a:rPr lang="uk-UA" i="1"/>
+                              <a:rPr lang="uk-UA" i="1">
+                                <a:latin typeface="Cambria Math" panose="02040503050406030204" pitchFamily="18" charset="0"/>
+                              </a:rPr>
                               <m:t>𝑛</m:t>
                             </m:r>
                             <m:r>
-                              <a:rPr lang="uk-UA" i="1"/>
+                              <a:rPr lang="uk-UA" i="1">
+                                <a:latin typeface="Cambria Math" panose="02040503050406030204" pitchFamily="18" charset="0"/>
+                              </a:rPr>
                               <m:t>)</m:t>
                             </m:r>
                           </m:sup>
                         </m:sSup>
                         <m:r>
-                          <a:rPr lang="uk-UA" i="1"/>
+                          <a:rPr lang="uk-UA" i="1">
+                            <a:latin typeface="Cambria Math" panose="02040503050406030204" pitchFamily="18" charset="0"/>
+                          </a:rPr>
                           <m:t>,</m:t>
                         </m:r>
                         <m:sSup>
                           <m:sSupPr>
                             <m:ctrlPr>
-                              <a:rPr lang="en-US" i="1"/>
+                              <a:rPr lang="en-US" i="1">
+                                <a:latin typeface="Cambria Math" panose="02040503050406030204" pitchFamily="18" charset="0"/>
+                              </a:rPr>
                             </m:ctrlPr>
                           </m:sSupPr>
                           <m:e>
                             <m:r>
-                              <a:rPr lang="uk-UA" i="1"/>
+                              <a:rPr lang="uk-UA" i="1">
+                                <a:latin typeface="Cambria Math" panose="02040503050406030204" pitchFamily="18" charset="0"/>
+                              </a:rPr>
                               <m:t>𝑦</m:t>
                             </m:r>
                           </m:e>
                           <m:sup>
                             <m:r>
-                              <a:rPr lang="uk-UA" i="1"/>
+                              <a:rPr lang="uk-UA" i="1">
+                                <a:latin typeface="Cambria Math" panose="02040503050406030204" pitchFamily="18" charset="0"/>
+                              </a:rPr>
                               <m:t>(</m:t>
                             </m:r>
                             <m:r>
-                              <a:rPr lang="uk-UA" i="1"/>
+                              <a:rPr lang="uk-UA" i="1">
+                                <a:latin typeface="Cambria Math" panose="02040503050406030204" pitchFamily="18" charset="0"/>
+                              </a:rPr>
                               <m:t>𝑛</m:t>
                             </m:r>
                             <m:r>
-                              <a:rPr lang="uk-UA" i="1"/>
+                              <a:rPr lang="uk-UA" i="1">
+                                <a:latin typeface="Cambria Math" panose="02040503050406030204" pitchFamily="18" charset="0"/>
+                              </a:rPr>
                               <m:t>)</m:t>
                             </m:r>
                           </m:sup>
                         </m:sSup>
                         <m:r>
-                          <a:rPr lang="uk-UA" i="1"/>
+                          <a:rPr lang="uk-UA" i="1">
+                            <a:latin typeface="Cambria Math" panose="02040503050406030204" pitchFamily="18" charset="0"/>
+                          </a:rPr>
                           <m:t>)</m:t>
                         </m:r>
                       </m:e>
@@ -6523,12 +6632,16 @@
                       <m:accPr>
                         <m:chr m:val="̂"/>
                         <m:ctrlPr>
-                          <a:rPr lang="en-US" i="1"/>
+                          <a:rPr lang="en-US" i="1">
+                            <a:latin typeface="Cambria Math" panose="02040503050406030204" pitchFamily="18" charset="0"/>
+                          </a:rPr>
                         </m:ctrlPr>
                       </m:accPr>
                       <m:e>
                         <m:r>
-                          <a:rPr lang="uk-UA" i="1"/>
+                          <a:rPr lang="uk-UA" i="1">
+                            <a:latin typeface="Cambria Math" panose="02040503050406030204" pitchFamily="18" charset="0"/>
+                          </a:rPr>
                           <m:t>𝑓</m:t>
                         </m:r>
                       </m:e>
@@ -6550,24 +6663,32 @@
                 <a14:m>
                   <m:oMath xmlns:m="http://schemas.openxmlformats.org/officeDocument/2006/math">
                     <m:r>
-                      <a:rPr lang="en-US" i="1"/>
+                      <a:rPr lang="en-US" i="1">
+                        <a:latin typeface="Cambria Math" panose="02040503050406030204" pitchFamily="18" charset="0"/>
+                      </a:rPr>
                       <m:t>𝑀𝐴𝐷</m:t>
                     </m:r>
                     <m:r>
-                      <a:rPr lang="en-US" i="1"/>
+                      <a:rPr lang="en-US" i="1">
+                        <a:latin typeface="Cambria Math" panose="02040503050406030204" pitchFamily="18" charset="0"/>
+                      </a:rPr>
                       <m:t>=</m:t>
                     </m:r>
                     <m:func>
                       <m:funcPr>
                         <m:ctrlPr>
-                          <a:rPr lang="en-US" i="1"/>
+                          <a:rPr lang="en-US" i="1">
+                            <a:latin typeface="Cambria Math" panose="02040503050406030204" pitchFamily="18" charset="0"/>
+                          </a:rPr>
                         </m:ctrlPr>
                       </m:funcPr>
                       <m:fName>
                         <m:limLow>
                           <m:limLowPr>
                             <m:ctrlPr>
-                              <a:rPr lang="en-US" i="1"/>
+                              <a:rPr lang="en-US" i="1">
+                                <a:latin typeface="Cambria Math" panose="02040503050406030204" pitchFamily="18" charset="0"/>
+                              </a:rPr>
                             </m:ctrlPr>
                           </m:limLowPr>
                           <m:e>
@@ -6575,46 +6696,62 @@
                               <m:rPr>
                                 <m:sty m:val="p"/>
                               </m:rPr>
-                              <a:rPr lang="ru-RU"/>
+                              <a:rPr lang="ru-RU">
+                                <a:latin typeface="Cambria Math" panose="02040503050406030204" pitchFamily="18" charset="0"/>
+                              </a:rPr>
                               <m:t>max</m:t>
                             </m:r>
                           </m:e>
                           <m:lim>
                             <m:r>
-                              <a:rPr lang="en-US" i="1"/>
+                              <a:rPr lang="en-US" i="1">
+                                <a:latin typeface="Cambria Math" panose="02040503050406030204" pitchFamily="18" charset="0"/>
+                              </a:rPr>
                               <m:t>𝑖</m:t>
                             </m:r>
                             <m:r>
-                              <a:rPr lang="en-US" i="1"/>
+                              <a:rPr lang="en-US" i="1">
+                                <a:latin typeface="Cambria Math" panose="02040503050406030204" pitchFamily="18" charset="0"/>
+                              </a:rPr>
                               <m:t>=</m:t>
                             </m:r>
                             <m:acc>
                               <m:accPr>
                                 <m:chr m:val="̅"/>
                                 <m:ctrlPr>
-                                  <a:rPr lang="en-US" i="1"/>
+                                  <a:rPr lang="en-US" i="1">
+                                    <a:latin typeface="Cambria Math" panose="02040503050406030204" pitchFamily="18" charset="0"/>
+                                  </a:rPr>
                                 </m:ctrlPr>
                               </m:accPr>
                               <m:e>
                                 <m:r>
-                                  <a:rPr lang="en-US" i="1"/>
+                                  <a:rPr lang="en-US" i="1">
+                                    <a:latin typeface="Cambria Math" panose="02040503050406030204" pitchFamily="18" charset="0"/>
+                                  </a:rPr>
                                   <m:t>1,</m:t>
                                 </m:r>
                                 <m:sSub>
                                   <m:sSubPr>
                                     <m:ctrlPr>
-                                      <a:rPr lang="en-US" i="1"/>
+                                      <a:rPr lang="en-US" i="1">
+                                        <a:latin typeface="Cambria Math" panose="02040503050406030204" pitchFamily="18" charset="0"/>
+                                      </a:rPr>
                                     </m:ctrlPr>
                                   </m:sSubPr>
                                   <m:e>
                                     <m:r>
-                                      <a:rPr lang="en-US" i="1"/>
+                                      <a:rPr lang="en-US" i="1">
+                                        <a:latin typeface="Cambria Math" panose="02040503050406030204" pitchFamily="18" charset="0"/>
+                                      </a:rPr>
                                       <m:t>𝑛</m:t>
                                     </m:r>
                                   </m:e>
                                   <m:sub>
                                     <m:r>
-                                      <a:rPr lang="en-US" i="1"/>
+                                      <a:rPr lang="en-US" i="1">
+                                        <a:latin typeface="Cambria Math" panose="02040503050406030204" pitchFamily="18" charset="0"/>
+                                      </a:rPr>
                                       <m:t>𝑡</m:t>
                                     </m:r>
                                   </m:sub>
@@ -6630,19 +6767,25 @@
                             <m:begChr m:val="|"/>
                             <m:endChr m:val="|"/>
                             <m:ctrlPr>
-                              <a:rPr lang="en-US" i="1"/>
+                              <a:rPr lang="en-US" i="1">
+                                <a:latin typeface="Cambria Math" panose="02040503050406030204" pitchFamily="18" charset="0"/>
+                              </a:rPr>
                             </m:ctrlPr>
                           </m:dPr>
                           <m:e>
                             <m:sSup>
                               <m:sSupPr>
                                 <m:ctrlPr>
-                                  <a:rPr lang="en-US" i="1"/>
+                                  <a:rPr lang="en-US" i="1">
+                                    <a:latin typeface="Cambria Math" panose="02040503050406030204" pitchFamily="18" charset="0"/>
+                                  </a:rPr>
                                 </m:ctrlPr>
                               </m:sSupPr>
                               <m:e>
                                 <m:r>
-                                  <a:rPr lang="en-US" i="1"/>
+                                  <a:rPr lang="en-US" i="1">
+                                    <a:latin typeface="Cambria Math" panose="02040503050406030204" pitchFamily="18" charset="0"/>
+                                  </a:rPr>
                                   <m:t>𝑦</m:t>
                                 </m:r>
                               </m:e>
@@ -6650,12 +6793,16 @@
                                 <m:d>
                                   <m:dPr>
                                     <m:ctrlPr>
-                                      <a:rPr lang="en-US" i="1"/>
+                                      <a:rPr lang="en-US" i="1">
+                                        <a:latin typeface="Cambria Math" panose="02040503050406030204" pitchFamily="18" charset="0"/>
+                                      </a:rPr>
                                     </m:ctrlPr>
                                   </m:dPr>
                                   <m:e>
                                     <m:r>
-                                      <a:rPr lang="en-US" i="1"/>
+                                      <a:rPr lang="en-US" i="1">
+                                        <a:latin typeface="Cambria Math" panose="02040503050406030204" pitchFamily="18" charset="0"/>
+                                      </a:rPr>
                                       <m:t>𝑖</m:t>
                                     </m:r>
                                   </m:e>
@@ -6663,13 +6810,17 @@
                               </m:sup>
                             </m:sSup>
                             <m:r>
-                              <a:rPr lang="en-US" i="1"/>
+                              <a:rPr lang="en-US" i="1">
+                                <a:latin typeface="Cambria Math" panose="02040503050406030204" pitchFamily="18" charset="0"/>
+                              </a:rPr>
                               <m:t>−</m:t>
                             </m:r>
                             <m:sSup>
                               <m:sSupPr>
                                 <m:ctrlPr>
-                                  <a:rPr lang="en-US" i="1"/>
+                                  <a:rPr lang="en-US" i="1">
+                                    <a:latin typeface="Cambria Math" panose="02040503050406030204" pitchFamily="18" charset="0"/>
+                                  </a:rPr>
                                 </m:ctrlPr>
                               </m:sSupPr>
                               <m:e>
@@ -6677,12 +6828,16 @@
                                   <m:accPr>
                                     <m:chr m:val="̂"/>
                                     <m:ctrlPr>
-                                      <a:rPr lang="en-US" i="1"/>
+                                      <a:rPr lang="en-US" i="1">
+                                        <a:latin typeface="Cambria Math" panose="02040503050406030204" pitchFamily="18" charset="0"/>
+                                      </a:rPr>
                                     </m:ctrlPr>
                                   </m:accPr>
                                   <m:e>
                                     <m:r>
-                                      <a:rPr lang="en-US" i="1"/>
+                                      <a:rPr lang="en-US" i="1">
+                                        <a:latin typeface="Cambria Math" panose="02040503050406030204" pitchFamily="18" charset="0"/>
+                                      </a:rPr>
                                       <m:t>𝑦</m:t>
                                     </m:r>
                                   </m:e>
@@ -6690,15 +6845,21 @@
                               </m:e>
                               <m:sup>
                                 <m:r>
-                                  <a:rPr lang="en-US" i="1"/>
+                                  <a:rPr lang="en-US" i="1">
+                                    <a:latin typeface="Cambria Math" panose="02040503050406030204" pitchFamily="18" charset="0"/>
+                                  </a:rPr>
                                   <m:t>(</m:t>
                                 </m:r>
                                 <m:r>
-                                  <a:rPr lang="en-US" i="1"/>
+                                  <a:rPr lang="en-US" i="1">
+                                    <a:latin typeface="Cambria Math" panose="02040503050406030204" pitchFamily="18" charset="0"/>
+                                  </a:rPr>
                                   <m:t>𝑖</m:t>
                                 </m:r>
                                 <m:r>
-                                  <a:rPr lang="en-US" i="1"/>
+                                  <a:rPr lang="en-US" i="1">
+                                    <a:latin typeface="Cambria Math" panose="02040503050406030204" pitchFamily="18" charset="0"/>
+                                  </a:rPr>
                                   <m:t>)</m:t>
                                 </m:r>
                               </m:sup>
@@ -6723,18 +6884,24 @@
                 <a14:m>
                   <m:oMath xmlns:m="http://schemas.openxmlformats.org/officeDocument/2006/math">
                     <m:r>
-                      <a:rPr lang="en-US" i="1"/>
+                      <a:rPr lang="en-US" i="1">
+                        <a:latin typeface="Cambria Math" panose="02040503050406030204" pitchFamily="18" charset="0"/>
+                      </a:rPr>
                       <m:t>𝑅𝑀𝑆𝐸</m:t>
                     </m:r>
                     <m:r>
-                      <a:rPr lang="en-US" i="1"/>
+                      <a:rPr lang="en-US" i="1">
+                        <a:latin typeface="Cambria Math" panose="02040503050406030204" pitchFamily="18" charset="0"/>
+                      </a:rPr>
                       <m:t>=</m:t>
                     </m:r>
                     <m:rad>
                       <m:radPr>
                         <m:degHide m:val="on"/>
                         <m:ctrlPr>
-                          <a:rPr lang="en-US" i="1"/>
+                          <a:rPr lang="en-US" i="1">
+                            <a:latin typeface="Cambria Math" panose="02040503050406030204" pitchFamily="18" charset="0"/>
+                          </a:rPr>
                         </m:ctrlPr>
                       </m:radPr>
                       <m:deg/>
@@ -6742,7 +6909,9 @@
                         <m:f>
                           <m:fPr>
                             <m:ctrlPr>
-                              <a:rPr lang="en-US" i="1"/>
+                              <a:rPr lang="en-US" i="1">
+                                <a:latin typeface="Cambria Math" panose="02040503050406030204" pitchFamily="18" charset="0"/>
+                              </a:rPr>
                             </m:ctrlPr>
                           </m:fPr>
                           <m:num>
@@ -6751,16 +6920,22 @@
                                 <m:chr m:val="∑"/>
                                 <m:limLoc m:val="subSup"/>
                                 <m:ctrlPr>
-                                  <a:rPr lang="en-US" i="1"/>
+                                  <a:rPr lang="en-US" i="1">
+                                    <a:latin typeface="Cambria Math" panose="02040503050406030204" pitchFamily="18" charset="0"/>
+                                  </a:rPr>
                                 </m:ctrlPr>
                               </m:naryPr>
                               <m:sub>
                                 <m:r>
-                                  <a:rPr lang="en-US" i="1"/>
+                                  <a:rPr lang="en-US" i="1">
+                                    <a:latin typeface="Cambria Math" panose="02040503050406030204" pitchFamily="18" charset="0"/>
+                                  </a:rPr>
                                   <m:t>𝑖</m:t>
                                 </m:r>
                                 <m:r>
-                                  <a:rPr lang="en-US" i="1"/>
+                                  <a:rPr lang="en-US" i="1">
+                                    <a:latin typeface="Cambria Math" panose="02040503050406030204" pitchFamily="18" charset="0"/>
+                                  </a:rPr>
                                   <m:t>=0</m:t>
                                 </m:r>
                               </m:sub>
@@ -6768,18 +6943,24 @@
                                 <m:sSub>
                                   <m:sSubPr>
                                     <m:ctrlPr>
-                                      <a:rPr lang="en-US" i="1"/>
+                                      <a:rPr lang="en-US" i="1">
+                                        <a:latin typeface="Cambria Math" panose="02040503050406030204" pitchFamily="18" charset="0"/>
+                                      </a:rPr>
                                     </m:ctrlPr>
                                   </m:sSubPr>
                                   <m:e>
                                     <m:r>
-                                      <a:rPr lang="en-US" i="1"/>
+                                      <a:rPr lang="en-US" i="1">
+                                        <a:latin typeface="Cambria Math" panose="02040503050406030204" pitchFamily="18" charset="0"/>
+                                      </a:rPr>
                                       <m:t>𝑛</m:t>
                                     </m:r>
                                   </m:e>
                                   <m:sub>
                                     <m:r>
-                                      <a:rPr lang="en-US" i="1"/>
+                                      <a:rPr lang="en-US" i="1">
+                                        <a:latin typeface="Cambria Math" panose="02040503050406030204" pitchFamily="18" charset="0"/>
+                                      </a:rPr>
                                       <m:t>𝑡</m:t>
                                     </m:r>
                                   </m:sub>
@@ -6789,23 +6970,31 @@
                                 <m:sSup>
                                   <m:sSupPr>
                                     <m:ctrlPr>
-                                      <a:rPr lang="en-US" i="1"/>
+                                      <a:rPr lang="en-US" i="1">
+                                        <a:latin typeface="Cambria Math" panose="02040503050406030204" pitchFamily="18" charset="0"/>
+                                      </a:rPr>
                                     </m:ctrlPr>
                                   </m:sSupPr>
                                   <m:e>
                                     <m:r>
-                                      <a:rPr lang="en-US" i="1"/>
+                                      <a:rPr lang="en-US" i="1">
+                                        <a:latin typeface="Cambria Math" panose="02040503050406030204" pitchFamily="18" charset="0"/>
+                                      </a:rPr>
                                       <m:t>(</m:t>
                                     </m:r>
                                     <m:sSup>
                                       <m:sSupPr>
                                         <m:ctrlPr>
-                                          <a:rPr lang="en-US" i="1"/>
+                                          <a:rPr lang="en-US" i="1">
+                                            <a:latin typeface="Cambria Math" panose="02040503050406030204" pitchFamily="18" charset="0"/>
+                                          </a:rPr>
                                         </m:ctrlPr>
                                       </m:sSupPr>
                                       <m:e>
                                         <m:r>
-                                          <a:rPr lang="en-US" i="1"/>
+                                          <a:rPr lang="en-US" i="1">
+                                            <a:latin typeface="Cambria Math" panose="02040503050406030204" pitchFamily="18" charset="0"/>
+                                          </a:rPr>
                                           <m:t>𝑦</m:t>
                                         </m:r>
                                       </m:e>
@@ -6813,12 +7002,16 @@
                                         <m:d>
                                           <m:dPr>
                                             <m:ctrlPr>
-                                              <a:rPr lang="en-US" i="1"/>
+                                              <a:rPr lang="en-US" i="1">
+                                                <a:latin typeface="Cambria Math" panose="02040503050406030204" pitchFamily="18" charset="0"/>
+                                              </a:rPr>
                                             </m:ctrlPr>
                                           </m:dPr>
                                           <m:e>
                                             <m:r>
-                                              <a:rPr lang="en-US" i="1"/>
+                                              <a:rPr lang="en-US" i="1">
+                                                <a:latin typeface="Cambria Math" panose="02040503050406030204" pitchFamily="18" charset="0"/>
+                                              </a:rPr>
                                               <m:t>𝑖</m:t>
                                             </m:r>
                                           </m:e>
@@ -6826,13 +7019,17 @@
                                       </m:sup>
                                     </m:sSup>
                                     <m:r>
-                                      <a:rPr lang="en-US" i="1"/>
+                                      <a:rPr lang="en-US" i="1">
+                                        <a:latin typeface="Cambria Math" panose="02040503050406030204" pitchFamily="18" charset="0"/>
+                                      </a:rPr>
                                       <m:t>−</m:t>
                                     </m:r>
                                     <m:sSup>
                                       <m:sSupPr>
                                         <m:ctrlPr>
-                                          <a:rPr lang="en-US" i="1"/>
+                                          <a:rPr lang="en-US" i="1">
+                                            <a:latin typeface="Cambria Math" panose="02040503050406030204" pitchFamily="18" charset="0"/>
+                                          </a:rPr>
                                         </m:ctrlPr>
                                       </m:sSupPr>
                                       <m:e>
@@ -6840,12 +7037,16 @@
                                           <m:accPr>
                                             <m:chr m:val="̂"/>
                                             <m:ctrlPr>
-                                              <a:rPr lang="en-US" i="1"/>
+                                              <a:rPr lang="en-US" i="1">
+                                                <a:latin typeface="Cambria Math" panose="02040503050406030204" pitchFamily="18" charset="0"/>
+                                              </a:rPr>
                                             </m:ctrlPr>
                                           </m:accPr>
                                           <m:e>
                                             <m:r>
-                                              <a:rPr lang="en-US" i="1"/>
+                                              <a:rPr lang="en-US" i="1">
+                                                <a:latin typeface="Cambria Math" panose="02040503050406030204" pitchFamily="18" charset="0"/>
+                                              </a:rPr>
                                               <m:t>𝑦</m:t>
                                             </m:r>
                                           </m:e>
@@ -6853,27 +7054,37 @@
                                       </m:e>
                                       <m:sup>
                                         <m:r>
-                                          <a:rPr lang="en-US" i="1"/>
+                                          <a:rPr lang="en-US" i="1">
+                                            <a:latin typeface="Cambria Math" panose="02040503050406030204" pitchFamily="18" charset="0"/>
+                                          </a:rPr>
                                           <m:t>(</m:t>
                                         </m:r>
                                         <m:r>
-                                          <a:rPr lang="en-US" i="1"/>
+                                          <a:rPr lang="en-US" i="1">
+                                            <a:latin typeface="Cambria Math" panose="02040503050406030204" pitchFamily="18" charset="0"/>
+                                          </a:rPr>
                                           <m:t>𝑖</m:t>
                                         </m:r>
                                         <m:r>
-                                          <a:rPr lang="en-US" i="1"/>
+                                          <a:rPr lang="en-US" i="1">
+                                            <a:latin typeface="Cambria Math" panose="02040503050406030204" pitchFamily="18" charset="0"/>
+                                          </a:rPr>
                                           <m:t>)</m:t>
                                         </m:r>
                                       </m:sup>
                                     </m:sSup>
                                     <m:r>
-                                      <a:rPr lang="en-US" i="1"/>
+                                      <a:rPr lang="en-US" i="1">
+                                        <a:latin typeface="Cambria Math" panose="02040503050406030204" pitchFamily="18" charset="0"/>
+                                      </a:rPr>
                                       <m:t>)</m:t>
                                     </m:r>
                                   </m:e>
                                   <m:sup>
                                     <m:r>
-                                      <a:rPr lang="en-US" i="1"/>
+                                      <a:rPr lang="en-US" i="1">
+                                        <a:latin typeface="Cambria Math" panose="02040503050406030204" pitchFamily="18" charset="0"/>
+                                      </a:rPr>
                                       <m:t>2</m:t>
                                     </m:r>
                                   </m:sup>
@@ -6885,18 +7096,24 @@
                             <m:sSub>
                               <m:sSubPr>
                                 <m:ctrlPr>
-                                  <a:rPr lang="en-US" i="1"/>
+                                  <a:rPr lang="en-US" i="1">
+                                    <a:latin typeface="Cambria Math" panose="02040503050406030204" pitchFamily="18" charset="0"/>
+                                  </a:rPr>
                                 </m:ctrlPr>
                               </m:sSubPr>
                               <m:e>
                                 <m:r>
-                                  <a:rPr lang="en-US" i="1"/>
+                                  <a:rPr lang="en-US" i="1">
+                                    <a:latin typeface="Cambria Math" panose="02040503050406030204" pitchFamily="18" charset="0"/>
+                                  </a:rPr>
                                   <m:t>𝑛</m:t>
                                 </m:r>
                               </m:e>
                               <m:sub>
                                 <m:r>
-                                  <a:rPr lang="en-US" i="1"/>
+                                  <a:rPr lang="en-US" i="1">
+                                    <a:latin typeface="Cambria Math" panose="02040503050406030204" pitchFamily="18" charset="0"/>
+                                  </a:rPr>
                                   <m:t>𝑡</m:t>
                                 </m:r>
                               </m:sub>
@@ -6915,44 +7132,58 @@
                     <m:sSup>
                       <m:sSupPr>
                         <m:ctrlPr>
-                          <a:rPr lang="en-US" i="1"/>
+                          <a:rPr lang="en-US" i="1">
+                            <a:latin typeface="Cambria Math" panose="02040503050406030204" pitchFamily="18" charset="0"/>
+                          </a:rPr>
                         </m:ctrlPr>
                       </m:sSupPr>
                       <m:e>
                         <m:r>
-                          <a:rPr lang="en-US" i="1"/>
+                          <a:rPr lang="en-US" i="1">
+                            <a:latin typeface="Cambria Math" panose="02040503050406030204" pitchFamily="18" charset="0"/>
+                          </a:rPr>
                           <m:t>𝑟</m:t>
                         </m:r>
                       </m:e>
                       <m:sup>
                         <m:r>
-                          <a:rPr lang="en-US" i="1"/>
+                          <a:rPr lang="en-US" i="1">
+                            <a:latin typeface="Cambria Math" panose="02040503050406030204" pitchFamily="18" charset="0"/>
+                          </a:rPr>
                           <m:t>2</m:t>
                         </m:r>
                       </m:sup>
                     </m:sSup>
                     <m:r>
-                      <a:rPr lang="en-US" i="1"/>
+                      <a:rPr lang="en-US" i="1">
+                        <a:latin typeface="Cambria Math" panose="02040503050406030204" pitchFamily="18" charset="0"/>
+                      </a:rPr>
                       <m:t>=</m:t>
                     </m:r>
                     <m:sSup>
                       <m:sSupPr>
                         <m:ctrlPr>
-                          <a:rPr lang="en-US" i="1"/>
+                          <a:rPr lang="en-US" i="1">
+                            <a:latin typeface="Cambria Math" panose="02040503050406030204" pitchFamily="18" charset="0"/>
+                          </a:rPr>
                         </m:ctrlPr>
                       </m:sSupPr>
                       <m:e>
                         <m:d>
                           <m:dPr>
                             <m:ctrlPr>
-                              <a:rPr lang="en-US" i="1"/>
+                              <a:rPr lang="en-US" i="1">
+                                <a:latin typeface="Cambria Math" panose="02040503050406030204" pitchFamily="18" charset="0"/>
+                              </a:rPr>
                             </m:ctrlPr>
                           </m:dPr>
                           <m:e>
                             <m:f>
                               <m:fPr>
                                 <m:ctrlPr>
-                                  <a:rPr lang="en-US" i="1"/>
+                                  <a:rPr lang="en-US" i="1">
+                                    <a:latin typeface="Cambria Math" panose="02040503050406030204" pitchFamily="18" charset="0"/>
+                                  </a:rPr>
                                 </m:ctrlPr>
                               </m:fPr>
                               <m:num>
@@ -6960,37 +7191,51 @@
                                   <m:rPr>
                                     <m:sty m:val="p"/>
                                   </m:rPr>
-                                  <a:rPr lang="en-US"/>
+                                  <a:rPr lang="en-US">
+                                    <a:latin typeface="Cambria Math" panose="02040503050406030204" pitchFamily="18" charset="0"/>
+                                  </a:rPr>
                                   <m:t>cov</m:t>
                                 </m:r>
                                 <m:r>
-                                  <a:rPr lang="en-US" i="1"/>
+                                  <a:rPr lang="en-US" i="1">
+                                    <a:latin typeface="Cambria Math" panose="02040503050406030204" pitchFamily="18" charset="0"/>
+                                  </a:rPr>
                                   <m:t>(</m:t>
                                 </m:r>
                                 <m:r>
-                                  <a:rPr lang="en-US" b="1" i="1"/>
+                                  <a:rPr lang="en-US" b="1" i="1">
+                                    <a:latin typeface="Cambria Math" panose="02040503050406030204" pitchFamily="18" charset="0"/>
+                                  </a:rPr>
                                   <m:t>𝐲</m:t>
                                 </m:r>
                                 <m:r>
-                                  <a:rPr lang="en-US" i="1"/>
+                                  <a:rPr lang="en-US" i="1">
+                                    <a:latin typeface="Cambria Math" panose="02040503050406030204" pitchFamily="18" charset="0"/>
+                                  </a:rPr>
                                   <m:t>,</m:t>
                                 </m:r>
                                 <m:acc>
                                   <m:accPr>
                                     <m:chr m:val="̂"/>
                                     <m:ctrlPr>
-                                      <a:rPr lang="en-US" i="1"/>
+                                      <a:rPr lang="en-US" i="1">
+                                        <a:latin typeface="Cambria Math" panose="02040503050406030204" pitchFamily="18" charset="0"/>
+                                      </a:rPr>
                                     </m:ctrlPr>
                                   </m:accPr>
                                   <m:e>
                                     <m:r>
-                                      <a:rPr lang="en-US" b="1" i="1"/>
+                                      <a:rPr lang="en-US" b="1" i="1">
+                                        <a:latin typeface="Cambria Math" panose="02040503050406030204" pitchFamily="18" charset="0"/>
+                                      </a:rPr>
                                       <m:t>𝐲</m:t>
                                     </m:r>
                                   </m:e>
                                 </m:acc>
                                 <m:r>
-                                  <a:rPr lang="en-US" i="1"/>
+                                  <a:rPr lang="en-US" i="1">
+                                    <a:latin typeface="Cambria Math" panose="02040503050406030204" pitchFamily="18" charset="0"/>
+                                  </a:rPr>
                                   <m:t>)</m:t>
                                 </m:r>
                               </m:num>
@@ -6999,7 +7244,9 @@
                                   <m:radPr>
                                     <m:degHide m:val="on"/>
                                     <m:ctrlPr>
-                                      <a:rPr lang="en-US" i="1"/>
+                                      <a:rPr lang="en-US" i="1">
+                                        <a:latin typeface="Cambria Math" panose="02040503050406030204" pitchFamily="18" charset="0"/>
+                                      </a:rPr>
                                     </m:ctrlPr>
                                   </m:radPr>
                                   <m:deg/>
@@ -7008,18 +7255,24 @@
                                       <m:rPr>
                                         <m:sty m:val="p"/>
                                       </m:rPr>
-                                      <a:rPr lang="en-US"/>
+                                      <a:rPr lang="en-US">
+                                        <a:latin typeface="Cambria Math" panose="02040503050406030204" pitchFamily="18" charset="0"/>
+                                      </a:rPr>
                                       <m:t>var</m:t>
                                     </m:r>
                                     <m:d>
                                       <m:dPr>
                                         <m:ctrlPr>
-                                          <a:rPr lang="en-US" i="1"/>
+                                          <a:rPr lang="en-US" i="1">
+                                            <a:latin typeface="Cambria Math" panose="02040503050406030204" pitchFamily="18" charset="0"/>
+                                          </a:rPr>
                                         </m:ctrlPr>
                                       </m:dPr>
                                       <m:e>
                                         <m:r>
-                                          <a:rPr lang="en-US" b="1" i="1"/>
+                                          <a:rPr lang="en-US" b="1" i="1">
+                                            <a:latin typeface="Cambria Math" panose="02040503050406030204" pitchFamily="18" charset="0"/>
+                                          </a:rPr>
                                           <m:t>𝐲</m:t>
                                         </m:r>
                                       </m:e>
@@ -7028,29 +7281,39 @@
                                       <m:rPr>
                                         <m:sty m:val="p"/>
                                       </m:rPr>
-                                      <a:rPr lang="en-US"/>
+                                      <a:rPr lang="en-US">
+                                        <a:latin typeface="Cambria Math" panose="02040503050406030204" pitchFamily="18" charset="0"/>
+                                      </a:rPr>
                                       <m:t>var</m:t>
                                     </m:r>
                                     <m:r>
-                                      <a:rPr lang="en-US" i="1"/>
+                                      <a:rPr lang="en-US" i="1">
+                                        <a:latin typeface="Cambria Math" panose="02040503050406030204" pitchFamily="18" charset="0"/>
+                                      </a:rPr>
                                       <m:t>(</m:t>
                                     </m:r>
                                     <m:acc>
                                       <m:accPr>
                                         <m:chr m:val="̂"/>
                                         <m:ctrlPr>
-                                          <a:rPr lang="en-US" i="1"/>
+                                          <a:rPr lang="en-US" i="1">
+                                            <a:latin typeface="Cambria Math" panose="02040503050406030204" pitchFamily="18" charset="0"/>
+                                          </a:rPr>
                                         </m:ctrlPr>
                                       </m:accPr>
                                       <m:e>
                                         <m:r>
-                                          <a:rPr lang="en-US" b="1" i="1"/>
+                                          <a:rPr lang="en-US" b="1" i="1">
+                                            <a:latin typeface="Cambria Math" panose="02040503050406030204" pitchFamily="18" charset="0"/>
+                                          </a:rPr>
                                           <m:t>𝐲</m:t>
                                         </m:r>
                                       </m:e>
                                     </m:acc>
                                     <m:r>
-                                      <a:rPr lang="en-US" i="1"/>
+                                      <a:rPr lang="en-US" i="1">
+                                        <a:latin typeface="Cambria Math" panose="02040503050406030204" pitchFamily="18" charset="0"/>
+                                      </a:rPr>
                                       <m:t>)</m:t>
                                     </m:r>
                                   </m:e>
@@ -7062,51 +7325,67 @@
                       </m:e>
                       <m:sup>
                         <m:r>
-                          <a:rPr lang="en-US" i="1"/>
+                          <a:rPr lang="en-US" i="1">
+                            <a:latin typeface="Cambria Math" panose="02040503050406030204" pitchFamily="18" charset="0"/>
+                          </a:rPr>
                           <m:t>2</m:t>
                         </m:r>
                       </m:sup>
                     </m:sSup>
                     <m:r>
-                      <a:rPr lang="en-US" i="1"/>
+                      <a:rPr lang="en-US" i="1">
+                        <a:latin typeface="Cambria Math" panose="02040503050406030204" pitchFamily="18" charset="0"/>
+                      </a:rPr>
                       <m:t>=</m:t>
                     </m:r>
                     <m:sSup>
                       <m:sSupPr>
                         <m:ctrlPr>
-                          <a:rPr lang="en-US" i="1"/>
+                          <a:rPr lang="en-US" i="1">
+                            <a:latin typeface="Cambria Math" panose="02040503050406030204" pitchFamily="18" charset="0"/>
+                          </a:rPr>
                         </m:ctrlPr>
                       </m:sSupPr>
                       <m:e>
                         <m:d>
                           <m:dPr>
                             <m:ctrlPr>
-                              <a:rPr lang="en-US" i="1"/>
+                              <a:rPr lang="en-US" i="1">
+                                <a:latin typeface="Cambria Math" panose="02040503050406030204" pitchFamily="18" charset="0"/>
+                              </a:rPr>
                             </m:ctrlPr>
                           </m:dPr>
                           <m:e>
                             <m:f>
                               <m:fPr>
                                 <m:ctrlPr>
-                                  <a:rPr lang="en-US" i="1"/>
+                                  <a:rPr lang="en-US" i="1">
+                                    <a:latin typeface="Cambria Math" panose="02040503050406030204" pitchFamily="18" charset="0"/>
+                                  </a:rPr>
                                 </m:ctrlPr>
                               </m:fPr>
                               <m:num>
                                 <m:sSub>
                                   <m:sSubPr>
                                     <m:ctrlPr>
-                                      <a:rPr lang="en-US" i="1"/>
+                                      <a:rPr lang="en-US" i="1">
+                                        <a:latin typeface="Cambria Math" panose="02040503050406030204" pitchFamily="18" charset="0"/>
+                                      </a:rPr>
                                     </m:ctrlPr>
                                   </m:sSubPr>
                                   <m:e>
                                     <m:r>
-                                      <a:rPr lang="en-US" i="1"/>
+                                      <a:rPr lang="en-US" i="1">
+                                        <a:latin typeface="Cambria Math" panose="02040503050406030204" pitchFamily="18" charset="0"/>
+                                      </a:rPr>
                                       <m:t>𝑛</m:t>
                                     </m:r>
                                   </m:e>
                                   <m:sub>
                                     <m:r>
-                                      <a:rPr lang="en-US" i="1"/>
+                                      <a:rPr lang="en-US" i="1">
+                                        <a:latin typeface="Cambria Math" panose="02040503050406030204" pitchFamily="18" charset="0"/>
+                                      </a:rPr>
                                       <m:t>𝑡</m:t>
                                     </m:r>
                                   </m:sub>
@@ -7116,16 +7395,22 @@
                                     <m:chr m:val="∑"/>
                                     <m:limLoc m:val="undOvr"/>
                                     <m:ctrlPr>
-                                      <a:rPr lang="en-US" i="1"/>
+                                      <a:rPr lang="en-US" i="1">
+                                        <a:latin typeface="Cambria Math" panose="02040503050406030204" pitchFamily="18" charset="0"/>
+                                      </a:rPr>
                                     </m:ctrlPr>
                                   </m:naryPr>
                                   <m:sub>
                                     <m:r>
-                                      <a:rPr lang="en-US" i="1"/>
+                                      <a:rPr lang="en-US" i="1">
+                                        <a:latin typeface="Cambria Math" panose="02040503050406030204" pitchFamily="18" charset="0"/>
+                                      </a:rPr>
                                       <m:t>𝑖</m:t>
                                     </m:r>
                                     <m:r>
-                                      <a:rPr lang="en-US" i="1"/>
+                                      <a:rPr lang="en-US" i="1">
+                                        <a:latin typeface="Cambria Math" panose="02040503050406030204" pitchFamily="18" charset="0"/>
+                                      </a:rPr>
                                       <m:t>=0</m:t>
                                     </m:r>
                                   </m:sub>
@@ -7133,18 +7418,24 @@
                                     <m:sSub>
                                       <m:sSubPr>
                                         <m:ctrlPr>
-                                          <a:rPr lang="en-US" i="1"/>
+                                          <a:rPr lang="en-US" i="1">
+                                            <a:latin typeface="Cambria Math" panose="02040503050406030204" pitchFamily="18" charset="0"/>
+                                          </a:rPr>
                                         </m:ctrlPr>
                                       </m:sSubPr>
                                       <m:e>
                                         <m:r>
-                                          <a:rPr lang="en-US" i="1"/>
+                                          <a:rPr lang="en-US" i="1">
+                                            <a:latin typeface="Cambria Math" panose="02040503050406030204" pitchFamily="18" charset="0"/>
+                                          </a:rPr>
                                           <m:t>𝑛</m:t>
                                         </m:r>
                                       </m:e>
                                       <m:sub>
                                         <m:r>
-                                          <a:rPr lang="en-US" i="1"/>
+                                          <a:rPr lang="en-US" i="1">
+                                            <a:latin typeface="Cambria Math" panose="02040503050406030204" pitchFamily="18" charset="0"/>
+                                          </a:rPr>
                                           <m:t>𝑡</m:t>
                                         </m:r>
                                       </m:sub>
@@ -7154,26 +7445,36 @@
                                     <m:sSup>
                                       <m:sSupPr>
                                         <m:ctrlPr>
-                                          <a:rPr lang="en-US" i="1"/>
+                                          <a:rPr lang="en-US" i="1">
+                                            <a:latin typeface="Cambria Math" panose="02040503050406030204" pitchFamily="18" charset="0"/>
+                                          </a:rPr>
                                         </m:ctrlPr>
                                       </m:sSupPr>
                                       <m:e>
                                         <m:r>
-                                          <a:rPr lang="en-US" i="1"/>
+                                          <a:rPr lang="en-US" i="1">
+                                            <a:latin typeface="Cambria Math" panose="02040503050406030204" pitchFamily="18" charset="0"/>
+                                          </a:rPr>
                                           <m:t>𝑦</m:t>
                                         </m:r>
                                       </m:e>
                                       <m:sup>
                                         <m:r>
-                                          <a:rPr lang="en-US" i="1"/>
+                                          <a:rPr lang="en-US" i="1">
+                                            <a:latin typeface="Cambria Math" panose="02040503050406030204" pitchFamily="18" charset="0"/>
+                                          </a:rPr>
                                           <m:t>(</m:t>
                                         </m:r>
                                         <m:r>
-                                          <a:rPr lang="en-US" i="1"/>
+                                          <a:rPr lang="en-US" i="1">
+                                            <a:latin typeface="Cambria Math" panose="02040503050406030204" pitchFamily="18" charset="0"/>
+                                          </a:rPr>
                                           <m:t>𝑖</m:t>
                                         </m:r>
                                         <m:r>
-                                          <a:rPr lang="en-US" i="1"/>
+                                          <a:rPr lang="en-US" i="1">
+                                            <a:latin typeface="Cambria Math" panose="02040503050406030204" pitchFamily="18" charset="0"/>
+                                          </a:rPr>
                                           <m:t>)</m:t>
                                         </m:r>
                                       </m:sup>
@@ -7181,7 +7482,9 @@
                                     <m:sSup>
                                       <m:sSupPr>
                                         <m:ctrlPr>
-                                          <a:rPr lang="en-US" i="1"/>
+                                          <a:rPr lang="en-US" i="1">
+                                            <a:latin typeface="Cambria Math" panose="02040503050406030204" pitchFamily="18" charset="0"/>
+                                          </a:rPr>
                                         </m:ctrlPr>
                                       </m:sSupPr>
                                       <m:e>
@@ -7189,12 +7492,16 @@
                                           <m:accPr>
                                             <m:chr m:val="̂"/>
                                             <m:ctrlPr>
-                                              <a:rPr lang="en-US" i="1"/>
+                                              <a:rPr lang="en-US" i="1">
+                                                <a:latin typeface="Cambria Math" panose="02040503050406030204" pitchFamily="18" charset="0"/>
+                                              </a:rPr>
                                             </m:ctrlPr>
                                           </m:accPr>
                                           <m:e>
                                             <m:r>
-                                              <a:rPr lang="en-US" i="1"/>
+                                              <a:rPr lang="en-US" i="1">
+                                                <a:latin typeface="Cambria Math" panose="02040503050406030204" pitchFamily="18" charset="0"/>
+                                              </a:rPr>
                                               <m:t>𝑦</m:t>
                                             </m:r>
                                           </m:e>
@@ -7202,15 +7509,21 @@
                                       </m:e>
                                       <m:sup>
                                         <m:r>
-                                          <a:rPr lang="en-US" i="1"/>
+                                          <a:rPr lang="en-US" i="1">
+                                            <a:latin typeface="Cambria Math" panose="02040503050406030204" pitchFamily="18" charset="0"/>
+                                          </a:rPr>
                                           <m:t>(</m:t>
                                         </m:r>
                                         <m:r>
-                                          <a:rPr lang="en-US" i="1"/>
+                                          <a:rPr lang="en-US" i="1">
+                                            <a:latin typeface="Cambria Math" panose="02040503050406030204" pitchFamily="18" charset="0"/>
+                                          </a:rPr>
                                           <m:t>𝑖</m:t>
                                         </m:r>
                                         <m:r>
-                                          <a:rPr lang="en-US" i="1"/>
+                                          <a:rPr lang="en-US" i="1">
+                                            <a:latin typeface="Cambria Math" panose="02040503050406030204" pitchFamily="18" charset="0"/>
+                                          </a:rPr>
                                           <m:t>)</m:t>
                                         </m:r>
                                       </m:sup>
@@ -7218,7 +7531,9 @@
                                   </m:e>
                                 </m:nary>
                                 <m:r>
-                                  <a:rPr lang="en-US" i="1"/>
+                                  <a:rPr lang="en-US" i="1">
+                                    <a:latin typeface="Cambria Math" panose="02040503050406030204" pitchFamily="18" charset="0"/>
+                                  </a:rPr>
                                   <m:t>−</m:t>
                                 </m:r>
                                 <m:nary>
@@ -7226,16 +7541,22 @@
                                     <m:chr m:val="∑"/>
                                     <m:limLoc m:val="subSup"/>
                                     <m:ctrlPr>
-                                      <a:rPr lang="en-US" i="1"/>
+                                      <a:rPr lang="en-US" i="1">
+                                        <a:latin typeface="Cambria Math" panose="02040503050406030204" pitchFamily="18" charset="0"/>
+                                      </a:rPr>
                                     </m:ctrlPr>
                                   </m:naryPr>
                                   <m:sub>
                                     <m:r>
-                                      <a:rPr lang="en-US" i="1"/>
+                                      <a:rPr lang="en-US" i="1">
+                                        <a:latin typeface="Cambria Math" panose="02040503050406030204" pitchFamily="18" charset="0"/>
+                                      </a:rPr>
                                       <m:t>𝑖</m:t>
                                     </m:r>
                                     <m:r>
-                                      <a:rPr lang="en-US" i="1"/>
+                                      <a:rPr lang="en-US" i="1">
+                                        <a:latin typeface="Cambria Math" panose="02040503050406030204" pitchFamily="18" charset="0"/>
+                                      </a:rPr>
                                       <m:t>=0</m:t>
                                     </m:r>
                                   </m:sub>
@@ -7243,18 +7564,24 @@
                                     <m:sSub>
                                       <m:sSubPr>
                                         <m:ctrlPr>
-                                          <a:rPr lang="en-US" i="1"/>
+                                          <a:rPr lang="en-US" i="1">
+                                            <a:latin typeface="Cambria Math" panose="02040503050406030204" pitchFamily="18" charset="0"/>
+                                          </a:rPr>
                                         </m:ctrlPr>
                                       </m:sSubPr>
                                       <m:e>
                                         <m:r>
-                                          <a:rPr lang="en-US" i="1"/>
+                                          <a:rPr lang="en-US" i="1">
+                                            <a:latin typeface="Cambria Math" panose="02040503050406030204" pitchFamily="18" charset="0"/>
+                                          </a:rPr>
                                           <m:t>𝑛</m:t>
                                         </m:r>
                                       </m:e>
                                       <m:sub>
                                         <m:r>
-                                          <a:rPr lang="en-US" i="1"/>
+                                          <a:rPr lang="en-US" i="1">
+                                            <a:latin typeface="Cambria Math" panose="02040503050406030204" pitchFamily="18" charset="0"/>
+                                          </a:rPr>
                                           <m:t>𝑡</m:t>
                                         </m:r>
                                       </m:sub>
@@ -7264,26 +7591,36 @@
                                     <m:sSup>
                                       <m:sSupPr>
                                         <m:ctrlPr>
-                                          <a:rPr lang="en-US" i="1"/>
+                                          <a:rPr lang="en-US" i="1">
+                                            <a:latin typeface="Cambria Math" panose="02040503050406030204" pitchFamily="18" charset="0"/>
+                                          </a:rPr>
                                         </m:ctrlPr>
                                       </m:sSupPr>
                                       <m:e>
                                         <m:r>
-                                          <a:rPr lang="en-US" i="1"/>
+                                          <a:rPr lang="en-US" i="1">
+                                            <a:latin typeface="Cambria Math" panose="02040503050406030204" pitchFamily="18" charset="0"/>
+                                          </a:rPr>
                                           <m:t>𝑦</m:t>
                                         </m:r>
                                       </m:e>
                                       <m:sup>
                                         <m:r>
-                                          <a:rPr lang="en-US" i="1"/>
+                                          <a:rPr lang="en-US" i="1">
+                                            <a:latin typeface="Cambria Math" panose="02040503050406030204" pitchFamily="18" charset="0"/>
+                                          </a:rPr>
                                           <m:t>(</m:t>
                                         </m:r>
                                         <m:r>
-                                          <a:rPr lang="en-US" i="1"/>
+                                          <a:rPr lang="en-US" i="1">
+                                            <a:latin typeface="Cambria Math" panose="02040503050406030204" pitchFamily="18" charset="0"/>
+                                          </a:rPr>
                                           <m:t>𝑖</m:t>
                                         </m:r>
                                         <m:r>
-                                          <a:rPr lang="en-US" i="1"/>
+                                          <a:rPr lang="en-US" i="1">
+                                            <a:latin typeface="Cambria Math" panose="02040503050406030204" pitchFamily="18" charset="0"/>
+                                          </a:rPr>
                                           <m:t>)</m:t>
                                         </m:r>
                                       </m:sup>
@@ -7293,16 +7630,22 @@
                                         <m:chr m:val="∑"/>
                                         <m:limLoc m:val="subSup"/>
                                         <m:ctrlPr>
-                                          <a:rPr lang="en-US" i="1"/>
+                                          <a:rPr lang="en-US" i="1">
+                                            <a:latin typeface="Cambria Math" panose="02040503050406030204" pitchFamily="18" charset="0"/>
+                                          </a:rPr>
                                         </m:ctrlPr>
                                       </m:naryPr>
                                       <m:sub>
                                         <m:r>
-                                          <a:rPr lang="en-US" i="1"/>
+                                          <a:rPr lang="en-US" i="1">
+                                            <a:latin typeface="Cambria Math" panose="02040503050406030204" pitchFamily="18" charset="0"/>
+                                          </a:rPr>
                                           <m:t>𝑖</m:t>
                                         </m:r>
                                         <m:r>
-                                          <a:rPr lang="en-US" i="1"/>
+                                          <a:rPr lang="en-US" i="1">
+                                            <a:latin typeface="Cambria Math" panose="02040503050406030204" pitchFamily="18" charset="0"/>
+                                          </a:rPr>
                                           <m:t>=0</m:t>
                                         </m:r>
                                       </m:sub>
@@ -7310,18 +7653,24 @@
                                         <m:sSub>
                                           <m:sSubPr>
                                             <m:ctrlPr>
-                                              <a:rPr lang="en-US" i="1"/>
+                                              <a:rPr lang="en-US" i="1">
+                                                <a:latin typeface="Cambria Math" panose="02040503050406030204" pitchFamily="18" charset="0"/>
+                                              </a:rPr>
                                             </m:ctrlPr>
                                           </m:sSubPr>
                                           <m:e>
                                             <m:r>
-                                              <a:rPr lang="en-US" i="1"/>
+                                              <a:rPr lang="en-US" i="1">
+                                                <a:latin typeface="Cambria Math" panose="02040503050406030204" pitchFamily="18" charset="0"/>
+                                              </a:rPr>
                                               <m:t>𝑛</m:t>
                                             </m:r>
                                           </m:e>
                                           <m:sub>
                                             <m:r>
-                                              <a:rPr lang="en-US" i="1"/>
+                                              <a:rPr lang="en-US" i="1">
+                                                <a:latin typeface="Cambria Math" panose="02040503050406030204" pitchFamily="18" charset="0"/>
+                                              </a:rPr>
                                               <m:t>𝑡</m:t>
                                             </m:r>
                                           </m:sub>
@@ -7331,7 +7680,9 @@
                                         <m:sSup>
                                           <m:sSupPr>
                                             <m:ctrlPr>
-                                              <a:rPr lang="en-US" i="1"/>
+                                              <a:rPr lang="en-US" i="1">
+                                                <a:latin typeface="Cambria Math" panose="02040503050406030204" pitchFamily="18" charset="0"/>
+                                              </a:rPr>
                                             </m:ctrlPr>
                                           </m:sSupPr>
                                           <m:e>
@@ -7339,12 +7690,16 @@
                                               <m:accPr>
                                                 <m:chr m:val="̂"/>
                                                 <m:ctrlPr>
-                                                  <a:rPr lang="en-US" i="1"/>
+                                                  <a:rPr lang="en-US" i="1">
+                                                    <a:latin typeface="Cambria Math" panose="02040503050406030204" pitchFamily="18" charset="0"/>
+                                                  </a:rPr>
                                                 </m:ctrlPr>
                                               </m:accPr>
                                               <m:e>
                                                 <m:r>
-                                                  <a:rPr lang="en-US" i="1"/>
+                                                  <a:rPr lang="en-US" i="1">
+                                                    <a:latin typeface="Cambria Math" panose="02040503050406030204" pitchFamily="18" charset="0"/>
+                                                  </a:rPr>
                                                   <m:t>𝑦</m:t>
                                                 </m:r>
                                               </m:e>
@@ -7352,15 +7707,21 @@
                                           </m:e>
                                           <m:sup>
                                             <m:r>
-                                              <a:rPr lang="en-US" i="1"/>
+                                              <a:rPr lang="en-US" i="1">
+                                                <a:latin typeface="Cambria Math" panose="02040503050406030204" pitchFamily="18" charset="0"/>
+                                              </a:rPr>
                                               <m:t>(</m:t>
                                             </m:r>
                                             <m:r>
-                                              <a:rPr lang="en-US" i="1"/>
+                                              <a:rPr lang="en-US" i="1">
+                                                <a:latin typeface="Cambria Math" panose="02040503050406030204" pitchFamily="18" charset="0"/>
+                                              </a:rPr>
                                               <m:t>𝑖</m:t>
                                             </m:r>
                                             <m:r>
-                                              <a:rPr lang="en-US" i="1"/>
+                                              <a:rPr lang="en-US" i="1">
+                                                <a:latin typeface="Cambria Math" panose="02040503050406030204" pitchFamily="18" charset="0"/>
+                                              </a:rPr>
                                               <m:t>)</m:t>
                                             </m:r>
                                           </m:sup>
@@ -7376,25 +7737,33 @@
                                     <m:begChr m:val="["/>
                                     <m:endChr m:val="]"/>
                                     <m:ctrlPr>
-                                      <a:rPr lang="en-US" i="1"/>
+                                      <a:rPr lang="en-US" i="1">
+                                        <a:latin typeface="Cambria Math" panose="02040503050406030204" pitchFamily="18" charset="0"/>
+                                      </a:rPr>
                                     </m:ctrlPr>
                                   </m:dPr>
                                   <m:e>
                                     <m:sSub>
                                       <m:sSubPr>
                                         <m:ctrlPr>
-                                          <a:rPr lang="en-US" i="1"/>
+                                          <a:rPr lang="en-US" i="1">
+                                            <a:latin typeface="Cambria Math" panose="02040503050406030204" pitchFamily="18" charset="0"/>
+                                          </a:rPr>
                                         </m:ctrlPr>
                                       </m:sSubPr>
                                       <m:e>
                                         <m:r>
-                                          <a:rPr lang="en-US" i="1"/>
+                                          <a:rPr lang="en-US" i="1">
+                                            <a:latin typeface="Cambria Math" panose="02040503050406030204" pitchFamily="18" charset="0"/>
+                                          </a:rPr>
                                           <m:t>𝑛</m:t>
                                         </m:r>
                                       </m:e>
                                       <m:sub>
                                         <m:r>
-                                          <a:rPr lang="en-US" i="1"/>
+                                          <a:rPr lang="en-US" i="1">
+                                            <a:latin typeface="Cambria Math" panose="02040503050406030204" pitchFamily="18" charset="0"/>
+                                          </a:rPr>
                                           <m:t>𝑡</m:t>
                                         </m:r>
                                       </m:sub>
@@ -7404,16 +7773,22 @@
                                         <m:chr m:val="∑"/>
                                         <m:limLoc m:val="undOvr"/>
                                         <m:ctrlPr>
-                                          <a:rPr lang="en-US" i="1"/>
+                                          <a:rPr lang="en-US" i="1">
+                                            <a:latin typeface="Cambria Math" panose="02040503050406030204" pitchFamily="18" charset="0"/>
+                                          </a:rPr>
                                         </m:ctrlPr>
                                       </m:naryPr>
                                       <m:sub>
                                         <m:r>
-                                          <a:rPr lang="en-US" i="1"/>
+                                          <a:rPr lang="en-US" i="1">
+                                            <a:latin typeface="Cambria Math" panose="02040503050406030204" pitchFamily="18" charset="0"/>
+                                          </a:rPr>
                                           <m:t>𝑖</m:t>
                                         </m:r>
                                         <m:r>
-                                          <a:rPr lang="en-US" i="1"/>
+                                          <a:rPr lang="en-US" i="1">
+                                            <a:latin typeface="Cambria Math" panose="02040503050406030204" pitchFamily="18" charset="0"/>
+                                          </a:rPr>
                                           <m:t>=0</m:t>
                                         </m:r>
                                       </m:sub>
@@ -7421,18 +7796,24 @@
                                         <m:sSub>
                                           <m:sSubPr>
                                             <m:ctrlPr>
-                                              <a:rPr lang="en-US" i="1"/>
+                                              <a:rPr lang="en-US" i="1">
+                                                <a:latin typeface="Cambria Math" panose="02040503050406030204" pitchFamily="18" charset="0"/>
+                                              </a:rPr>
                                             </m:ctrlPr>
                                           </m:sSubPr>
                                           <m:e>
                                             <m:r>
-                                              <a:rPr lang="en-US" i="1"/>
+                                              <a:rPr lang="en-US" i="1">
+                                                <a:latin typeface="Cambria Math" panose="02040503050406030204" pitchFamily="18" charset="0"/>
+                                              </a:rPr>
                                               <m:t>𝑛</m:t>
                                             </m:r>
                                           </m:e>
                                           <m:sub>
                                             <m:r>
-                                              <a:rPr lang="en-US" i="1"/>
+                                              <a:rPr lang="en-US" i="1">
+                                                <a:latin typeface="Cambria Math" panose="02040503050406030204" pitchFamily="18" charset="0"/>
+                                              </a:rPr>
                                               <m:t>𝑡</m:t>
                                             </m:r>
                                           </m:sub>
@@ -7442,12 +7823,16 @@
                                         <m:sSup>
                                           <m:sSupPr>
                                             <m:ctrlPr>
-                                              <a:rPr lang="en-US" i="1"/>
+                                              <a:rPr lang="en-US" i="1">
+                                                <a:latin typeface="Cambria Math" panose="02040503050406030204" pitchFamily="18" charset="0"/>
+                                              </a:rPr>
                                             </m:ctrlPr>
                                           </m:sSupPr>
                                           <m:e>
                                             <m:r>
-                                              <a:rPr lang="en-US" i="1"/>
+                                              <a:rPr lang="en-US" i="1">
+                                                <a:latin typeface="Cambria Math" panose="02040503050406030204" pitchFamily="18" charset="0"/>
+                                              </a:rPr>
                                               <m:t>𝑦</m:t>
                                             </m:r>
                                           </m:e>
@@ -7455,35 +7840,47 @@
                                             <m:d>
                                               <m:dPr>
                                                 <m:ctrlPr>
-                                                  <a:rPr lang="en-US" i="1"/>
+                                                  <a:rPr lang="en-US" i="1">
+                                                    <a:latin typeface="Cambria Math" panose="02040503050406030204" pitchFamily="18" charset="0"/>
+                                                  </a:rPr>
                                                 </m:ctrlPr>
                                               </m:dPr>
                                               <m:e>
                                                 <m:r>
-                                                  <a:rPr lang="en-US" i="1"/>
+                                                  <a:rPr lang="en-US" i="1">
+                                                    <a:latin typeface="Cambria Math" panose="02040503050406030204" pitchFamily="18" charset="0"/>
+                                                  </a:rPr>
                                                   <m:t>𝑖</m:t>
                                                 </m:r>
                                               </m:e>
                                             </m:d>
                                             <m:r>
-                                              <a:rPr lang="en-US" i="1"/>
+                                              <a:rPr lang="en-US" i="1">
+                                                <a:latin typeface="Cambria Math" panose="02040503050406030204" pitchFamily="18" charset="0"/>
+                                              </a:rPr>
                                               <m:t>2</m:t>
                                             </m:r>
                                           </m:sup>
                                         </m:sSup>
                                         <m:r>
-                                          <a:rPr lang="en-US" i="1"/>
+                                          <a:rPr lang="en-US" i="1">
+                                            <a:latin typeface="Cambria Math" panose="02040503050406030204" pitchFamily="18" charset="0"/>
+                                          </a:rPr>
                                           <m:t>−</m:t>
                                         </m:r>
                                         <m:sSup>
                                           <m:sSupPr>
                                             <m:ctrlPr>
-                                              <a:rPr lang="en-US" i="1"/>
+                                              <a:rPr lang="en-US" i="1">
+                                                <a:latin typeface="Cambria Math" panose="02040503050406030204" pitchFamily="18" charset="0"/>
+                                              </a:rPr>
                                             </m:ctrlPr>
                                           </m:sSupPr>
                                           <m:e>
                                             <m:r>
-                                              <a:rPr lang="en-US" i="1"/>
+                                              <a:rPr lang="en-US" i="1">
+                                                <a:latin typeface="Cambria Math" panose="02040503050406030204" pitchFamily="18" charset="0"/>
+                                              </a:rPr>
                                               <m:t>(</m:t>
                                             </m:r>
                                             <m:nary>
@@ -7491,16 +7888,22 @@
                                                 <m:chr m:val="∑"/>
                                                 <m:limLoc m:val="subSup"/>
                                                 <m:ctrlPr>
-                                                  <a:rPr lang="en-US" i="1"/>
+                                                  <a:rPr lang="en-US" i="1">
+                                                    <a:latin typeface="Cambria Math" panose="02040503050406030204" pitchFamily="18" charset="0"/>
+                                                  </a:rPr>
                                                 </m:ctrlPr>
                                               </m:naryPr>
                                               <m:sub>
                                                 <m:r>
-                                                  <a:rPr lang="en-US" i="1"/>
+                                                  <a:rPr lang="en-US" i="1">
+                                                    <a:latin typeface="Cambria Math" panose="02040503050406030204" pitchFamily="18" charset="0"/>
+                                                  </a:rPr>
                                                   <m:t>𝑖</m:t>
                                                 </m:r>
                                                 <m:r>
-                                                  <a:rPr lang="en-US" i="1"/>
+                                                  <a:rPr lang="en-US" i="1">
+                                                    <a:latin typeface="Cambria Math" panose="02040503050406030204" pitchFamily="18" charset="0"/>
+                                                  </a:rPr>
                                                   <m:t>=0</m:t>
                                                 </m:r>
                                               </m:sub>
@@ -7508,18 +7911,24 @@
                                                 <m:sSub>
                                                   <m:sSubPr>
                                                     <m:ctrlPr>
-                                                      <a:rPr lang="en-US" i="1"/>
+                                                      <a:rPr lang="en-US" i="1">
+                                                        <a:latin typeface="Cambria Math" panose="02040503050406030204" pitchFamily="18" charset="0"/>
+                                                      </a:rPr>
                                                     </m:ctrlPr>
                                                   </m:sSubPr>
                                                   <m:e>
                                                     <m:r>
-                                                      <a:rPr lang="en-US" i="1"/>
+                                                      <a:rPr lang="en-US" i="1">
+                                                        <a:latin typeface="Cambria Math" panose="02040503050406030204" pitchFamily="18" charset="0"/>
+                                                      </a:rPr>
                                                       <m:t>𝑛</m:t>
                                                     </m:r>
                                                   </m:e>
                                                   <m:sub>
                                                     <m:r>
-                                                      <a:rPr lang="en-US" i="1"/>
+                                                      <a:rPr lang="en-US" i="1">
+                                                        <a:latin typeface="Cambria Math" panose="02040503050406030204" pitchFamily="18" charset="0"/>
+                                                      </a:rPr>
                                                       <m:t>𝑡</m:t>
                                                     </m:r>
                                                   </m:sub>
@@ -7529,12 +7938,16 @@
                                                 <m:sSup>
                                                   <m:sSupPr>
                                                     <m:ctrlPr>
-                                                      <a:rPr lang="en-US" i="1"/>
+                                                      <a:rPr lang="en-US" i="1">
+                                                        <a:latin typeface="Cambria Math" panose="02040503050406030204" pitchFamily="18" charset="0"/>
+                                                      </a:rPr>
                                                     </m:ctrlPr>
                                                   </m:sSupPr>
                                                   <m:e>
                                                     <m:r>
-                                                      <a:rPr lang="en-US" i="1"/>
+                                                      <a:rPr lang="en-US" i="1">
+                                                        <a:latin typeface="Cambria Math" panose="02040503050406030204" pitchFamily="18" charset="0"/>
+                                                      </a:rPr>
                                                       <m:t>𝑦</m:t>
                                                     </m:r>
                                                   </m:e>
@@ -7542,12 +7955,16 @@
                                                     <m:d>
                                                       <m:dPr>
                                                         <m:ctrlPr>
-                                                          <a:rPr lang="en-US" i="1"/>
+                                                          <a:rPr lang="en-US" i="1">
+                                                            <a:latin typeface="Cambria Math" panose="02040503050406030204" pitchFamily="18" charset="0"/>
+                                                          </a:rPr>
                                                         </m:ctrlPr>
                                                       </m:dPr>
                                                       <m:e>
                                                         <m:r>
-                                                          <a:rPr lang="en-US" i="1"/>
+                                                          <a:rPr lang="en-US" i="1">
+                                                            <a:latin typeface="Cambria Math" panose="02040503050406030204" pitchFamily="18" charset="0"/>
+                                                          </a:rPr>
                                                           <m:t>𝑖</m:t>
                                                         </m:r>
                                                       </m:e>
@@ -7557,13 +7974,17 @@
                                               </m:e>
                                             </m:nary>
                                             <m:r>
-                                              <a:rPr lang="en-US" i="1"/>
+                                              <a:rPr lang="en-US" i="1">
+                                                <a:latin typeface="Cambria Math" panose="02040503050406030204" pitchFamily="18" charset="0"/>
+                                              </a:rPr>
                                               <m:t>)</m:t>
                                             </m:r>
                                           </m:e>
                                           <m:sup>
                                             <m:r>
-                                              <a:rPr lang="en-US" i="1"/>
+                                              <a:rPr lang="en-US" i="1">
+                                                <a:latin typeface="Cambria Math" panose="02040503050406030204" pitchFamily="18" charset="0"/>
+                                              </a:rPr>
                                               <m:t>2</m:t>
                                             </m:r>
                                           </m:sup>
@@ -7577,25 +7998,33 @@
                                     <m:begChr m:val="["/>
                                     <m:endChr m:val="]"/>
                                     <m:ctrlPr>
-                                      <a:rPr lang="en-US" i="1"/>
+                                      <a:rPr lang="en-US" i="1">
+                                        <a:latin typeface="Cambria Math" panose="02040503050406030204" pitchFamily="18" charset="0"/>
+                                      </a:rPr>
                                     </m:ctrlPr>
                                   </m:dPr>
                                   <m:e>
                                     <m:sSub>
                                       <m:sSubPr>
                                         <m:ctrlPr>
-                                          <a:rPr lang="en-US" i="1"/>
+                                          <a:rPr lang="en-US" i="1">
+                                            <a:latin typeface="Cambria Math" panose="02040503050406030204" pitchFamily="18" charset="0"/>
+                                          </a:rPr>
                                         </m:ctrlPr>
                                       </m:sSubPr>
                                       <m:e>
                                         <m:r>
-                                          <a:rPr lang="en-US" i="1"/>
+                                          <a:rPr lang="en-US" i="1">
+                                            <a:latin typeface="Cambria Math" panose="02040503050406030204" pitchFamily="18" charset="0"/>
+                                          </a:rPr>
                                           <m:t>𝑛</m:t>
                                         </m:r>
                                       </m:e>
                                       <m:sub>
                                         <m:r>
-                                          <a:rPr lang="en-US" i="1"/>
+                                          <a:rPr lang="en-US" i="1">
+                                            <a:latin typeface="Cambria Math" panose="02040503050406030204" pitchFamily="18" charset="0"/>
+                                          </a:rPr>
                                           <m:t>𝑡</m:t>
                                         </m:r>
                                       </m:sub>
@@ -7605,16 +8034,22 @@
                                         <m:chr m:val="∑"/>
                                         <m:limLoc m:val="undOvr"/>
                                         <m:ctrlPr>
-                                          <a:rPr lang="en-US" i="1"/>
+                                          <a:rPr lang="en-US" i="1">
+                                            <a:latin typeface="Cambria Math" panose="02040503050406030204" pitchFamily="18" charset="0"/>
+                                          </a:rPr>
                                         </m:ctrlPr>
                                       </m:naryPr>
                                       <m:sub>
                                         <m:r>
-                                          <a:rPr lang="en-US" i="1"/>
+                                          <a:rPr lang="en-US" i="1">
+                                            <a:latin typeface="Cambria Math" panose="02040503050406030204" pitchFamily="18" charset="0"/>
+                                          </a:rPr>
                                           <m:t>𝑖</m:t>
                                         </m:r>
                                         <m:r>
-                                          <a:rPr lang="en-US" i="1"/>
+                                          <a:rPr lang="en-US" i="1">
+                                            <a:latin typeface="Cambria Math" panose="02040503050406030204" pitchFamily="18" charset="0"/>
+                                          </a:rPr>
                                           <m:t>=0</m:t>
                                         </m:r>
                                       </m:sub>
@@ -7622,18 +8057,24 @@
                                         <m:sSub>
                                           <m:sSubPr>
                                             <m:ctrlPr>
-                                              <a:rPr lang="en-US" i="1"/>
+                                              <a:rPr lang="en-US" i="1">
+                                                <a:latin typeface="Cambria Math" panose="02040503050406030204" pitchFamily="18" charset="0"/>
+                                              </a:rPr>
                                             </m:ctrlPr>
                                           </m:sSubPr>
                                           <m:e>
                                             <m:r>
-                                              <a:rPr lang="en-US" i="1"/>
+                                              <a:rPr lang="en-US" i="1">
+                                                <a:latin typeface="Cambria Math" panose="02040503050406030204" pitchFamily="18" charset="0"/>
+                                              </a:rPr>
                                               <m:t>𝑛</m:t>
                                             </m:r>
                                           </m:e>
                                           <m:sub>
                                             <m:r>
-                                              <a:rPr lang="en-US" i="1"/>
+                                              <a:rPr lang="en-US" i="1">
+                                                <a:latin typeface="Cambria Math" panose="02040503050406030204" pitchFamily="18" charset="0"/>
+                                              </a:rPr>
                                               <m:t>𝑡</m:t>
                                             </m:r>
                                           </m:sub>
@@ -7643,7 +8084,9 @@
                                         <m:sSup>
                                           <m:sSupPr>
                                             <m:ctrlPr>
-                                              <a:rPr lang="en-US" i="1"/>
+                                              <a:rPr lang="en-US" i="1">
+                                                <a:latin typeface="Cambria Math" panose="02040503050406030204" pitchFamily="18" charset="0"/>
+                                              </a:rPr>
                                             </m:ctrlPr>
                                           </m:sSupPr>
                                           <m:e>
@@ -7651,12 +8094,16 @@
                                               <m:accPr>
                                                 <m:chr m:val="̂"/>
                                                 <m:ctrlPr>
-                                                  <a:rPr lang="en-US" i="1"/>
+                                                  <a:rPr lang="en-US" i="1">
+                                                    <a:latin typeface="Cambria Math" panose="02040503050406030204" pitchFamily="18" charset="0"/>
+                                                  </a:rPr>
                                                 </m:ctrlPr>
                                               </m:accPr>
                                               <m:e>
                                                 <m:r>
-                                                  <a:rPr lang="en-US" i="1"/>
+                                                  <a:rPr lang="en-US" i="1">
+                                                    <a:latin typeface="Cambria Math" panose="02040503050406030204" pitchFamily="18" charset="0"/>
+                                                  </a:rPr>
                                                   <m:t>𝑦</m:t>
                                                 </m:r>
                                               </m:e>
@@ -7666,35 +8113,47 @@
                                             <m:d>
                                               <m:dPr>
                                                 <m:ctrlPr>
-                                                  <a:rPr lang="en-US" i="1"/>
+                                                  <a:rPr lang="en-US" i="1">
+                                                    <a:latin typeface="Cambria Math" panose="02040503050406030204" pitchFamily="18" charset="0"/>
+                                                  </a:rPr>
                                                 </m:ctrlPr>
                                               </m:dPr>
                                               <m:e>
                                                 <m:r>
-                                                  <a:rPr lang="en-US" i="1"/>
+                                                  <a:rPr lang="en-US" i="1">
+                                                    <a:latin typeface="Cambria Math" panose="02040503050406030204" pitchFamily="18" charset="0"/>
+                                                  </a:rPr>
                                                   <m:t>𝑖</m:t>
                                                 </m:r>
                                               </m:e>
                                             </m:d>
                                             <m:r>
-                                              <a:rPr lang="en-US" i="1"/>
+                                              <a:rPr lang="en-US" i="1">
+                                                <a:latin typeface="Cambria Math" panose="02040503050406030204" pitchFamily="18" charset="0"/>
+                                              </a:rPr>
                                               <m:t>2</m:t>
                                             </m:r>
                                           </m:sup>
                                         </m:sSup>
                                         <m:r>
-                                          <a:rPr lang="en-US" i="1"/>
+                                          <a:rPr lang="en-US" i="1">
+                                            <a:latin typeface="Cambria Math" panose="02040503050406030204" pitchFamily="18" charset="0"/>
+                                          </a:rPr>
                                           <m:t>−</m:t>
                                         </m:r>
                                         <m:sSup>
                                           <m:sSupPr>
                                             <m:ctrlPr>
-                                              <a:rPr lang="en-US" i="1"/>
+                                              <a:rPr lang="en-US" i="1">
+                                                <a:latin typeface="Cambria Math" panose="02040503050406030204" pitchFamily="18" charset="0"/>
+                                              </a:rPr>
                                             </m:ctrlPr>
                                           </m:sSupPr>
                                           <m:e>
                                             <m:r>
-                                              <a:rPr lang="en-US" i="1"/>
+                                              <a:rPr lang="en-US" i="1">
+                                                <a:latin typeface="Cambria Math" panose="02040503050406030204" pitchFamily="18" charset="0"/>
+                                              </a:rPr>
                                               <m:t>(</m:t>
                                             </m:r>
                                             <m:nary>
@@ -7702,16 +8161,22 @@
                                                 <m:chr m:val="∑"/>
                                                 <m:limLoc m:val="subSup"/>
                                                 <m:ctrlPr>
-                                                  <a:rPr lang="en-US" i="1"/>
+                                                  <a:rPr lang="en-US" i="1">
+                                                    <a:latin typeface="Cambria Math" panose="02040503050406030204" pitchFamily="18" charset="0"/>
+                                                  </a:rPr>
                                                 </m:ctrlPr>
                                               </m:naryPr>
                                               <m:sub>
                                                 <m:r>
-                                                  <a:rPr lang="en-US" i="1"/>
+                                                  <a:rPr lang="en-US" i="1">
+                                                    <a:latin typeface="Cambria Math" panose="02040503050406030204" pitchFamily="18" charset="0"/>
+                                                  </a:rPr>
                                                   <m:t>𝑖</m:t>
                                                 </m:r>
                                                 <m:r>
-                                                  <a:rPr lang="en-US" i="1"/>
+                                                  <a:rPr lang="en-US" i="1">
+                                                    <a:latin typeface="Cambria Math" panose="02040503050406030204" pitchFamily="18" charset="0"/>
+                                                  </a:rPr>
                                                   <m:t>=0</m:t>
                                                 </m:r>
                                               </m:sub>
@@ -7719,18 +8184,24 @@
                                                 <m:sSub>
                                                   <m:sSubPr>
                                                     <m:ctrlPr>
-                                                      <a:rPr lang="en-US" i="1"/>
+                                                      <a:rPr lang="en-US" i="1">
+                                                        <a:latin typeface="Cambria Math" panose="02040503050406030204" pitchFamily="18" charset="0"/>
+                                                      </a:rPr>
                                                     </m:ctrlPr>
                                                   </m:sSubPr>
                                                   <m:e>
                                                     <m:r>
-                                                      <a:rPr lang="en-US" i="1"/>
+                                                      <a:rPr lang="en-US" i="1">
+                                                        <a:latin typeface="Cambria Math" panose="02040503050406030204" pitchFamily="18" charset="0"/>
+                                                      </a:rPr>
                                                       <m:t>𝑛</m:t>
                                                     </m:r>
                                                   </m:e>
                                                   <m:sub>
                                                     <m:r>
-                                                      <a:rPr lang="en-US" i="1"/>
+                                                      <a:rPr lang="en-US" i="1">
+                                                        <a:latin typeface="Cambria Math" panose="02040503050406030204" pitchFamily="18" charset="0"/>
+                                                      </a:rPr>
                                                       <m:t>𝑡</m:t>
                                                     </m:r>
                                                   </m:sub>
@@ -7740,7 +8211,9 @@
                                                 <m:sSup>
                                                   <m:sSupPr>
                                                     <m:ctrlPr>
-                                                      <a:rPr lang="en-US" i="1"/>
+                                                      <a:rPr lang="en-US" i="1">
+                                                        <a:latin typeface="Cambria Math" panose="02040503050406030204" pitchFamily="18" charset="0"/>
+                                                      </a:rPr>
                                                     </m:ctrlPr>
                                                   </m:sSupPr>
                                                   <m:e>
@@ -7748,12 +8221,16 @@
                                                       <m:accPr>
                                                         <m:chr m:val="̂"/>
                                                         <m:ctrlPr>
-                                                          <a:rPr lang="en-US" i="1"/>
+                                                          <a:rPr lang="en-US" i="1">
+                                                            <a:latin typeface="Cambria Math" panose="02040503050406030204" pitchFamily="18" charset="0"/>
+                                                          </a:rPr>
                                                         </m:ctrlPr>
                                                       </m:accPr>
                                                       <m:e>
                                                         <m:r>
-                                                          <a:rPr lang="en-US" i="1"/>
+                                                          <a:rPr lang="en-US" i="1">
+                                                            <a:latin typeface="Cambria Math" panose="02040503050406030204" pitchFamily="18" charset="0"/>
+                                                          </a:rPr>
                                                           <m:t>𝑦</m:t>
                                                         </m:r>
                                                       </m:e>
@@ -7763,12 +8240,16 @@
                                                     <m:d>
                                                       <m:dPr>
                                                         <m:ctrlPr>
-                                                          <a:rPr lang="en-US" i="1"/>
+                                                          <a:rPr lang="en-US" i="1">
+                                                            <a:latin typeface="Cambria Math" panose="02040503050406030204" pitchFamily="18" charset="0"/>
+                                                          </a:rPr>
                                                         </m:ctrlPr>
                                                       </m:dPr>
                                                       <m:e>
                                                         <m:r>
-                                                          <a:rPr lang="en-US" i="1"/>
+                                                          <a:rPr lang="en-US" i="1">
+                                                            <a:latin typeface="Cambria Math" panose="02040503050406030204" pitchFamily="18" charset="0"/>
+                                                          </a:rPr>
                                                           <m:t>𝑖</m:t>
                                                         </m:r>
                                                       </m:e>
@@ -7778,13 +8259,17 @@
                                               </m:e>
                                             </m:nary>
                                             <m:r>
-                                              <a:rPr lang="en-US" i="1"/>
+                                              <a:rPr lang="en-US" i="1">
+                                                <a:latin typeface="Cambria Math" panose="02040503050406030204" pitchFamily="18" charset="0"/>
+                                              </a:rPr>
                                               <m:t>)</m:t>
                                             </m:r>
                                           </m:e>
                                           <m:sup>
                                             <m:r>
-                                              <a:rPr lang="en-US" i="1"/>
+                                              <a:rPr lang="en-US" i="1">
+                                                <a:latin typeface="Cambria Math" panose="02040503050406030204" pitchFamily="18" charset="0"/>
+                                              </a:rPr>
                                               <m:t>2</m:t>
                                             </m:r>
                                           </m:sup>
@@ -7800,7 +8285,9 @@
                       </m:e>
                       <m:sup>
                         <m:r>
-                          <a:rPr lang="en-US" i="1"/>
+                          <a:rPr lang="en-US" i="1">
+                            <a:latin typeface="Cambria Math" panose="02040503050406030204" pitchFamily="18" charset="0"/>
+                          </a:rPr>
                           <m:t>2</m:t>
                         </m:r>
                       </m:sup>
@@ -7815,7 +8302,7 @@
             </p:txBody>
           </p:sp>
         </mc:Choice>
-        <mc:Fallback>
+        <mc:Fallback xmlns="">
           <p:sp>
             <p:nvSpPr>
               <p:cNvPr id="3" name="Content Placeholder 2">
@@ -7926,8 +8413,8 @@
           </a:p>
         </p:txBody>
       </p:sp>
-      <mc:AlternateContent xmlns:mc="http://schemas.openxmlformats.org/markup-compatibility/2006">
-        <mc:Choice xmlns:a14="http://schemas.microsoft.com/office/drawing/2010/main" Requires="a14">
+      <mc:AlternateContent xmlns:mc="http://schemas.openxmlformats.org/markup-compatibility/2006" xmlns:a14="http://schemas.microsoft.com/office/drawing/2010/main">
+        <mc:Choice Requires="a14">
           <p:sp>
             <p:nvSpPr>
               <p:cNvPr id="3" name="Content Placeholder 2">
@@ -7972,43 +8459,59 @@
                       <m:sSup>
                         <m:sSupPr>
                           <m:ctrlPr>
-                            <a:rPr lang="en-US" i="1"/>
+                            <a:rPr lang="en-US" i="1">
+                              <a:latin typeface="Cambria Math" panose="02040503050406030204" pitchFamily="18" charset="0"/>
+                            </a:rPr>
                           </m:ctrlPr>
                         </m:sSupPr>
                         <m:e>
                           <m:r>
-                            <a:rPr lang="en-US" i="1"/>
+                            <a:rPr lang="en-US" i="1">
+                              <a:latin typeface="Cambria Math" panose="02040503050406030204" pitchFamily="18" charset="0"/>
+                            </a:rPr>
                             <m:t>𝜓</m:t>
                           </m:r>
                         </m:e>
                         <m:sup>
                           <m:r>
-                            <a:rPr lang="en-US" i="1"/>
+                            <a:rPr lang="en-US" i="1">
+                              <a:latin typeface="Cambria Math" panose="02040503050406030204" pitchFamily="18" charset="0"/>
+                            </a:rPr>
                             <m:t>(</m:t>
                           </m:r>
                           <m:r>
-                            <a:rPr lang="en-US" i="1"/>
+                            <a:rPr lang="en-US" i="1">
+                              <a:latin typeface="Cambria Math" panose="02040503050406030204" pitchFamily="18" charset="0"/>
+                            </a:rPr>
                             <m:t>𝑖</m:t>
                           </m:r>
                           <m:r>
-                            <a:rPr lang="en-US" i="1"/>
+                            <a:rPr lang="en-US" i="1">
+                              <a:latin typeface="Cambria Math" panose="02040503050406030204" pitchFamily="18" charset="0"/>
+                            </a:rPr>
                             <m:t>)</m:t>
                           </m:r>
                         </m:sup>
                       </m:sSup>
                       <m:r>
-                        <a:rPr lang="en-US" i="1"/>
+                        <a:rPr lang="en-US" i="1">
+                          <a:latin typeface="Cambria Math" panose="02040503050406030204" pitchFamily="18" charset="0"/>
+                        </a:rPr>
                         <m:t>=</m:t>
                       </m:r>
                       <m:sSup>
                         <m:sSupPr>
                           <m:ctrlPr>
-                            <a:rPr lang="en-US" i="1"/>
+                            <a:rPr lang="en-US" i="1">
+                              <a:latin typeface="Cambria Math" panose="02040503050406030204" pitchFamily="18" charset="0"/>
+                            </a:rPr>
                           </m:ctrlPr>
                         </m:sSupPr>
                         <m:e>
                           <m:r>
-                            <a:rPr lang="en-US" i="1"/>
+                            <a:rPr lang="en-US" i="1">
+                              <a:latin typeface="Cambria Math" panose="02040503050406030204" pitchFamily="18" charset="0"/>
+                            </a:rPr>
                             <m:t>𝑒</m:t>
                           </m:r>
                         </m:e>
@@ -8016,12 +8519,16 @@
                           <m:d>
                             <m:dPr>
                               <m:ctrlPr>
-                                <a:rPr lang="en-US" i="1"/>
+                                <a:rPr lang="en-US" i="1">
+                                  <a:latin typeface="Cambria Math" panose="02040503050406030204" pitchFamily="18" charset="0"/>
+                                </a:rPr>
                               </m:ctrlPr>
                             </m:dPr>
                             <m:e>
                               <m:r>
-                                <a:rPr lang="en-US" i="1"/>
+                                <a:rPr lang="en-US" i="1">
+                                  <a:latin typeface="Cambria Math" panose="02040503050406030204" pitchFamily="18" charset="0"/>
+                                </a:rPr>
                                 <m:t>−</m:t>
                               </m:r>
                               <m:nary>
@@ -8029,22 +8536,30 @@
                                   <m:chr m:val="∑"/>
                                   <m:limLoc m:val="undOvr"/>
                                   <m:ctrlPr>
-                                    <a:rPr lang="en-US" i="1"/>
+                                    <a:rPr lang="en-US" i="1">
+                                      <a:latin typeface="Cambria Math" panose="02040503050406030204" pitchFamily="18" charset="0"/>
+                                    </a:rPr>
                                   </m:ctrlPr>
                                 </m:naryPr>
                                 <m:sub>
                                   <m:r>
-                                    <a:rPr lang="en-US" i="1"/>
+                                    <a:rPr lang="en-US" i="1">
+                                      <a:latin typeface="Cambria Math" panose="02040503050406030204" pitchFamily="18" charset="0"/>
+                                    </a:rPr>
                                     <m:t>𝑗</m:t>
                                   </m:r>
                                   <m:r>
-                                    <a:rPr lang="en-US" i="1"/>
+                                    <a:rPr lang="en-US" i="1">
+                                      <a:latin typeface="Cambria Math" panose="02040503050406030204" pitchFamily="18" charset="0"/>
+                                    </a:rPr>
                                     <m:t>=1</m:t>
                                   </m:r>
                                 </m:sub>
                                 <m:sup>
                                   <m:r>
-                                    <a:rPr lang="en-US" i="1"/>
+                                    <a:rPr lang="en-US" i="1">
+                                      <a:latin typeface="Cambria Math" panose="02040503050406030204" pitchFamily="18" charset="0"/>
+                                    </a:rPr>
                                     <m:t>𝑘</m:t>
                                   </m:r>
                                 </m:sup>
@@ -8052,18 +8567,24 @@
                                   <m:sSub>
                                     <m:sSubPr>
                                       <m:ctrlPr>
-                                        <a:rPr lang="en-US" i="1"/>
+                                        <a:rPr lang="en-US" i="1">
+                                          <a:latin typeface="Cambria Math" panose="02040503050406030204" pitchFamily="18" charset="0"/>
+                                        </a:rPr>
                                       </m:ctrlPr>
                                     </m:sSubPr>
                                     <m:e>
                                       <m:r>
-                                        <a:rPr lang="en-US" i="1"/>
+                                        <a:rPr lang="en-US" i="1">
+                                          <a:latin typeface="Cambria Math" panose="02040503050406030204" pitchFamily="18" charset="0"/>
+                                        </a:rPr>
                                         <m:t>𝜃</m:t>
                                       </m:r>
                                     </m:e>
                                     <m:sub>
                                       <m:r>
-                                        <a:rPr lang="en-US" i="1"/>
+                                        <a:rPr lang="en-US" i="1">
+                                          <a:latin typeface="Cambria Math" panose="02040503050406030204" pitchFamily="18" charset="0"/>
+                                        </a:rPr>
                                         <m:t>𝑗</m:t>
                                       </m:r>
                                     </m:sub>
@@ -8071,7 +8592,9 @@
                                   <m:sSup>
                                     <m:sSupPr>
                                       <m:ctrlPr>
-                                        <a:rPr lang="en-US" i="1"/>
+                                        <a:rPr lang="en-US" i="1">
+                                          <a:latin typeface="Cambria Math" panose="02040503050406030204" pitchFamily="18" charset="0"/>
+                                        </a:rPr>
                                       </m:ctrlPr>
                                     </m:sSupPr>
                                     <m:e>
@@ -8080,25 +8603,33 @@
                                           <m:begChr m:val="|"/>
                                           <m:endChr m:val="|"/>
                                           <m:ctrlPr>
-                                            <a:rPr lang="en-US" i="1"/>
+                                            <a:rPr lang="en-US" i="1">
+                                              <a:latin typeface="Cambria Math" panose="02040503050406030204" pitchFamily="18" charset="0"/>
+                                            </a:rPr>
                                           </m:ctrlPr>
                                         </m:dPr>
                                         <m:e>
                                           <m:sSubSup>
                                             <m:sSubSupPr>
                                               <m:ctrlPr>
-                                                <a:rPr lang="en-US" i="1"/>
+                                                <a:rPr lang="en-US" i="1">
+                                                  <a:latin typeface="Cambria Math" panose="02040503050406030204" pitchFamily="18" charset="0"/>
+                                                </a:rPr>
                                               </m:ctrlPr>
                                             </m:sSubSupPr>
                                             <m:e>
                                               <m:r>
-                                                <a:rPr lang="en-US" i="1"/>
+                                                <a:rPr lang="en-US" i="1">
+                                                  <a:latin typeface="Cambria Math" panose="02040503050406030204" pitchFamily="18" charset="0"/>
+                                                </a:rPr>
                                                 <m:t>𝑥</m:t>
                                               </m:r>
                                             </m:e>
                                             <m:sub>
                                               <m:r>
-                                                <a:rPr lang="en-US" i="1"/>
+                                                <a:rPr lang="en-US" i="1">
+                                                  <a:latin typeface="Cambria Math" panose="02040503050406030204" pitchFamily="18" charset="0"/>
+                                                </a:rPr>
                                                 <m:t>𝑗</m:t>
                                               </m:r>
                                             </m:sub>
@@ -8106,12 +8637,16 @@
                                               <m:d>
                                                 <m:dPr>
                                                   <m:ctrlPr>
-                                                    <a:rPr lang="en-US" i="1"/>
+                                                    <a:rPr lang="en-US" i="1">
+                                                      <a:latin typeface="Cambria Math" panose="02040503050406030204" pitchFamily="18" charset="0"/>
+                                                    </a:rPr>
                                                   </m:ctrlPr>
                                                 </m:dPr>
                                                 <m:e>
                                                   <m:r>
-                                                    <a:rPr lang="en-US" i="1"/>
+                                                    <a:rPr lang="en-US" i="1">
+                                                      <a:latin typeface="Cambria Math" panose="02040503050406030204" pitchFamily="18" charset="0"/>
+                                                    </a:rPr>
                                                     <m:t>𝑖</m:t>
                                                   </m:r>
                                                 </m:e>
@@ -8119,24 +8654,32 @@
                                             </m:sup>
                                           </m:sSubSup>
                                           <m:r>
-                                            <a:rPr lang="en-US" i="1"/>
+                                            <a:rPr lang="en-US" i="1">
+                                              <a:latin typeface="Cambria Math" panose="02040503050406030204" pitchFamily="18" charset="0"/>
+                                            </a:rPr>
                                             <m:t>−</m:t>
                                           </m:r>
                                           <m:sSub>
                                             <m:sSubPr>
                                               <m:ctrlPr>
-                                                <a:rPr lang="en-US" i="1"/>
+                                                <a:rPr lang="en-US" i="1">
+                                                  <a:latin typeface="Cambria Math" panose="02040503050406030204" pitchFamily="18" charset="0"/>
+                                                </a:rPr>
                                               </m:ctrlPr>
                                             </m:sSubPr>
                                             <m:e>
                                               <m:r>
-                                                <a:rPr lang="en-US" i="1"/>
+                                                <a:rPr lang="en-US" i="1">
+                                                  <a:latin typeface="Cambria Math" panose="02040503050406030204" pitchFamily="18" charset="0"/>
+                                                </a:rPr>
                                                 <m:t>𝑥</m:t>
                                               </m:r>
                                             </m:e>
                                             <m:sub>
                                               <m:r>
-                                                <a:rPr lang="en-US" i="1"/>
+                                                <a:rPr lang="en-US" i="1">
+                                                  <a:latin typeface="Cambria Math" panose="02040503050406030204" pitchFamily="18" charset="0"/>
+                                                </a:rPr>
                                                 <m:t>𝑗</m:t>
                                               </m:r>
                                             </m:sub>
@@ -8148,18 +8691,24 @@
                                       <m:sSub>
                                         <m:sSubPr>
                                           <m:ctrlPr>
-                                            <a:rPr lang="en-US" i="1"/>
+                                            <a:rPr lang="en-US" i="1">
+                                              <a:latin typeface="Cambria Math" panose="02040503050406030204" pitchFamily="18" charset="0"/>
+                                            </a:rPr>
                                           </m:ctrlPr>
                                         </m:sSubPr>
                                         <m:e>
                                           <m:r>
-                                            <a:rPr lang="en-US" i="1"/>
+                                            <a:rPr lang="en-US" i="1">
+                                              <a:latin typeface="Cambria Math" panose="02040503050406030204" pitchFamily="18" charset="0"/>
+                                            </a:rPr>
                                             <m:t>𝑝</m:t>
                                           </m:r>
                                         </m:e>
                                         <m:sub>
                                           <m:r>
-                                            <a:rPr lang="en-US" i="1"/>
+                                            <a:rPr lang="en-US" i="1">
+                                              <a:latin typeface="Cambria Math" panose="02040503050406030204" pitchFamily="18" charset="0"/>
+                                            </a:rPr>
                                             <m:t>𝑗</m:t>
                                           </m:r>
                                         </m:sub>
@@ -8173,7 +8722,9 @@
                         </m:sup>
                       </m:sSup>
                       <m:r>
-                        <a:rPr lang="en-US" i="1"/>
+                        <a:rPr lang="en-US" i="1">
+                          <a:latin typeface="Cambria Math" panose="02040503050406030204" pitchFamily="18" charset="0"/>
+                        </a:rPr>
                         <m:t> </m:t>
                       </m:r>
                     </m:oMath>
@@ -8190,7 +8741,7 @@
             </p:txBody>
           </p:sp>
         </mc:Choice>
-        <mc:Fallback>
+        <mc:Fallback xmlns="">
           <p:sp>
             <p:nvSpPr>
               <p:cNvPr id="3" name="Content Placeholder 2">
@@ -8264,8 +8815,8 @@
           <a:chExt cx="0" cy="0"/>
         </a:xfrm>
       </p:grpSpPr>
-      <mc:AlternateContent xmlns:mc="http://schemas.openxmlformats.org/markup-compatibility/2006">
-        <mc:Choice xmlns:a14="http://schemas.microsoft.com/office/drawing/2010/main" Requires="a14">
+      <mc:AlternateContent xmlns:mc="http://schemas.openxmlformats.org/markup-compatibility/2006" xmlns:a14="http://schemas.microsoft.com/office/drawing/2010/main">
+        <mc:Choice Requires="a14">
           <p:sp>
             <p:nvSpPr>
               <p:cNvPr id="3" name="Content Placeholder 2">
@@ -8311,26 +8862,36 @@
                     <m:sSup>
                       <m:sSupPr>
                         <m:ctrlPr>
-                          <a:rPr lang="en-US" i="1"/>
+                          <a:rPr lang="en-US" i="1">
+                            <a:latin typeface="Cambria Math" panose="02040503050406030204" pitchFamily="18" charset="0"/>
+                          </a:rPr>
                         </m:ctrlPr>
                       </m:sSupPr>
                       <m:e>
                         <m:r>
-                          <a:rPr lang="uk-UA" i="1"/>
+                          <a:rPr lang="uk-UA" i="1">
+                            <a:latin typeface="Cambria Math" panose="02040503050406030204" pitchFamily="18" charset="0"/>
+                          </a:rPr>
                           <m:t>𝑦</m:t>
                         </m:r>
                       </m:e>
                       <m:sup>
                         <m:r>
-                          <a:rPr lang="uk-UA" i="1"/>
+                          <a:rPr lang="uk-UA" i="1">
+                            <a:latin typeface="Cambria Math" panose="02040503050406030204" pitchFamily="18" charset="0"/>
+                          </a:rPr>
                           <m:t>(</m:t>
                         </m:r>
                         <m:r>
-                          <a:rPr lang="uk-UA" i="1"/>
+                          <a:rPr lang="uk-UA" i="1">
+                            <a:latin typeface="Cambria Math" panose="02040503050406030204" pitchFamily="18" charset="0"/>
+                          </a:rPr>
                           <m:t>𝑖</m:t>
                         </m:r>
                         <m:r>
-                          <a:rPr lang="uk-UA" i="1"/>
+                          <a:rPr lang="uk-UA" i="1">
+                            <a:latin typeface="Cambria Math" panose="02040503050406030204" pitchFamily="18" charset="0"/>
+                          </a:rPr>
                           <m:t>)</m:t>
                         </m:r>
                       </m:sup>
@@ -8354,17 +8915,23 @@
                     </m:oMathParaPr>
                     <m:oMath xmlns:m="http://schemas.openxmlformats.org/officeDocument/2006/math">
                       <m:r>
-                        <a:rPr lang="en-US" b="1" i="1"/>
+                        <a:rPr lang="en-US" b="1" i="1">
+                          <a:latin typeface="Cambria Math" panose="02040503050406030204" pitchFamily="18" charset="0"/>
+                        </a:rPr>
                         <m:t>𝐘</m:t>
                       </m:r>
                       <m:r>
-                        <a:rPr lang="en-US" i="1"/>
+                        <a:rPr lang="en-US" i="1">
+                          <a:latin typeface="Cambria Math" panose="02040503050406030204" pitchFamily="18" charset="0"/>
+                        </a:rPr>
                         <m:t>=</m:t>
                       </m:r>
                       <m:d>
                         <m:dPr>
                           <m:ctrlPr>
-                            <a:rPr lang="en-US" i="1"/>
+                            <a:rPr lang="en-US" i="1">
+                              <a:latin typeface="Cambria Math" panose="02040503050406030204" pitchFamily="18" charset="0"/>
+                            </a:rPr>
                           </m:ctrlPr>
                         </m:dPr>
                         <m:e>
@@ -8379,40 +8946,54 @@
                                 </m:mc>
                               </m:mcs>
                               <m:ctrlPr>
-                                <a:rPr lang="en-US" i="1"/>
+                                <a:rPr lang="en-US" i="1">
+                                  <a:latin typeface="Cambria Math" panose="02040503050406030204" pitchFamily="18" charset="0"/>
+                                </a:rPr>
                               </m:ctrlPr>
                             </m:mPr>
                             <m:mr>
                               <m:e>
                                 <m:r>
-                                  <a:rPr lang="en-US" i="1"/>
+                                  <a:rPr lang="en-US" i="1">
+                                    <a:latin typeface="Cambria Math" panose="02040503050406030204" pitchFamily="18" charset="0"/>
+                                  </a:rPr>
                                   <m:t>𝑌</m:t>
                                 </m:r>
                                 <m:r>
-                                  <a:rPr lang="en-US" i="1"/>
+                                  <a:rPr lang="en-US" i="1">
+                                    <a:latin typeface="Cambria Math" panose="02040503050406030204" pitchFamily="18" charset="0"/>
+                                  </a:rPr>
                                   <m:t>(</m:t>
                                 </m:r>
                                 <m:sSup>
                                   <m:sSupPr>
                                     <m:ctrlPr>
-                                      <a:rPr lang="en-US" i="1"/>
+                                      <a:rPr lang="en-US" i="1">
+                                        <a:latin typeface="Cambria Math" panose="02040503050406030204" pitchFamily="18" charset="0"/>
+                                      </a:rPr>
                                     </m:ctrlPr>
                                   </m:sSupPr>
                                   <m:e>
                                     <m:r>
-                                      <a:rPr lang="en-US" i="1"/>
+                                      <a:rPr lang="en-US" i="1">
+                                        <a:latin typeface="Cambria Math" panose="02040503050406030204" pitchFamily="18" charset="0"/>
+                                      </a:rPr>
                                       <m:t>𝑥</m:t>
                                     </m:r>
                                   </m:e>
                                   <m:sup>
                                     <m:r>
-                                      <a:rPr lang="en-US" i="1"/>
+                                      <a:rPr lang="en-US" i="1">
+                                        <a:latin typeface="Cambria Math" panose="02040503050406030204" pitchFamily="18" charset="0"/>
+                                      </a:rPr>
                                       <m:t>(1)</m:t>
                                     </m:r>
                                   </m:sup>
                                 </m:sSup>
                                 <m:r>
-                                  <a:rPr lang="en-US" i="1"/>
+                                  <a:rPr lang="en-US" i="1">
+                                    <a:latin typeface="Cambria Math" panose="02040503050406030204" pitchFamily="18" charset="0"/>
+                                  </a:rPr>
                                   <m:t>)</m:t>
                                 </m:r>
                               </m:e>
@@ -8420,7 +9001,9 @@
                             <m:mr>
                               <m:e>
                                 <m:r>
-                                  <a:rPr lang="en-US" i="1"/>
+                                  <a:rPr lang="en-US" i="1">
+                                    <a:latin typeface="Cambria Math" panose="02040503050406030204" pitchFamily="18" charset="0"/>
+                                  </a:rPr>
                                   <m:t>…</m:t>
                                 </m:r>
                               </m:e>
@@ -8428,42 +9011,58 @@
                             <m:mr>
                               <m:e>
                                 <m:r>
-                                  <a:rPr lang="en-US" i="1"/>
+                                  <a:rPr lang="en-US" i="1">
+                                    <a:latin typeface="Cambria Math" panose="02040503050406030204" pitchFamily="18" charset="0"/>
+                                  </a:rPr>
                                   <m:t>𝑌</m:t>
                                 </m:r>
                                 <m:r>
-                                  <a:rPr lang="en-US" i="1"/>
+                                  <a:rPr lang="en-US" i="1">
+                                    <a:latin typeface="Cambria Math" panose="02040503050406030204" pitchFamily="18" charset="0"/>
+                                  </a:rPr>
                                   <m:t>(</m:t>
                                 </m:r>
                                 <m:sSup>
                                   <m:sSupPr>
                                     <m:ctrlPr>
-                                      <a:rPr lang="en-US" i="1"/>
+                                      <a:rPr lang="en-US" i="1">
+                                        <a:latin typeface="Cambria Math" panose="02040503050406030204" pitchFamily="18" charset="0"/>
+                                      </a:rPr>
                                     </m:ctrlPr>
                                   </m:sSupPr>
                                   <m:e>
                                     <m:r>
-                                      <a:rPr lang="en-US" i="1"/>
+                                      <a:rPr lang="en-US" i="1">
+                                        <a:latin typeface="Cambria Math" panose="02040503050406030204" pitchFamily="18" charset="0"/>
+                                      </a:rPr>
                                       <m:t>𝑥</m:t>
                                     </m:r>
                                   </m:e>
                                   <m:sup>
                                     <m:r>
-                                      <a:rPr lang="en-US" i="1"/>
+                                      <a:rPr lang="en-US" i="1">
+                                        <a:latin typeface="Cambria Math" panose="02040503050406030204" pitchFamily="18" charset="0"/>
+                                      </a:rPr>
                                       <m:t>(</m:t>
                                     </m:r>
                                     <m:r>
-                                      <a:rPr lang="en-US" i="1"/>
+                                      <a:rPr lang="en-US" i="1">
+                                        <a:latin typeface="Cambria Math" panose="02040503050406030204" pitchFamily="18" charset="0"/>
+                                      </a:rPr>
                                       <m:t>𝑛</m:t>
                                     </m:r>
                                     <m:r>
-                                      <a:rPr lang="en-US" i="1"/>
+                                      <a:rPr lang="en-US" i="1">
+                                        <a:latin typeface="Cambria Math" panose="02040503050406030204" pitchFamily="18" charset="0"/>
+                                      </a:rPr>
                                       <m:t>)</m:t>
                                     </m:r>
                                   </m:sup>
                                 </m:sSup>
                                 <m:r>
-                                  <a:rPr lang="en-US" i="1"/>
+                                  <a:rPr lang="en-US" i="1">
+                                    <a:latin typeface="Cambria Math" panose="02040503050406030204" pitchFamily="18" charset="0"/>
+                                  </a:rPr>
                                   <m:t>)</m:t>
                                 </m:r>
                               </m:e>
@@ -8500,7 +9099,9 @@
                         <m:rPr>
                           <m:sty m:val="p"/>
                         </m:rPr>
-                        <a:rPr lang="en-US"/>
+                        <a:rPr lang="en-US">
+                          <a:latin typeface="Cambria Math" panose="02040503050406030204" pitchFamily="18" charset="0"/>
+                        </a:rPr>
                         <m:t>cor</m:t>
                       </m:r>
                       <m:d>
@@ -8508,44 +9109,60 @@
                           <m:begChr m:val="["/>
                           <m:endChr m:val="]"/>
                           <m:ctrlPr>
-                            <a:rPr lang="en-US" i="1"/>
+                            <a:rPr lang="en-US" i="1">
+                              <a:latin typeface="Cambria Math" panose="02040503050406030204" pitchFamily="18" charset="0"/>
+                            </a:rPr>
                           </m:ctrlPr>
                         </m:dPr>
                         <m:e>
                           <m:r>
-                            <a:rPr lang="en-US" i="1"/>
+                            <a:rPr lang="en-US" i="1">
+                              <a:latin typeface="Cambria Math" panose="02040503050406030204" pitchFamily="18" charset="0"/>
+                            </a:rPr>
                             <m:t>𝑌</m:t>
                           </m:r>
                           <m:d>
                             <m:dPr>
                               <m:ctrlPr>
-                                <a:rPr lang="en-US" i="1"/>
+                                <a:rPr lang="en-US" i="1">
+                                  <a:latin typeface="Cambria Math" panose="02040503050406030204" pitchFamily="18" charset="0"/>
+                                </a:rPr>
                               </m:ctrlPr>
                             </m:dPr>
                             <m:e>
                               <m:sSup>
                                 <m:sSupPr>
                                   <m:ctrlPr>
-                                    <a:rPr lang="en-US" i="1"/>
+                                    <a:rPr lang="en-US" i="1">
+                                      <a:latin typeface="Cambria Math" panose="02040503050406030204" pitchFamily="18" charset="0"/>
+                                    </a:rPr>
                                   </m:ctrlPr>
                                 </m:sSupPr>
                                 <m:e>
                                   <m:r>
-                                    <a:rPr lang="en-US" i="1"/>
+                                    <a:rPr lang="en-US" i="1">
+                                      <a:latin typeface="Cambria Math" panose="02040503050406030204" pitchFamily="18" charset="0"/>
+                                    </a:rPr>
                                     <m:t>𝑥</m:t>
                                   </m:r>
                                 </m:e>
                                 <m:sup>
                                   <m:r>
-                                    <a:rPr lang="en-US" i="1"/>
+                                    <a:rPr lang="en-US" i="1">
+                                      <a:latin typeface="Cambria Math" panose="02040503050406030204" pitchFamily="18" charset="0"/>
+                                    </a:rPr>
                                     <m:t>(</m:t>
                                   </m:r>
                                   <m:r>
-                                    <a:rPr lang="en-US" i="1"/>
+                                    <a:rPr lang="en-US" i="1">
+                                      <a:latin typeface="Cambria Math" panose="02040503050406030204" pitchFamily="18" charset="0"/>
+                                    </a:rPr>
                                     <m:t>𝑖</m:t>
                                   </m:r>
                                   <m:r>
-                                    <a:rPr lang="en-US" i="1"/>
+                                    <a:rPr lang="en-US" i="1">
+                                      <a:latin typeface="Cambria Math" panose="02040503050406030204" pitchFamily="18" charset="0"/>
+                                    </a:rPr>
                                     <m:t>)</m:t>
                                   </m:r>
                                 </m:sup>
@@ -8553,63 +9170,87 @@
                             </m:e>
                           </m:d>
                           <m:r>
-                            <a:rPr lang="en-US" i="1"/>
+                            <a:rPr lang="en-US" i="1">
+                              <a:latin typeface="Cambria Math" panose="02040503050406030204" pitchFamily="18" charset="0"/>
+                            </a:rPr>
                             <m:t>,</m:t>
                           </m:r>
                           <m:r>
-                            <a:rPr lang="en-US" i="1"/>
+                            <a:rPr lang="en-US" i="1">
+                              <a:latin typeface="Cambria Math" panose="02040503050406030204" pitchFamily="18" charset="0"/>
+                            </a:rPr>
                             <m:t>𝑌</m:t>
                           </m:r>
                           <m:r>
-                            <a:rPr lang="en-US" i="1"/>
+                            <a:rPr lang="en-US" i="1">
+                              <a:latin typeface="Cambria Math" panose="02040503050406030204" pitchFamily="18" charset="0"/>
+                            </a:rPr>
                             <m:t>(</m:t>
                           </m:r>
                           <m:sSup>
                             <m:sSupPr>
                               <m:ctrlPr>
-                                <a:rPr lang="en-US" i="1"/>
+                                <a:rPr lang="en-US" i="1">
+                                  <a:latin typeface="Cambria Math" panose="02040503050406030204" pitchFamily="18" charset="0"/>
+                                </a:rPr>
                               </m:ctrlPr>
                             </m:sSupPr>
                             <m:e>
                               <m:r>
-                                <a:rPr lang="en-US" i="1"/>
+                                <a:rPr lang="en-US" i="1">
+                                  <a:latin typeface="Cambria Math" panose="02040503050406030204" pitchFamily="18" charset="0"/>
+                                </a:rPr>
                                 <m:t>𝑥</m:t>
                               </m:r>
                             </m:e>
                             <m:sup>
                               <m:r>
-                                <a:rPr lang="en-US" i="1"/>
+                                <a:rPr lang="en-US" i="1">
+                                  <a:latin typeface="Cambria Math" panose="02040503050406030204" pitchFamily="18" charset="0"/>
+                                </a:rPr>
                                 <m:t>(</m:t>
                               </m:r>
                               <m:r>
-                                <a:rPr lang="en-US" i="1"/>
+                                <a:rPr lang="en-US" i="1">
+                                  <a:latin typeface="Cambria Math" panose="02040503050406030204" pitchFamily="18" charset="0"/>
+                                </a:rPr>
                                 <m:t>𝑙</m:t>
                               </m:r>
                               <m:r>
-                                <a:rPr lang="en-US" i="1"/>
+                                <a:rPr lang="en-US" i="1">
+                                  <a:latin typeface="Cambria Math" panose="02040503050406030204" pitchFamily="18" charset="0"/>
+                                </a:rPr>
                                 <m:t>)</m:t>
                               </m:r>
                             </m:sup>
                           </m:sSup>
                           <m:r>
-                            <a:rPr lang="en-US" i="1"/>
+                            <a:rPr lang="en-US" i="1">
+                              <a:latin typeface="Cambria Math" panose="02040503050406030204" pitchFamily="18" charset="0"/>
+                            </a:rPr>
                             <m:t>)</m:t>
                           </m:r>
                         </m:e>
                       </m:d>
                       <m:r>
-                        <a:rPr lang="en-US" i="1"/>
+                        <a:rPr lang="en-US" i="1">
+                          <a:latin typeface="Cambria Math" panose="02040503050406030204" pitchFamily="18" charset="0"/>
+                        </a:rPr>
                         <m:t>=</m:t>
                       </m:r>
                       <m:sSup>
                         <m:sSupPr>
                           <m:ctrlPr>
-                            <a:rPr lang="en-US" i="1"/>
+                            <a:rPr lang="en-US" i="1">
+                              <a:latin typeface="Cambria Math" panose="02040503050406030204" pitchFamily="18" charset="0"/>
+                            </a:rPr>
                           </m:ctrlPr>
                         </m:sSupPr>
                         <m:e>
                           <m:r>
-                            <a:rPr lang="en-US" i="1"/>
+                            <a:rPr lang="en-US" i="1">
+                              <a:latin typeface="Cambria Math" panose="02040503050406030204" pitchFamily="18" charset="0"/>
+                            </a:rPr>
                             <m:t>𝑒</m:t>
                           </m:r>
                         </m:e>
@@ -8617,12 +9258,16 @@
                           <m:d>
                             <m:dPr>
                               <m:ctrlPr>
-                                <a:rPr lang="en-US" i="1"/>
+                                <a:rPr lang="en-US" i="1">
+                                  <a:latin typeface="Cambria Math" panose="02040503050406030204" pitchFamily="18" charset="0"/>
+                                </a:rPr>
                               </m:ctrlPr>
                             </m:dPr>
                             <m:e>
                               <m:r>
-                                <a:rPr lang="en-US" i="1"/>
+                                <a:rPr lang="en-US" i="1">
+                                  <a:latin typeface="Cambria Math" panose="02040503050406030204" pitchFamily="18" charset="0"/>
+                                </a:rPr>
                                 <m:t>−</m:t>
                               </m:r>
                               <m:nary>
@@ -8630,22 +9275,30 @@
                                   <m:chr m:val="∑"/>
                                   <m:limLoc m:val="undOvr"/>
                                   <m:ctrlPr>
-                                    <a:rPr lang="en-US" i="1"/>
+                                    <a:rPr lang="en-US" i="1">
+                                      <a:latin typeface="Cambria Math" panose="02040503050406030204" pitchFamily="18" charset="0"/>
+                                    </a:rPr>
                                   </m:ctrlPr>
                                 </m:naryPr>
                                 <m:sub>
                                   <m:r>
-                                    <a:rPr lang="en-US" i="1"/>
+                                    <a:rPr lang="en-US" i="1">
+                                      <a:latin typeface="Cambria Math" panose="02040503050406030204" pitchFamily="18" charset="0"/>
+                                    </a:rPr>
                                     <m:t>𝑗</m:t>
                                   </m:r>
                                   <m:r>
-                                    <a:rPr lang="en-US" i="1"/>
+                                    <a:rPr lang="en-US" i="1">
+                                      <a:latin typeface="Cambria Math" panose="02040503050406030204" pitchFamily="18" charset="0"/>
+                                    </a:rPr>
                                     <m:t>=1</m:t>
                                   </m:r>
                                 </m:sub>
                                 <m:sup>
                                   <m:r>
-                                    <a:rPr lang="en-US" i="1"/>
+                                    <a:rPr lang="en-US" i="1">
+                                      <a:latin typeface="Cambria Math" panose="02040503050406030204" pitchFamily="18" charset="0"/>
+                                    </a:rPr>
                                     <m:t>𝑘</m:t>
                                   </m:r>
                                 </m:sup>
@@ -8653,18 +9306,24 @@
                                   <m:sSub>
                                     <m:sSubPr>
                                       <m:ctrlPr>
-                                        <a:rPr lang="en-US" i="1"/>
+                                        <a:rPr lang="en-US" i="1">
+                                          <a:latin typeface="Cambria Math" panose="02040503050406030204" pitchFamily="18" charset="0"/>
+                                        </a:rPr>
                                       </m:ctrlPr>
                                     </m:sSubPr>
                                     <m:e>
                                       <m:r>
-                                        <a:rPr lang="en-US" i="1"/>
+                                        <a:rPr lang="en-US" i="1">
+                                          <a:latin typeface="Cambria Math" panose="02040503050406030204" pitchFamily="18" charset="0"/>
+                                        </a:rPr>
                                         <m:t>𝜃</m:t>
                                       </m:r>
                                     </m:e>
                                     <m:sub>
                                       <m:r>
-                                        <a:rPr lang="en-US" i="1"/>
+                                        <a:rPr lang="en-US" i="1">
+                                          <a:latin typeface="Cambria Math" panose="02040503050406030204" pitchFamily="18" charset="0"/>
+                                        </a:rPr>
                                         <m:t>𝑗</m:t>
                                       </m:r>
                                     </m:sub>
@@ -8672,7 +9331,9 @@
                                   <m:sSup>
                                     <m:sSupPr>
                                       <m:ctrlPr>
-                                        <a:rPr lang="en-US" i="1"/>
+                                        <a:rPr lang="en-US" i="1">
+                                          <a:latin typeface="Cambria Math" panose="02040503050406030204" pitchFamily="18" charset="0"/>
+                                        </a:rPr>
                                       </m:ctrlPr>
                                     </m:sSupPr>
                                     <m:e>
@@ -8681,25 +9342,33 @@
                                           <m:begChr m:val="|"/>
                                           <m:endChr m:val="|"/>
                                           <m:ctrlPr>
-                                            <a:rPr lang="en-US" i="1"/>
+                                            <a:rPr lang="en-US" i="1">
+                                              <a:latin typeface="Cambria Math" panose="02040503050406030204" pitchFamily="18" charset="0"/>
+                                            </a:rPr>
                                           </m:ctrlPr>
                                         </m:dPr>
                                         <m:e>
                                           <m:sSubSup>
                                             <m:sSubSupPr>
                                               <m:ctrlPr>
-                                                <a:rPr lang="en-US" i="1"/>
+                                                <a:rPr lang="en-US" i="1">
+                                                  <a:latin typeface="Cambria Math" panose="02040503050406030204" pitchFamily="18" charset="0"/>
+                                                </a:rPr>
                                               </m:ctrlPr>
                                             </m:sSubSupPr>
                                             <m:e>
                                               <m:r>
-                                                <a:rPr lang="en-US" i="1"/>
+                                                <a:rPr lang="en-US" i="1">
+                                                  <a:latin typeface="Cambria Math" panose="02040503050406030204" pitchFamily="18" charset="0"/>
+                                                </a:rPr>
                                                 <m:t>𝑥</m:t>
                                               </m:r>
                                             </m:e>
                                             <m:sub>
                                               <m:r>
-                                                <a:rPr lang="en-US" i="1"/>
+                                                <a:rPr lang="en-US" i="1">
+                                                  <a:latin typeface="Cambria Math" panose="02040503050406030204" pitchFamily="18" charset="0"/>
+                                                </a:rPr>
                                                 <m:t>𝑗</m:t>
                                               </m:r>
                                             </m:sub>
@@ -8707,12 +9376,16 @@
                                               <m:d>
                                                 <m:dPr>
                                                   <m:ctrlPr>
-                                                    <a:rPr lang="en-US" i="1"/>
+                                                    <a:rPr lang="en-US" i="1">
+                                                      <a:latin typeface="Cambria Math" panose="02040503050406030204" pitchFamily="18" charset="0"/>
+                                                    </a:rPr>
                                                   </m:ctrlPr>
                                                 </m:dPr>
                                                 <m:e>
                                                   <m:r>
-                                                    <a:rPr lang="en-US" i="1"/>
+                                                    <a:rPr lang="en-US" i="1">
+                                                      <a:latin typeface="Cambria Math" panose="02040503050406030204" pitchFamily="18" charset="0"/>
+                                                    </a:rPr>
                                                     <m:t>𝑖</m:t>
                                                   </m:r>
                                                 </m:e>
@@ -8720,39 +9393,53 @@
                                             </m:sup>
                                           </m:sSubSup>
                                           <m:r>
-                                            <a:rPr lang="en-US" i="1"/>
+                                            <a:rPr lang="en-US" i="1">
+                                              <a:latin typeface="Cambria Math" panose="02040503050406030204" pitchFamily="18" charset="0"/>
+                                            </a:rPr>
                                             <m:t>−</m:t>
                                           </m:r>
                                           <m:sSub>
                                             <m:sSubPr>
                                               <m:ctrlPr>
-                                                <a:rPr lang="en-US" i="1"/>
+                                                <a:rPr lang="en-US" i="1">
+                                                  <a:latin typeface="Cambria Math" panose="02040503050406030204" pitchFamily="18" charset="0"/>
+                                                </a:rPr>
                                               </m:ctrlPr>
                                             </m:sSubPr>
                                             <m:e>
                                               <m:sSup>
                                                 <m:sSupPr>
                                                   <m:ctrlPr>
-                                                    <a:rPr lang="en-US" i="1"/>
+                                                    <a:rPr lang="en-US" i="1">
+                                                      <a:latin typeface="Cambria Math" panose="02040503050406030204" pitchFamily="18" charset="0"/>
+                                                    </a:rPr>
                                                   </m:ctrlPr>
                                                 </m:sSupPr>
                                                 <m:e>
                                                   <m:r>
-                                                    <a:rPr lang="en-US" i="1"/>
+                                                    <a:rPr lang="en-US" i="1">
+                                                      <a:latin typeface="Cambria Math" panose="02040503050406030204" pitchFamily="18" charset="0"/>
+                                                    </a:rPr>
                                                     <m:t>𝑥</m:t>
                                                   </m:r>
                                                 </m:e>
                                                 <m:sup>
                                                   <m:r>
-                                                    <a:rPr lang="en-US" i="1"/>
+                                                    <a:rPr lang="en-US" i="1">
+                                                      <a:latin typeface="Cambria Math" panose="02040503050406030204" pitchFamily="18" charset="0"/>
+                                                    </a:rPr>
                                                     <m:t>(</m:t>
                                                   </m:r>
                                                   <m:r>
-                                                    <a:rPr lang="en-US" i="1"/>
+                                                    <a:rPr lang="en-US" i="1">
+                                                      <a:latin typeface="Cambria Math" panose="02040503050406030204" pitchFamily="18" charset="0"/>
+                                                    </a:rPr>
                                                     <m:t>𝑙</m:t>
                                                   </m:r>
                                                   <m:r>
-                                                    <a:rPr lang="en-US" i="1"/>
+                                                    <a:rPr lang="en-US" i="1">
+                                                      <a:latin typeface="Cambria Math" panose="02040503050406030204" pitchFamily="18" charset="0"/>
+                                                    </a:rPr>
                                                     <m:t>)</m:t>
                                                   </m:r>
                                                 </m:sup>
@@ -8760,7 +9447,9 @@
                                             </m:e>
                                             <m:sub>
                                               <m:r>
-                                                <a:rPr lang="en-US" i="1"/>
+                                                <a:rPr lang="en-US" i="1">
+                                                  <a:latin typeface="Cambria Math" panose="02040503050406030204" pitchFamily="18" charset="0"/>
+                                                </a:rPr>
                                                 <m:t>𝑗</m:t>
                                               </m:r>
                                             </m:sub>
@@ -8772,18 +9461,24 @@
                                       <m:sSub>
                                         <m:sSubPr>
                                           <m:ctrlPr>
-                                            <a:rPr lang="en-US" i="1"/>
+                                            <a:rPr lang="en-US" i="1">
+                                              <a:latin typeface="Cambria Math" panose="02040503050406030204" pitchFamily="18" charset="0"/>
+                                            </a:rPr>
                                           </m:ctrlPr>
                                         </m:sSubPr>
                                         <m:e>
                                           <m:r>
-                                            <a:rPr lang="en-US" i="1"/>
+                                            <a:rPr lang="en-US" i="1">
+                                              <a:latin typeface="Cambria Math" panose="02040503050406030204" pitchFamily="18" charset="0"/>
+                                            </a:rPr>
                                             <m:t>𝑝</m:t>
                                           </m:r>
                                         </m:e>
                                         <m:sub>
                                           <m:r>
-                                            <a:rPr lang="en-US" i="1"/>
+                                            <a:rPr lang="en-US" i="1">
+                                              <a:latin typeface="Cambria Math" panose="02040503050406030204" pitchFamily="18" charset="0"/>
+                                            </a:rPr>
                                             <m:t>𝑗</m:t>
                                           </m:r>
                                         </m:sub>
@@ -8809,15 +9504,21 @@
                 <a14:m>
                   <m:oMath xmlns:m="http://schemas.openxmlformats.org/officeDocument/2006/math">
                     <m:r>
-                      <a:rPr lang="uk-UA" i="1"/>
+                      <a:rPr lang="uk-UA" i="1">
+                        <a:latin typeface="Cambria Math" panose="02040503050406030204" pitchFamily="18" charset="0"/>
+                      </a:rPr>
                       <m:t>𝑛</m:t>
                     </m:r>
                     <m:r>
-                      <a:rPr lang="uk-UA" i="1"/>
+                      <a:rPr lang="uk-UA" i="1">
+                        <a:latin typeface="Cambria Math" panose="02040503050406030204" pitchFamily="18" charset="0"/>
+                      </a:rPr>
                       <m:t>×</m:t>
                     </m:r>
                     <m:r>
-                      <a:rPr lang="uk-UA" i="1"/>
+                      <a:rPr lang="uk-UA" i="1">
+                        <a:latin typeface="Cambria Math" panose="02040503050406030204" pitchFamily="18" charset="0"/>
+                      </a:rPr>
                       <m:t>𝑛</m:t>
                     </m:r>
                   </m:oMath>
@@ -8843,17 +9544,23 @@
                     </m:oMathParaPr>
                     <m:oMath xmlns:m="http://schemas.openxmlformats.org/officeDocument/2006/math">
                       <m:r>
-                        <a:rPr lang="uk-UA" b="1" i="1"/>
+                        <a:rPr lang="uk-UA" b="1" i="1">
+                          <a:latin typeface="Cambria Math" panose="02040503050406030204" pitchFamily="18" charset="0"/>
+                        </a:rPr>
                         <m:t>𝚿</m:t>
                       </m:r>
                       <m:r>
-                        <a:rPr lang="uk-UA" i="1"/>
+                        <a:rPr lang="uk-UA" i="1">
+                          <a:latin typeface="Cambria Math" panose="02040503050406030204" pitchFamily="18" charset="0"/>
+                        </a:rPr>
                         <m:t>=</m:t>
                       </m:r>
                       <m:d>
                         <m:dPr>
                           <m:ctrlPr>
-                            <a:rPr lang="en-US" i="1"/>
+                            <a:rPr lang="en-US" i="1">
+                              <a:latin typeface="Cambria Math" panose="02040503050406030204" pitchFamily="18" charset="0"/>
+                            </a:rPr>
                           </m:ctrlPr>
                         </m:dPr>
                         <m:e>
@@ -8868,7 +9575,9 @@
                                 </m:mc>
                               </m:mcs>
                               <m:ctrlPr>
-                                <a:rPr lang="en-US" i="1"/>
+                                <a:rPr lang="en-US" i="1">
+                                  <a:latin typeface="Cambria Math" panose="02040503050406030204" pitchFamily="18" charset="0"/>
+                                </a:rPr>
                               </m:ctrlPr>
                             </m:mPr>
                             <m:mr>
@@ -8877,7 +9586,9 @@
                                   <m:rPr>
                                     <m:sty m:val="p"/>
                                   </m:rPr>
-                                  <a:rPr lang="en-US"/>
+                                  <a:rPr lang="en-US">
+                                    <a:latin typeface="Cambria Math" panose="02040503050406030204" pitchFamily="18" charset="0"/>
+                                  </a:rPr>
                                   <m:t>cor</m:t>
                                 </m:r>
                                 <m:d>
@@ -8885,36 +9596,48 @@
                                     <m:begChr m:val="["/>
                                     <m:endChr m:val="]"/>
                                     <m:ctrlPr>
-                                      <a:rPr lang="en-US" i="1"/>
+                                      <a:rPr lang="en-US" i="1">
+                                        <a:latin typeface="Cambria Math" panose="02040503050406030204" pitchFamily="18" charset="0"/>
+                                      </a:rPr>
                                     </m:ctrlPr>
                                   </m:dPr>
                                   <m:e>
                                     <m:r>
-                                      <a:rPr lang="en-US" i="1"/>
+                                      <a:rPr lang="en-US" i="1">
+                                        <a:latin typeface="Cambria Math" panose="02040503050406030204" pitchFamily="18" charset="0"/>
+                                      </a:rPr>
                                       <m:t>𝑌</m:t>
                                     </m:r>
                                     <m:d>
                                       <m:dPr>
                                         <m:ctrlPr>
-                                          <a:rPr lang="en-US" i="1"/>
+                                          <a:rPr lang="en-US" i="1">
+                                            <a:latin typeface="Cambria Math" panose="02040503050406030204" pitchFamily="18" charset="0"/>
+                                          </a:rPr>
                                         </m:ctrlPr>
                                       </m:dPr>
                                       <m:e>
                                         <m:sSup>
                                           <m:sSupPr>
                                             <m:ctrlPr>
-                                              <a:rPr lang="en-US" i="1"/>
+                                              <a:rPr lang="en-US" i="1">
+                                                <a:latin typeface="Cambria Math" panose="02040503050406030204" pitchFamily="18" charset="0"/>
+                                              </a:rPr>
                                             </m:ctrlPr>
                                           </m:sSupPr>
                                           <m:e>
                                             <m:r>
-                                              <a:rPr lang="en-US" i="1"/>
+                                              <a:rPr lang="en-US" i="1">
+                                                <a:latin typeface="Cambria Math" panose="02040503050406030204" pitchFamily="18" charset="0"/>
+                                              </a:rPr>
                                               <m:t>𝑥</m:t>
                                             </m:r>
                                           </m:e>
                                           <m:sup>
                                             <m:r>
-                                              <a:rPr lang="en-US" i="1"/>
+                                              <a:rPr lang="en-US" i="1">
+                                                <a:latin typeface="Cambria Math" panose="02040503050406030204" pitchFamily="18" charset="0"/>
+                                              </a:rPr>
                                               <m:t>(1)</m:t>
                                             </m:r>
                                           </m:sup>
@@ -8922,38 +9645,52 @@
                                       </m:e>
                                     </m:d>
                                     <m:r>
-                                      <a:rPr lang="en-US" i="1"/>
+                                      <a:rPr lang="en-US" i="1">
+                                        <a:latin typeface="Cambria Math" panose="02040503050406030204" pitchFamily="18" charset="0"/>
+                                      </a:rPr>
                                       <m:t>,</m:t>
                                     </m:r>
                                     <m:r>
-                                      <a:rPr lang="en-US" i="1"/>
+                                      <a:rPr lang="en-US" i="1">
+                                        <a:latin typeface="Cambria Math" panose="02040503050406030204" pitchFamily="18" charset="0"/>
+                                      </a:rPr>
                                       <m:t>𝑌</m:t>
                                     </m:r>
                                     <m:r>
-                                      <a:rPr lang="en-US" i="1"/>
+                                      <a:rPr lang="en-US" i="1">
+                                        <a:latin typeface="Cambria Math" panose="02040503050406030204" pitchFamily="18" charset="0"/>
+                                      </a:rPr>
                                       <m:t>(</m:t>
                                     </m:r>
                                     <m:sSup>
                                       <m:sSupPr>
                                         <m:ctrlPr>
-                                          <a:rPr lang="en-US" i="1"/>
+                                          <a:rPr lang="en-US" i="1">
+                                            <a:latin typeface="Cambria Math" panose="02040503050406030204" pitchFamily="18" charset="0"/>
+                                          </a:rPr>
                                         </m:ctrlPr>
                                       </m:sSupPr>
                                       <m:e>
                                         <m:r>
-                                          <a:rPr lang="en-US" i="1"/>
+                                          <a:rPr lang="en-US" i="1">
+                                            <a:latin typeface="Cambria Math" panose="02040503050406030204" pitchFamily="18" charset="0"/>
+                                          </a:rPr>
                                           <m:t>𝑥</m:t>
                                         </m:r>
                                       </m:e>
                                       <m:sup>
                                         <m:r>
-                                          <a:rPr lang="en-US" i="1"/>
+                                          <a:rPr lang="en-US" i="1">
+                                            <a:latin typeface="Cambria Math" panose="02040503050406030204" pitchFamily="18" charset="0"/>
+                                          </a:rPr>
                                           <m:t>(1)</m:t>
                                         </m:r>
                                       </m:sup>
                                     </m:sSup>
                                     <m:r>
-                                      <a:rPr lang="en-US" i="1"/>
+                                      <a:rPr lang="en-US" i="1">
+                                        <a:latin typeface="Cambria Math" panose="02040503050406030204" pitchFamily="18" charset="0"/>
+                                      </a:rPr>
                                       <m:t>)</m:t>
                                     </m:r>
                                   </m:e>
@@ -8961,7 +9698,9 @@
                               </m:e>
                               <m:e>
                                 <m:r>
-                                  <a:rPr lang="uk-UA" i="1"/>
+                                  <a:rPr lang="uk-UA" i="1">
+                                    <a:latin typeface="Cambria Math" panose="02040503050406030204" pitchFamily="18" charset="0"/>
+                                  </a:rPr>
                                   <m:t>⋯</m:t>
                                 </m:r>
                               </m:e>
@@ -8970,7 +9709,9 @@
                                   <m:rPr>
                                     <m:sty m:val="p"/>
                                   </m:rPr>
-                                  <a:rPr lang="en-US"/>
+                                  <a:rPr lang="en-US">
+                                    <a:latin typeface="Cambria Math" panose="02040503050406030204" pitchFamily="18" charset="0"/>
+                                  </a:rPr>
                                   <m:t>cor</m:t>
                                 </m:r>
                                 <m:d>
@@ -8978,36 +9719,48 @@
                                     <m:begChr m:val="["/>
                                     <m:endChr m:val="]"/>
                                     <m:ctrlPr>
-                                      <a:rPr lang="en-US" i="1"/>
+                                      <a:rPr lang="en-US" i="1">
+                                        <a:latin typeface="Cambria Math" panose="02040503050406030204" pitchFamily="18" charset="0"/>
+                                      </a:rPr>
                                     </m:ctrlPr>
                                   </m:dPr>
                                   <m:e>
                                     <m:r>
-                                      <a:rPr lang="en-US" i="1"/>
+                                      <a:rPr lang="en-US" i="1">
+                                        <a:latin typeface="Cambria Math" panose="02040503050406030204" pitchFamily="18" charset="0"/>
+                                      </a:rPr>
                                       <m:t>𝑌</m:t>
                                     </m:r>
                                     <m:d>
                                       <m:dPr>
                                         <m:ctrlPr>
-                                          <a:rPr lang="en-US" i="1"/>
+                                          <a:rPr lang="en-US" i="1">
+                                            <a:latin typeface="Cambria Math" panose="02040503050406030204" pitchFamily="18" charset="0"/>
+                                          </a:rPr>
                                         </m:ctrlPr>
                                       </m:dPr>
                                       <m:e>
                                         <m:sSup>
                                           <m:sSupPr>
                                             <m:ctrlPr>
-                                              <a:rPr lang="en-US" i="1"/>
+                                              <a:rPr lang="en-US" i="1">
+                                                <a:latin typeface="Cambria Math" panose="02040503050406030204" pitchFamily="18" charset="0"/>
+                                              </a:rPr>
                                             </m:ctrlPr>
                                           </m:sSupPr>
                                           <m:e>
                                             <m:r>
-                                              <a:rPr lang="en-US" i="1"/>
+                                              <a:rPr lang="en-US" i="1">
+                                                <a:latin typeface="Cambria Math" panose="02040503050406030204" pitchFamily="18" charset="0"/>
+                                              </a:rPr>
                                               <m:t>𝑥</m:t>
                                             </m:r>
                                           </m:e>
                                           <m:sup>
                                             <m:r>
-                                              <a:rPr lang="en-US" i="1"/>
+                                              <a:rPr lang="en-US" i="1">
+                                                <a:latin typeface="Cambria Math" panose="02040503050406030204" pitchFamily="18" charset="0"/>
+                                              </a:rPr>
                                               <m:t>(1)</m:t>
                                             </m:r>
                                           </m:sup>
@@ -9015,46 +9768,64 @@
                                       </m:e>
                                     </m:d>
                                     <m:r>
-                                      <a:rPr lang="en-US" i="1"/>
+                                      <a:rPr lang="en-US" i="1">
+                                        <a:latin typeface="Cambria Math" panose="02040503050406030204" pitchFamily="18" charset="0"/>
+                                      </a:rPr>
                                       <m:t>,</m:t>
                                     </m:r>
                                     <m:r>
-                                      <a:rPr lang="en-US" i="1"/>
+                                      <a:rPr lang="en-US" i="1">
+                                        <a:latin typeface="Cambria Math" panose="02040503050406030204" pitchFamily="18" charset="0"/>
+                                      </a:rPr>
                                       <m:t>𝑌</m:t>
                                     </m:r>
                                     <m:r>
-                                      <a:rPr lang="en-US" i="1"/>
+                                      <a:rPr lang="en-US" i="1">
+                                        <a:latin typeface="Cambria Math" panose="02040503050406030204" pitchFamily="18" charset="0"/>
+                                      </a:rPr>
                                       <m:t>(</m:t>
                                     </m:r>
                                     <m:sSup>
                                       <m:sSupPr>
                                         <m:ctrlPr>
-                                          <a:rPr lang="en-US" i="1"/>
+                                          <a:rPr lang="en-US" i="1">
+                                            <a:latin typeface="Cambria Math" panose="02040503050406030204" pitchFamily="18" charset="0"/>
+                                          </a:rPr>
                                         </m:ctrlPr>
                                       </m:sSupPr>
                                       <m:e>
                                         <m:r>
-                                          <a:rPr lang="en-US" i="1"/>
+                                          <a:rPr lang="en-US" i="1">
+                                            <a:latin typeface="Cambria Math" panose="02040503050406030204" pitchFamily="18" charset="0"/>
+                                          </a:rPr>
                                           <m:t>𝑥</m:t>
                                         </m:r>
                                       </m:e>
                                       <m:sup>
                                         <m:r>
-                                          <a:rPr lang="en-US" i="1"/>
+                                          <a:rPr lang="en-US" i="1">
+                                            <a:latin typeface="Cambria Math" panose="02040503050406030204" pitchFamily="18" charset="0"/>
+                                          </a:rPr>
                                           <m:t>(</m:t>
                                         </m:r>
                                         <m:r>
-                                          <a:rPr lang="en-US" i="1"/>
+                                          <a:rPr lang="en-US" i="1">
+                                            <a:latin typeface="Cambria Math" panose="02040503050406030204" pitchFamily="18" charset="0"/>
+                                          </a:rPr>
                                           <m:t>𝑛</m:t>
                                         </m:r>
                                         <m:r>
-                                          <a:rPr lang="en-US" i="1"/>
+                                          <a:rPr lang="en-US" i="1">
+                                            <a:latin typeface="Cambria Math" panose="02040503050406030204" pitchFamily="18" charset="0"/>
+                                          </a:rPr>
                                           <m:t>)</m:t>
                                         </m:r>
                                       </m:sup>
                                     </m:sSup>
                                     <m:r>
-                                      <a:rPr lang="en-US" i="1"/>
+                                      <a:rPr lang="en-US" i="1">
+                                        <a:latin typeface="Cambria Math" panose="02040503050406030204" pitchFamily="18" charset="0"/>
+                                      </a:rPr>
                                       <m:t>)</m:t>
                                     </m:r>
                                   </m:e>
@@ -9064,19 +9835,25 @@
                             <m:mr>
                               <m:e>
                                 <m:r>
-                                  <a:rPr lang="uk-UA" i="1"/>
+                                  <a:rPr lang="uk-UA" i="1">
+                                    <a:latin typeface="Cambria Math" panose="02040503050406030204" pitchFamily="18" charset="0"/>
+                                  </a:rPr>
                                   <m:t>⋮</m:t>
                                 </m:r>
                               </m:e>
                               <m:e>
                                 <m:r>
-                                  <a:rPr lang="uk-UA" i="1"/>
+                                  <a:rPr lang="uk-UA" i="1">
+                                    <a:latin typeface="Cambria Math" panose="02040503050406030204" pitchFamily="18" charset="0"/>
+                                  </a:rPr>
                                   <m:t>⋱</m:t>
                                 </m:r>
                               </m:e>
                               <m:e>
                                 <m:r>
-                                  <a:rPr lang="uk-UA" i="1"/>
+                                  <a:rPr lang="uk-UA" i="1">
+                                    <a:latin typeface="Cambria Math" panose="02040503050406030204" pitchFamily="18" charset="0"/>
+                                  </a:rPr>
                                   <m:t>⋮</m:t>
                                 </m:r>
                               </m:e>
@@ -9087,7 +9864,9 @@
                                   <m:rPr>
                                     <m:sty m:val="p"/>
                                   </m:rPr>
-                                  <a:rPr lang="en-US"/>
+                                  <a:rPr lang="en-US">
+                                    <a:latin typeface="Cambria Math" panose="02040503050406030204" pitchFamily="18" charset="0"/>
+                                  </a:rPr>
                                   <m:t>cor</m:t>
                                 </m:r>
                                 <m:d>
@@ -9095,44 +9874,60 @@
                                     <m:begChr m:val="["/>
                                     <m:endChr m:val="]"/>
                                     <m:ctrlPr>
-                                      <a:rPr lang="en-US" i="1"/>
+                                      <a:rPr lang="en-US" i="1">
+                                        <a:latin typeface="Cambria Math" panose="02040503050406030204" pitchFamily="18" charset="0"/>
+                                      </a:rPr>
                                     </m:ctrlPr>
                                   </m:dPr>
                                   <m:e>
                                     <m:r>
-                                      <a:rPr lang="en-US" i="1"/>
+                                      <a:rPr lang="en-US" i="1">
+                                        <a:latin typeface="Cambria Math" panose="02040503050406030204" pitchFamily="18" charset="0"/>
+                                      </a:rPr>
                                       <m:t>𝑌</m:t>
                                     </m:r>
                                     <m:d>
                                       <m:dPr>
                                         <m:ctrlPr>
-                                          <a:rPr lang="en-US" i="1"/>
+                                          <a:rPr lang="en-US" i="1">
+                                            <a:latin typeface="Cambria Math" panose="02040503050406030204" pitchFamily="18" charset="0"/>
+                                          </a:rPr>
                                         </m:ctrlPr>
                                       </m:dPr>
                                       <m:e>
                                         <m:sSup>
                                           <m:sSupPr>
                                             <m:ctrlPr>
-                                              <a:rPr lang="en-US" i="1"/>
+                                              <a:rPr lang="en-US" i="1">
+                                                <a:latin typeface="Cambria Math" panose="02040503050406030204" pitchFamily="18" charset="0"/>
+                                              </a:rPr>
                                             </m:ctrlPr>
                                           </m:sSupPr>
                                           <m:e>
                                             <m:r>
-                                              <a:rPr lang="en-US" i="1"/>
+                                              <a:rPr lang="en-US" i="1">
+                                                <a:latin typeface="Cambria Math" panose="02040503050406030204" pitchFamily="18" charset="0"/>
+                                              </a:rPr>
                                               <m:t>𝑥</m:t>
                                             </m:r>
                                           </m:e>
                                           <m:sup>
                                             <m:r>
-                                              <a:rPr lang="en-US" i="1"/>
+                                              <a:rPr lang="en-US" i="1">
+                                                <a:latin typeface="Cambria Math" panose="02040503050406030204" pitchFamily="18" charset="0"/>
+                                              </a:rPr>
                                               <m:t>(</m:t>
                                             </m:r>
                                             <m:r>
-                                              <a:rPr lang="en-US" i="1"/>
+                                              <a:rPr lang="en-US" i="1">
+                                                <a:latin typeface="Cambria Math" panose="02040503050406030204" pitchFamily="18" charset="0"/>
+                                              </a:rPr>
                                               <m:t>𝑛</m:t>
                                             </m:r>
                                             <m:r>
-                                              <a:rPr lang="en-US" i="1"/>
+                                              <a:rPr lang="en-US" i="1">
+                                                <a:latin typeface="Cambria Math" panose="02040503050406030204" pitchFamily="18" charset="0"/>
+                                              </a:rPr>
                                               <m:t>)</m:t>
                                             </m:r>
                                           </m:sup>
@@ -9140,38 +9935,52 @@
                                       </m:e>
                                     </m:d>
                                     <m:r>
-                                      <a:rPr lang="en-US" i="1"/>
+                                      <a:rPr lang="en-US" i="1">
+                                        <a:latin typeface="Cambria Math" panose="02040503050406030204" pitchFamily="18" charset="0"/>
+                                      </a:rPr>
                                       <m:t>,</m:t>
                                     </m:r>
                                     <m:r>
-                                      <a:rPr lang="en-US" i="1"/>
+                                      <a:rPr lang="en-US" i="1">
+                                        <a:latin typeface="Cambria Math" panose="02040503050406030204" pitchFamily="18" charset="0"/>
+                                      </a:rPr>
                                       <m:t>𝑌</m:t>
                                     </m:r>
                                     <m:r>
-                                      <a:rPr lang="en-US" i="1"/>
+                                      <a:rPr lang="en-US" i="1">
+                                        <a:latin typeface="Cambria Math" panose="02040503050406030204" pitchFamily="18" charset="0"/>
+                                      </a:rPr>
                                       <m:t>(</m:t>
                                     </m:r>
                                     <m:sSup>
                                       <m:sSupPr>
                                         <m:ctrlPr>
-                                          <a:rPr lang="en-US" i="1"/>
+                                          <a:rPr lang="en-US" i="1">
+                                            <a:latin typeface="Cambria Math" panose="02040503050406030204" pitchFamily="18" charset="0"/>
+                                          </a:rPr>
                                         </m:ctrlPr>
                                       </m:sSupPr>
                                       <m:e>
                                         <m:r>
-                                          <a:rPr lang="en-US" i="1"/>
+                                          <a:rPr lang="en-US" i="1">
+                                            <a:latin typeface="Cambria Math" panose="02040503050406030204" pitchFamily="18" charset="0"/>
+                                          </a:rPr>
                                           <m:t>𝑥</m:t>
                                         </m:r>
                                       </m:e>
                                       <m:sup>
                                         <m:r>
-                                          <a:rPr lang="en-US" i="1"/>
+                                          <a:rPr lang="en-US" i="1">
+                                            <a:latin typeface="Cambria Math" panose="02040503050406030204" pitchFamily="18" charset="0"/>
+                                          </a:rPr>
                                           <m:t>(1)</m:t>
                                         </m:r>
                                       </m:sup>
                                     </m:sSup>
                                     <m:r>
-                                      <a:rPr lang="en-US" i="1"/>
+                                      <a:rPr lang="en-US" i="1">
+                                        <a:latin typeface="Cambria Math" panose="02040503050406030204" pitchFamily="18" charset="0"/>
+                                      </a:rPr>
                                       <m:t>)</m:t>
                                     </m:r>
                                   </m:e>
@@ -9179,7 +9988,9 @@
                               </m:e>
                               <m:e>
                                 <m:r>
-                                  <a:rPr lang="uk-UA" i="1"/>
+                                  <a:rPr lang="uk-UA" i="1">
+                                    <a:latin typeface="Cambria Math" panose="02040503050406030204" pitchFamily="18" charset="0"/>
+                                  </a:rPr>
                                   <m:t>⋯</m:t>
                                 </m:r>
                               </m:e>
@@ -9188,7 +9999,9 @@
                                   <m:rPr>
                                     <m:sty m:val="p"/>
                                   </m:rPr>
-                                  <a:rPr lang="en-US"/>
+                                  <a:rPr lang="en-US">
+                                    <a:latin typeface="Cambria Math" panose="02040503050406030204" pitchFamily="18" charset="0"/>
+                                  </a:rPr>
                                   <m:t>cor</m:t>
                                 </m:r>
                                 <m:d>
@@ -9196,44 +10009,60 @@
                                     <m:begChr m:val="["/>
                                     <m:endChr m:val="]"/>
                                     <m:ctrlPr>
-                                      <a:rPr lang="en-US" i="1"/>
+                                      <a:rPr lang="en-US" i="1">
+                                        <a:latin typeface="Cambria Math" panose="02040503050406030204" pitchFamily="18" charset="0"/>
+                                      </a:rPr>
                                     </m:ctrlPr>
                                   </m:dPr>
                                   <m:e>
                                     <m:r>
-                                      <a:rPr lang="en-US" i="1"/>
+                                      <a:rPr lang="en-US" i="1">
+                                        <a:latin typeface="Cambria Math" panose="02040503050406030204" pitchFamily="18" charset="0"/>
+                                      </a:rPr>
                                       <m:t>𝑌</m:t>
                                     </m:r>
                                     <m:d>
                                       <m:dPr>
                                         <m:ctrlPr>
-                                          <a:rPr lang="en-US" i="1"/>
+                                          <a:rPr lang="en-US" i="1">
+                                            <a:latin typeface="Cambria Math" panose="02040503050406030204" pitchFamily="18" charset="0"/>
+                                          </a:rPr>
                                         </m:ctrlPr>
                                       </m:dPr>
                                       <m:e>
                                         <m:sSup>
                                           <m:sSupPr>
                                             <m:ctrlPr>
-                                              <a:rPr lang="en-US" i="1"/>
+                                              <a:rPr lang="en-US" i="1">
+                                                <a:latin typeface="Cambria Math" panose="02040503050406030204" pitchFamily="18" charset="0"/>
+                                              </a:rPr>
                                             </m:ctrlPr>
                                           </m:sSupPr>
                                           <m:e>
                                             <m:r>
-                                              <a:rPr lang="en-US" i="1"/>
+                                              <a:rPr lang="en-US" i="1">
+                                                <a:latin typeface="Cambria Math" panose="02040503050406030204" pitchFamily="18" charset="0"/>
+                                              </a:rPr>
                                               <m:t>𝑥</m:t>
                                             </m:r>
                                           </m:e>
                                           <m:sup>
                                             <m:r>
-                                              <a:rPr lang="en-US" i="1"/>
+                                              <a:rPr lang="en-US" i="1">
+                                                <a:latin typeface="Cambria Math" panose="02040503050406030204" pitchFamily="18" charset="0"/>
+                                              </a:rPr>
                                               <m:t>(</m:t>
                                             </m:r>
                                             <m:r>
-                                              <a:rPr lang="en-US" i="1"/>
+                                              <a:rPr lang="en-US" i="1">
+                                                <a:latin typeface="Cambria Math" panose="02040503050406030204" pitchFamily="18" charset="0"/>
+                                              </a:rPr>
                                               <m:t>𝑛</m:t>
                                             </m:r>
                                             <m:r>
-                                              <a:rPr lang="en-US" i="1"/>
+                                              <a:rPr lang="en-US" i="1">
+                                                <a:latin typeface="Cambria Math" panose="02040503050406030204" pitchFamily="18" charset="0"/>
+                                              </a:rPr>
                                               <m:t>)</m:t>
                                             </m:r>
                                           </m:sup>
@@ -9241,46 +10070,64 @@
                                       </m:e>
                                     </m:d>
                                     <m:r>
-                                      <a:rPr lang="en-US" i="1"/>
+                                      <a:rPr lang="en-US" i="1">
+                                        <a:latin typeface="Cambria Math" panose="02040503050406030204" pitchFamily="18" charset="0"/>
+                                      </a:rPr>
                                       <m:t>,</m:t>
                                     </m:r>
                                     <m:r>
-                                      <a:rPr lang="en-US" i="1"/>
+                                      <a:rPr lang="en-US" i="1">
+                                        <a:latin typeface="Cambria Math" panose="02040503050406030204" pitchFamily="18" charset="0"/>
+                                      </a:rPr>
                                       <m:t>𝑌</m:t>
                                     </m:r>
                                     <m:r>
-                                      <a:rPr lang="en-US" i="1"/>
+                                      <a:rPr lang="en-US" i="1">
+                                        <a:latin typeface="Cambria Math" panose="02040503050406030204" pitchFamily="18" charset="0"/>
+                                      </a:rPr>
                                       <m:t>(</m:t>
                                     </m:r>
                                     <m:sSup>
                                       <m:sSupPr>
                                         <m:ctrlPr>
-                                          <a:rPr lang="en-US" i="1"/>
+                                          <a:rPr lang="en-US" i="1">
+                                            <a:latin typeface="Cambria Math" panose="02040503050406030204" pitchFamily="18" charset="0"/>
+                                          </a:rPr>
                                         </m:ctrlPr>
                                       </m:sSupPr>
                                       <m:e>
                                         <m:r>
-                                          <a:rPr lang="en-US" i="1"/>
+                                          <a:rPr lang="en-US" i="1">
+                                            <a:latin typeface="Cambria Math" panose="02040503050406030204" pitchFamily="18" charset="0"/>
+                                          </a:rPr>
                                           <m:t>𝑥</m:t>
                                         </m:r>
                                       </m:e>
                                       <m:sup>
                                         <m:r>
-                                          <a:rPr lang="en-US" i="1"/>
+                                          <a:rPr lang="en-US" i="1">
+                                            <a:latin typeface="Cambria Math" panose="02040503050406030204" pitchFamily="18" charset="0"/>
+                                          </a:rPr>
                                           <m:t>(</m:t>
                                         </m:r>
                                         <m:r>
-                                          <a:rPr lang="en-US" i="1"/>
+                                          <a:rPr lang="en-US" i="1">
+                                            <a:latin typeface="Cambria Math" panose="02040503050406030204" pitchFamily="18" charset="0"/>
+                                          </a:rPr>
                                           <m:t>𝑛</m:t>
                                         </m:r>
                                         <m:r>
-                                          <a:rPr lang="en-US" i="1"/>
+                                          <a:rPr lang="en-US" i="1">
+                                            <a:latin typeface="Cambria Math" panose="02040503050406030204" pitchFamily="18" charset="0"/>
+                                          </a:rPr>
                                           <m:t>)</m:t>
                                         </m:r>
                                       </m:sup>
                                     </m:sSup>
                                     <m:r>
-                                      <a:rPr lang="en-US" i="1"/>
+                                      <a:rPr lang="en-US" i="1">
+                                        <a:latin typeface="Cambria Math" panose="02040503050406030204" pitchFamily="18" charset="0"/>
+                                      </a:rPr>
                                       <m:t>)</m:t>
                                     </m:r>
                                   </m:e>
@@ -9301,7 +10148,7 @@
             </p:txBody>
           </p:sp>
         </mc:Choice>
-        <mc:Fallback>
+        <mc:Fallback xmlns="">
           <p:sp>
             <p:nvSpPr>
               <p:cNvPr id="3" name="Content Placeholder 2">
@@ -9375,8 +10222,8 @@
           <a:chExt cx="0" cy="0"/>
         </a:xfrm>
       </p:grpSpPr>
-      <mc:AlternateContent xmlns:mc="http://schemas.openxmlformats.org/markup-compatibility/2006">
-        <mc:Choice xmlns:a14="http://schemas.microsoft.com/office/drawing/2010/main" Requires="a14">
+      <mc:AlternateContent xmlns:mc="http://schemas.openxmlformats.org/markup-compatibility/2006" xmlns:a14="http://schemas.microsoft.com/office/drawing/2010/main">
+        <mc:Choice Requires="a14">
           <p:sp>
             <p:nvSpPr>
               <p:cNvPr id="3" name="Content Placeholder 2">
@@ -9420,7 +10267,9 @@
                 <a14:m>
                   <m:oMath xmlns:m="http://schemas.openxmlformats.org/officeDocument/2006/math">
                     <m:r>
-                      <a:rPr lang="en-US" i="1"/>
+                      <a:rPr lang="en-US" i="1">
+                        <a:latin typeface="Cambria Math" panose="02040503050406030204" pitchFamily="18" charset="0"/>
+                      </a:rPr>
                       <m:t>𝜖</m:t>
                     </m:r>
                   </m:oMath>
@@ -9454,48 +10303,64 @@
                     </m:oMathParaPr>
                     <m:oMath xmlns:m="http://schemas.openxmlformats.org/officeDocument/2006/math">
                       <m:r>
-                        <a:rPr lang="en-US" i="1"/>
+                        <a:rPr lang="en-US" i="1">
+                          <a:latin typeface="Cambria Math" panose="02040503050406030204" pitchFamily="18" charset="0"/>
+                        </a:rPr>
                         <m:t>𝐿</m:t>
                       </m:r>
                       <m:d>
                         <m:dPr>
                           <m:ctrlPr>
-                            <a:rPr lang="en-US" i="1"/>
+                            <a:rPr lang="en-US" i="1">
+                              <a:latin typeface="Cambria Math" panose="02040503050406030204" pitchFamily="18" charset="0"/>
+                            </a:rPr>
                           </m:ctrlPr>
                         </m:dPr>
                         <m:e>
                           <m:sSup>
                             <m:sSupPr>
                               <m:ctrlPr>
-                                <a:rPr lang="en-US" i="1"/>
+                                <a:rPr lang="en-US" i="1">
+                                  <a:latin typeface="Cambria Math" panose="02040503050406030204" pitchFamily="18" charset="0"/>
+                                </a:rPr>
                               </m:ctrlPr>
                             </m:sSupPr>
                             <m:e>
                               <m:r>
-                                <a:rPr lang="en-US" b="1" i="1"/>
+                                <a:rPr lang="en-US" b="1" i="1">
+                                  <a:latin typeface="Cambria Math" panose="02040503050406030204" pitchFamily="18" charset="0"/>
+                                </a:rPr>
                                 <m:t>𝐘</m:t>
                               </m:r>
                             </m:e>
                             <m:sup>
                               <m:r>
-                                <a:rPr lang="en-US" i="1"/>
+                                <a:rPr lang="en-US" i="1">
+                                  <a:latin typeface="Cambria Math" panose="02040503050406030204" pitchFamily="18" charset="0"/>
+                                </a:rPr>
                                 <m:t>(1)</m:t>
                               </m:r>
                             </m:sup>
                           </m:sSup>
                           <m:r>
-                            <a:rPr lang="en-US" i="1"/>
+                            <a:rPr lang="en-US" i="1">
+                              <a:latin typeface="Cambria Math" panose="02040503050406030204" pitchFamily="18" charset="0"/>
+                            </a:rPr>
                             <m:t>,…,</m:t>
                           </m:r>
                           <m:sSup>
                             <m:sSupPr>
                               <m:ctrlPr>
-                                <a:rPr lang="en-US" i="1"/>
+                                <a:rPr lang="en-US" i="1">
+                                  <a:latin typeface="Cambria Math" panose="02040503050406030204" pitchFamily="18" charset="0"/>
+                                </a:rPr>
                               </m:ctrlPr>
                             </m:sSupPr>
                             <m:e>
                               <m:r>
-                                <a:rPr lang="en-US" b="1" i="1"/>
+                                <a:rPr lang="en-US" b="1" i="1">
+                                  <a:latin typeface="Cambria Math" panose="02040503050406030204" pitchFamily="18" charset="0"/>
+                                </a:rPr>
                                 <m:t>𝐘</m:t>
                               </m:r>
                             </m:e>
@@ -9503,12 +10368,16 @@
                               <m:d>
                                 <m:dPr>
                                   <m:ctrlPr>
-                                    <a:rPr lang="en-US" i="1"/>
+                                    <a:rPr lang="en-US" i="1">
+                                      <a:latin typeface="Cambria Math" panose="02040503050406030204" pitchFamily="18" charset="0"/>
+                                    </a:rPr>
                                   </m:ctrlPr>
                                 </m:dPr>
                                 <m:e>
                                   <m:r>
-                                    <a:rPr lang="en-US" i="1"/>
+                                    <a:rPr lang="en-US" i="1">
+                                      <a:latin typeface="Cambria Math" panose="02040503050406030204" pitchFamily="18" charset="0"/>
+                                    </a:rPr>
                                     <m:t>𝑛</m:t>
                                   </m:r>
                                 </m:e>
@@ -9520,39 +10389,53 @@
                               <m:begChr m:val="|"/>
                               <m:endChr m:val=""/>
                               <m:ctrlPr>
-                                <a:rPr lang="en-US" i="1"/>
+                                <a:rPr lang="en-US" i="1">
+                                  <a:latin typeface="Cambria Math" panose="02040503050406030204" pitchFamily="18" charset="0"/>
+                                </a:rPr>
                               </m:ctrlPr>
                             </m:dPr>
                             <m:e>
                               <m:r>
-                                <a:rPr lang="en-US" i="1"/>
+                                <a:rPr lang="en-US" i="1">
+                                  <a:latin typeface="Cambria Math" panose="02040503050406030204" pitchFamily="18" charset="0"/>
+                                </a:rPr>
                                 <m:t>𝜇</m:t>
                               </m:r>
                             </m:e>
                           </m:d>
                           <m:r>
-                            <a:rPr lang="en-US" i="1"/>
+                            <a:rPr lang="en-US" i="1">
+                              <a:latin typeface="Cambria Math" panose="02040503050406030204" pitchFamily="18" charset="0"/>
+                            </a:rPr>
                             <m:t>,</m:t>
                           </m:r>
                           <m:r>
-                            <a:rPr lang="uk-UA" i="1"/>
+                            <a:rPr lang="uk-UA" i="1">
+                              <a:latin typeface="Cambria Math" panose="02040503050406030204" pitchFamily="18" charset="0"/>
+                            </a:rPr>
                             <m:t>𝜎</m:t>
                           </m:r>
                         </m:e>
                       </m:d>
                       <m:r>
-                        <a:rPr lang="en-US" i="1"/>
+                        <a:rPr lang="en-US" i="1">
+                          <a:latin typeface="Cambria Math" panose="02040503050406030204" pitchFamily="18" charset="0"/>
+                        </a:rPr>
                         <m:t>=</m:t>
                       </m:r>
                       <m:f>
                         <m:fPr>
                           <m:ctrlPr>
-                            <a:rPr lang="en-US" i="1"/>
+                            <a:rPr lang="en-US" i="1">
+                              <a:latin typeface="Cambria Math" panose="02040503050406030204" pitchFamily="18" charset="0"/>
+                            </a:rPr>
                           </m:ctrlPr>
                         </m:fPr>
                         <m:num>
                           <m:r>
-                            <a:rPr lang="en-US" i="1"/>
+                            <a:rPr lang="en-US" i="1">
+                              <a:latin typeface="Cambria Math" panose="02040503050406030204" pitchFamily="18" charset="0"/>
+                            </a:rPr>
                             <m:t>1</m:t>
                           </m:r>
                         </m:num>
@@ -9560,39 +10443,53 @@
                           <m:sSup>
                             <m:sSupPr>
                               <m:ctrlPr>
-                                <a:rPr lang="en-US" i="1"/>
+                                <a:rPr lang="en-US" i="1">
+                                  <a:latin typeface="Cambria Math" panose="02040503050406030204" pitchFamily="18" charset="0"/>
+                                </a:rPr>
                               </m:ctrlPr>
                             </m:sSupPr>
                             <m:e>
                               <m:r>
-                                <a:rPr lang="en-US" i="1"/>
+                                <a:rPr lang="en-US" i="1">
+                                  <a:latin typeface="Cambria Math" panose="02040503050406030204" pitchFamily="18" charset="0"/>
+                                </a:rPr>
                                 <m:t>(2</m:t>
                               </m:r>
                               <m:r>
-                                <a:rPr lang="en-US" i="1"/>
+                                <a:rPr lang="en-US" i="1">
+                                  <a:latin typeface="Cambria Math" panose="02040503050406030204" pitchFamily="18" charset="0"/>
+                                </a:rPr>
                                 <m:t>𝜋</m:t>
                               </m:r>
                               <m:sSup>
                                 <m:sSupPr>
                                   <m:ctrlPr>
-                                    <a:rPr lang="en-US" i="1"/>
+                                    <a:rPr lang="en-US" i="1">
+                                      <a:latin typeface="Cambria Math" panose="02040503050406030204" pitchFamily="18" charset="0"/>
+                                    </a:rPr>
                                   </m:ctrlPr>
                                 </m:sSupPr>
                                 <m:e>
                                   <m:r>
-                                    <a:rPr lang="uk-UA" i="1"/>
+                                    <a:rPr lang="uk-UA" i="1">
+                                      <a:latin typeface="Cambria Math" panose="02040503050406030204" pitchFamily="18" charset="0"/>
+                                    </a:rPr>
                                     <m:t>𝜎</m:t>
                                   </m:r>
                                 </m:e>
                                 <m:sup>
                                   <m:r>
-                                    <a:rPr lang="en-US" i="1"/>
+                                    <a:rPr lang="en-US" i="1">
+                                      <a:latin typeface="Cambria Math" panose="02040503050406030204" pitchFamily="18" charset="0"/>
+                                    </a:rPr>
                                     <m:t>2</m:t>
                                   </m:r>
                                 </m:sup>
                               </m:sSup>
                               <m:r>
-                                <a:rPr lang="en-US" i="1"/>
+                                <a:rPr lang="en-US" i="1">
+                                  <a:latin typeface="Cambria Math" panose="02040503050406030204" pitchFamily="18" charset="0"/>
+                                </a:rPr>
                                 <m:t>)</m:t>
                               </m:r>
                             </m:e>
@@ -9601,18 +10498,24 @@
                                 <m:fPr>
                                   <m:type m:val="lin"/>
                                   <m:ctrlPr>
-                                    <a:rPr lang="en-US" i="1"/>
+                                    <a:rPr lang="en-US" i="1">
+                                      <a:latin typeface="Cambria Math" panose="02040503050406030204" pitchFamily="18" charset="0"/>
+                                    </a:rPr>
                                   </m:ctrlPr>
                                 </m:fPr>
                                 <m:num>
                                   <m:r>
-                                    <a:rPr lang="en-US" i="1"/>
+                                    <a:rPr lang="en-US" i="1">
+                                      <a:latin typeface="Cambria Math" panose="02040503050406030204" pitchFamily="18" charset="0"/>
+                                    </a:rPr>
                                     <m:t>𝑛</m:t>
                                   </m:r>
                                 </m:num>
                                 <m:den>
                                   <m:r>
-                                    <a:rPr lang="en-US" i="1"/>
+                                    <a:rPr lang="en-US" i="1">
+                                      <a:latin typeface="Cambria Math" panose="02040503050406030204" pitchFamily="18" charset="0"/>
+                                    </a:rPr>
                                     <m:t>2</m:t>
                                   </m:r>
                                 </m:den>
@@ -9624,24 +10527,32 @@
                       <m:sSup>
                         <m:sSupPr>
                           <m:ctrlPr>
-                            <a:rPr lang="en-US" i="1"/>
+                            <a:rPr lang="en-US" i="1">
+                              <a:latin typeface="Cambria Math" panose="02040503050406030204" pitchFamily="18" charset="0"/>
+                            </a:rPr>
                           </m:ctrlPr>
                         </m:sSupPr>
                         <m:e>
                           <m:r>
-                            <a:rPr lang="en-US" i="1"/>
+                            <a:rPr lang="en-US" i="1">
+                              <a:latin typeface="Cambria Math" panose="02040503050406030204" pitchFamily="18" charset="0"/>
+                            </a:rPr>
                             <m:t>𝑒</m:t>
                           </m:r>
                         </m:e>
                         <m:sup>
                           <m:r>
-                            <a:rPr lang="en-US" i="1"/>
+                            <a:rPr lang="en-US" i="1">
+                              <a:latin typeface="Cambria Math" panose="02040503050406030204" pitchFamily="18" charset="0"/>
+                            </a:rPr>
                             <m:t>−</m:t>
                           </m:r>
                           <m:f>
                             <m:fPr>
                               <m:ctrlPr>
-                                <a:rPr lang="en-US" i="1"/>
+                                <a:rPr lang="en-US" i="1">
+                                  <a:latin typeface="Cambria Math" panose="02040503050406030204" pitchFamily="18" charset="0"/>
+                                </a:rPr>
                               </m:ctrlPr>
                             </m:fPr>
                             <m:num>
@@ -9652,7 +10563,9 @@
                                   <m:subHide m:val="on"/>
                                   <m:supHide m:val="on"/>
                                   <m:ctrlPr>
-                                    <a:rPr lang="en-US" i="1"/>
+                                    <a:rPr lang="en-US" i="1">
+                                      <a:latin typeface="Cambria Math" panose="02040503050406030204" pitchFamily="18" charset="0"/>
+                                    </a:rPr>
                                   </m:ctrlPr>
                                 </m:naryPr>
                                 <m:sub/>
@@ -9661,23 +10574,31 @@
                                   <m:sSup>
                                     <m:sSupPr>
                                       <m:ctrlPr>
-                                        <a:rPr lang="en-US" i="1"/>
+                                        <a:rPr lang="en-US" i="1">
+                                          <a:latin typeface="Cambria Math" panose="02040503050406030204" pitchFamily="18" charset="0"/>
+                                        </a:rPr>
                                       </m:ctrlPr>
                                     </m:sSupPr>
                                     <m:e>
                                       <m:r>
-                                        <a:rPr lang="en-US" i="1"/>
+                                        <a:rPr lang="en-US" i="1">
+                                          <a:latin typeface="Cambria Math" panose="02040503050406030204" pitchFamily="18" charset="0"/>
+                                        </a:rPr>
                                         <m:t>(</m:t>
                                       </m:r>
                                       <m:sSup>
                                         <m:sSupPr>
                                           <m:ctrlPr>
-                                            <a:rPr lang="en-US" i="1"/>
+                                            <a:rPr lang="en-US" i="1">
+                                              <a:latin typeface="Cambria Math" panose="02040503050406030204" pitchFamily="18" charset="0"/>
+                                            </a:rPr>
                                           </m:ctrlPr>
                                         </m:sSupPr>
                                         <m:e>
                                           <m:r>
-                                            <a:rPr lang="en-US" b="1" i="1"/>
+                                            <a:rPr lang="en-US" b="1" i="1">
+                                              <a:latin typeface="Cambria Math" panose="02040503050406030204" pitchFamily="18" charset="0"/>
+                                            </a:rPr>
                                             <m:t>𝐘</m:t>
                                           </m:r>
                                         </m:e>
@@ -9685,12 +10606,16 @@
                                           <m:d>
                                             <m:dPr>
                                               <m:ctrlPr>
-                                                <a:rPr lang="en-US" i="1"/>
+                                                <a:rPr lang="en-US" i="1">
+                                                  <a:latin typeface="Cambria Math" panose="02040503050406030204" pitchFamily="18" charset="0"/>
+                                                </a:rPr>
                                               </m:ctrlPr>
                                             </m:dPr>
                                             <m:e>
                                               <m:r>
-                                                <a:rPr lang="en-US" i="1"/>
+                                                <a:rPr lang="en-US" i="1">
+                                                  <a:latin typeface="Cambria Math" panose="02040503050406030204" pitchFamily="18" charset="0"/>
+                                                </a:rPr>
                                                 <m:t>𝑖</m:t>
                                               </m:r>
                                             </m:e>
@@ -9698,21 +10623,29 @@
                                         </m:sup>
                                       </m:sSup>
                                       <m:r>
-                                        <a:rPr lang="en-US" i="1"/>
+                                        <a:rPr lang="en-US" i="1">
+                                          <a:latin typeface="Cambria Math" panose="02040503050406030204" pitchFamily="18" charset="0"/>
+                                        </a:rPr>
                                         <m:t>−</m:t>
                                       </m:r>
                                       <m:r>
-                                        <a:rPr lang="en-US" i="1"/>
+                                        <a:rPr lang="en-US" i="1">
+                                          <a:latin typeface="Cambria Math" panose="02040503050406030204" pitchFamily="18" charset="0"/>
+                                        </a:rPr>
                                         <m:t>𝜇</m:t>
                                       </m:r>
                                       <m:r>
-                                        <a:rPr lang="en-US" i="1"/>
+                                        <a:rPr lang="en-US" i="1">
+                                          <a:latin typeface="Cambria Math" panose="02040503050406030204" pitchFamily="18" charset="0"/>
+                                        </a:rPr>
                                         <m:t>)</m:t>
                                       </m:r>
                                     </m:e>
                                     <m:sup>
                                       <m:r>
-                                        <a:rPr lang="en-US" i="1"/>
+                                        <a:rPr lang="en-US" i="1">
+                                          <a:latin typeface="Cambria Math" panose="02040503050406030204" pitchFamily="18" charset="0"/>
+                                        </a:rPr>
                                         <m:t>2</m:t>
                                       </m:r>
                                     </m:sup>
@@ -9722,24 +10655,32 @@
                             </m:num>
                             <m:den>
                               <m:r>
-                                <a:rPr lang="en-US" i="1"/>
+                                <a:rPr lang="en-US" i="1">
+                                  <a:latin typeface="Cambria Math" panose="02040503050406030204" pitchFamily="18" charset="0"/>
+                                </a:rPr>
                                 <m:t>2</m:t>
                               </m:r>
                               <m:sSup>
                                 <m:sSupPr>
                                   <m:ctrlPr>
-                                    <a:rPr lang="en-US" i="1"/>
+                                    <a:rPr lang="en-US" i="1">
+                                      <a:latin typeface="Cambria Math" panose="02040503050406030204" pitchFamily="18" charset="0"/>
+                                    </a:rPr>
                                   </m:ctrlPr>
                                 </m:sSupPr>
                                 <m:e>
                                   <m:r>
-                                    <a:rPr lang="uk-UA" i="1"/>
+                                    <a:rPr lang="uk-UA" i="1">
+                                      <a:latin typeface="Cambria Math" panose="02040503050406030204" pitchFamily="18" charset="0"/>
+                                    </a:rPr>
                                     <m:t>𝜎</m:t>
                                   </m:r>
                                 </m:e>
                                 <m:sup>
                                   <m:r>
-                                    <a:rPr lang="en-US" i="1"/>
+                                    <a:rPr lang="en-US" i="1">
+                                      <a:latin typeface="Cambria Math" panose="02040503050406030204" pitchFamily="18" charset="0"/>
+                                    </a:rPr>
                                     <m:t>2</m:t>
                                   </m:r>
                                 </m:sup>
@@ -9771,24 +10712,32 @@
                     <m:sSup>
                       <m:sSupPr>
                         <m:ctrlPr>
-                          <a:rPr lang="en-US" i="1"/>
+                          <a:rPr lang="en-US" i="1">
+                            <a:latin typeface="Cambria Math" panose="02040503050406030204" pitchFamily="18" charset="0"/>
+                          </a:rPr>
                         </m:ctrlPr>
                       </m:sSupPr>
                       <m:e>
                         <m:r>
-                          <a:rPr lang="uk-UA" i="1"/>
+                          <a:rPr lang="uk-UA" i="1">
+                            <a:latin typeface="Cambria Math" panose="02040503050406030204" pitchFamily="18" charset="0"/>
+                          </a:rPr>
                           <m:t>𝜎</m:t>
                         </m:r>
                       </m:e>
                       <m:sup>
                         <m:r>
-                          <a:rPr lang="en-US" i="1"/>
+                          <a:rPr lang="en-US" i="1">
+                            <a:latin typeface="Cambria Math" panose="02040503050406030204" pitchFamily="18" charset="0"/>
+                          </a:rPr>
                           <m:t>2</m:t>
                         </m:r>
                       </m:sup>
                     </m:sSup>
                     <m:r>
-                      <a:rPr lang="en-US" i="1"/>
+                      <a:rPr lang="en-US" i="1">
+                        <a:latin typeface="Cambria Math" panose="02040503050406030204" pitchFamily="18" charset="0"/>
+                      </a:rPr>
                       <m:t>:</m:t>
                     </m:r>
                   </m:oMath>
@@ -9808,7 +10757,9 @@
                       <m:sSup>
                         <m:sSupPr>
                           <m:ctrlPr>
-                            <a:rPr lang="en-US" i="1"/>
+                            <a:rPr lang="en-US" i="1">
+                              <a:latin typeface="Cambria Math" panose="02040503050406030204" pitchFamily="18" charset="0"/>
+                            </a:rPr>
                           </m:ctrlPr>
                         </m:sSupPr>
                         <m:e>
@@ -9816,12 +10767,16 @@
                             <m:accPr>
                               <m:chr m:val="̂"/>
                               <m:ctrlPr>
-                                <a:rPr lang="en-US" i="1"/>
+                                <a:rPr lang="en-US" i="1">
+                                  <a:latin typeface="Cambria Math" panose="02040503050406030204" pitchFamily="18" charset="0"/>
+                                </a:rPr>
                               </m:ctrlPr>
                             </m:accPr>
                             <m:e>
                               <m:r>
-                                <a:rPr lang="uk-UA" i="1"/>
+                                <a:rPr lang="uk-UA" i="1">
+                                  <a:latin typeface="Cambria Math" panose="02040503050406030204" pitchFamily="18" charset="0"/>
+                                </a:rPr>
                                 <m:t>𝜎</m:t>
                               </m:r>
                             </m:e>
@@ -9829,50 +10784,68 @@
                         </m:e>
                         <m:sup>
                           <m:r>
-                            <a:rPr lang="en-US" i="1"/>
+                            <a:rPr lang="en-US" i="1">
+                              <a:latin typeface="Cambria Math" panose="02040503050406030204" pitchFamily="18" charset="0"/>
+                            </a:rPr>
                             <m:t>2</m:t>
                           </m:r>
                         </m:sup>
                       </m:sSup>
                       <m:r>
-                        <a:rPr lang="en-US" i="1"/>
+                        <a:rPr lang="en-US" i="1">
+                          <a:latin typeface="Cambria Math" panose="02040503050406030204" pitchFamily="18" charset="0"/>
+                        </a:rPr>
                         <m:t>=</m:t>
                       </m:r>
                       <m:f>
                         <m:fPr>
                           <m:ctrlPr>
-                            <a:rPr lang="en-US" i="1"/>
+                            <a:rPr lang="en-US" i="1">
+                              <a:latin typeface="Cambria Math" panose="02040503050406030204" pitchFamily="18" charset="0"/>
+                            </a:rPr>
                           </m:ctrlPr>
                         </m:fPr>
                         <m:num>
                           <m:sSup>
                             <m:sSupPr>
                               <m:ctrlPr>
-                                <a:rPr lang="en-US" i="1"/>
+                                <a:rPr lang="en-US" i="1">
+                                  <a:latin typeface="Cambria Math" panose="02040503050406030204" pitchFamily="18" charset="0"/>
+                                </a:rPr>
                               </m:ctrlPr>
                             </m:sSupPr>
                             <m:e>
                               <m:d>
                                 <m:dPr>
                                   <m:ctrlPr>
-                                    <a:rPr lang="en-US" i="1"/>
+                                    <a:rPr lang="en-US" i="1">
+                                      <a:latin typeface="Cambria Math" panose="02040503050406030204" pitchFamily="18" charset="0"/>
+                                    </a:rPr>
                                   </m:ctrlPr>
                                 </m:dPr>
                                 <m:e>
                                   <m:r>
-                                    <a:rPr lang="en-US" b="1" i="1"/>
+                                    <a:rPr lang="en-US" b="1" i="1">
+                                      <a:latin typeface="Cambria Math" panose="02040503050406030204" pitchFamily="18" charset="0"/>
+                                    </a:rPr>
                                     <m:t>𝐲</m:t>
                                   </m:r>
                                   <m:r>
-                                    <a:rPr lang="en-US" i="1"/>
+                                    <a:rPr lang="en-US" i="1">
+                                      <a:latin typeface="Cambria Math" panose="02040503050406030204" pitchFamily="18" charset="0"/>
+                                    </a:rPr>
                                     <m:t>−</m:t>
                                   </m:r>
                                   <m:r>
-                                    <a:rPr lang="en-US" b="1" i="1"/>
+                                    <a:rPr lang="en-US" b="1" i="1">
+                                      <a:latin typeface="Cambria Math" panose="02040503050406030204" pitchFamily="18" charset="0"/>
+                                    </a:rPr>
                                     <m:t>𝟏</m:t>
                                   </m:r>
                                   <m:r>
-                                    <a:rPr lang="en-US" i="1"/>
+                                    <a:rPr lang="en-US" i="1">
+                                      <a:latin typeface="Cambria Math" panose="02040503050406030204" pitchFamily="18" charset="0"/>
+                                    </a:rPr>
                                     <m:t>𝜇</m:t>
                                   </m:r>
                                 </m:e>
@@ -9880,7 +10853,9 @@
                             </m:e>
                             <m:sup>
                               <m:r>
-                                <a:rPr lang="en-US" i="1"/>
+                                <a:rPr lang="en-US" i="1">
+                                  <a:latin typeface="Cambria Math" panose="02040503050406030204" pitchFamily="18" charset="0"/>
+                                </a:rPr>
                                 <m:t>𝑇</m:t>
                               </m:r>
                             </m:sup>
@@ -9888,7 +10863,9 @@
                           <m:sSup>
                             <m:sSupPr>
                               <m:ctrlPr>
-                                <a:rPr lang="en-US" i="1"/>
+                                <a:rPr lang="en-US" i="1">
+                                  <a:latin typeface="Cambria Math" panose="02040503050406030204" pitchFamily="18" charset="0"/>
+                                </a:rPr>
                               </m:ctrlPr>
                             </m:sSupPr>
                             <m:e>
@@ -9896,45 +10873,63 @@
                                 <m:rPr>
                                   <m:sty m:val="p"/>
                                 </m:rPr>
-                                <a:rPr lang="en-US"/>
+                                <a:rPr lang="en-US">
+                                  <a:latin typeface="Cambria Math" panose="02040503050406030204" pitchFamily="18" charset="0"/>
+                                </a:rPr>
                                 <m:t>Ψ</m:t>
                               </m:r>
                             </m:e>
                             <m:sup>
                               <m:r>
-                                <a:rPr lang="en-US" i="1"/>
+                                <a:rPr lang="en-US" i="1">
+                                  <a:latin typeface="Cambria Math" panose="02040503050406030204" pitchFamily="18" charset="0"/>
+                                </a:rPr>
                                 <m:t>−1</m:t>
                               </m:r>
                             </m:sup>
                           </m:sSup>
                           <m:r>
-                            <a:rPr lang="en-US" b="1"/>
+                            <a:rPr lang="en-US" b="1">
+                              <a:latin typeface="Cambria Math" panose="02040503050406030204" pitchFamily="18" charset="0"/>
+                            </a:rPr>
                             <m:t>(</m:t>
                           </m:r>
                           <m:r>
-                            <a:rPr lang="en-US" b="1" i="1"/>
+                            <a:rPr lang="en-US" b="1" i="1">
+                              <a:latin typeface="Cambria Math" panose="02040503050406030204" pitchFamily="18" charset="0"/>
+                            </a:rPr>
                             <m:t>𝐲</m:t>
                           </m:r>
                           <m:r>
-                            <a:rPr lang="en-US" i="1"/>
+                            <a:rPr lang="en-US" i="1">
+                              <a:latin typeface="Cambria Math" panose="02040503050406030204" pitchFamily="18" charset="0"/>
+                            </a:rPr>
                             <m:t>−</m:t>
                           </m:r>
                           <m:r>
-                            <a:rPr lang="en-US" b="1" i="1"/>
+                            <a:rPr lang="en-US" b="1" i="1">
+                              <a:latin typeface="Cambria Math" panose="02040503050406030204" pitchFamily="18" charset="0"/>
+                            </a:rPr>
                             <m:t>𝟏</m:t>
                           </m:r>
                           <m:r>
-                            <a:rPr lang="en-US" i="1"/>
+                            <a:rPr lang="en-US" i="1">
+                              <a:latin typeface="Cambria Math" panose="02040503050406030204" pitchFamily="18" charset="0"/>
+                            </a:rPr>
                             <m:t>𝜇</m:t>
                           </m:r>
                           <m:r>
-                            <a:rPr lang="en-US" i="1"/>
+                            <a:rPr lang="en-US" i="1">
+                              <a:latin typeface="Cambria Math" panose="02040503050406030204" pitchFamily="18" charset="0"/>
+                            </a:rPr>
                             <m:t>)</m:t>
                           </m:r>
                         </m:num>
                         <m:den>
                           <m:r>
-                            <a:rPr lang="en-US" i="1"/>
+                            <a:rPr lang="en-US" i="1">
+                              <a:latin typeface="Cambria Math" panose="02040503050406030204" pitchFamily="18" charset="0"/>
+                            </a:rPr>
                             <m:t>𝑛</m:t>
                           </m:r>
                         </m:den>
@@ -9972,7 +10967,9 @@
                       <m:func>
                         <m:funcPr>
                           <m:ctrlPr>
-                            <a:rPr lang="en-US" i="1"/>
+                            <a:rPr lang="en-US" i="1">
+                              <a:latin typeface="Cambria Math" panose="02040503050406030204" pitchFamily="18" charset="0"/>
+                            </a:rPr>
                           </m:ctrlPr>
                         </m:funcPr>
                         <m:fName>
@@ -9980,44 +10977,60 @@
                             <m:rPr>
                               <m:sty m:val="p"/>
                             </m:rPr>
-                            <a:rPr lang="ru-RU"/>
+                            <a:rPr lang="ru-RU">
+                              <a:latin typeface="Cambria Math" panose="02040503050406030204" pitchFamily="18" charset="0"/>
+                            </a:rPr>
                             <m:t>ln</m:t>
                           </m:r>
                         </m:fName>
                         <m:e>
                           <m:r>
-                            <a:rPr lang="ru-RU" i="1"/>
+                            <a:rPr lang="ru-RU" i="1">
+                              <a:latin typeface="Cambria Math" panose="02040503050406030204" pitchFamily="18" charset="0"/>
+                            </a:rPr>
                             <m:t>(</m:t>
                           </m:r>
                           <m:r>
-                            <a:rPr lang="ru-RU" i="1"/>
+                            <a:rPr lang="ru-RU" i="1">
+                              <a:latin typeface="Cambria Math" panose="02040503050406030204" pitchFamily="18" charset="0"/>
+                            </a:rPr>
                             <m:t>𝐿</m:t>
                           </m:r>
                           <m:r>
-                            <a:rPr lang="ru-RU" i="1"/>
+                            <a:rPr lang="ru-RU" i="1">
+                              <a:latin typeface="Cambria Math" panose="02040503050406030204" pitchFamily="18" charset="0"/>
+                            </a:rPr>
                             <m:t>)≈</m:t>
                           </m:r>
                         </m:e>
                       </m:func>
                       <m:r>
-                        <a:rPr lang="ru-RU" i="1"/>
+                        <a:rPr lang="ru-RU" i="1">
+                          <a:latin typeface="Cambria Math" panose="02040503050406030204" pitchFamily="18" charset="0"/>
+                        </a:rPr>
                         <m:t>−</m:t>
                       </m:r>
                       <m:f>
                         <m:fPr>
                           <m:ctrlPr>
-                            <a:rPr lang="en-US" i="1"/>
+                            <a:rPr lang="en-US" i="1">
+                              <a:latin typeface="Cambria Math" panose="02040503050406030204" pitchFamily="18" charset="0"/>
+                            </a:rPr>
                           </m:ctrlPr>
                         </m:fPr>
                         <m:num>
                           <m:r>
-                            <a:rPr lang="ru-RU" i="1"/>
+                            <a:rPr lang="ru-RU" i="1">
+                              <a:latin typeface="Cambria Math" panose="02040503050406030204" pitchFamily="18" charset="0"/>
+                            </a:rPr>
                             <m:t>𝑛</m:t>
                           </m:r>
                         </m:num>
                         <m:den>
                           <m:r>
-                            <a:rPr lang="ru-RU" i="1"/>
+                            <a:rPr lang="ru-RU" i="1">
+                              <a:latin typeface="Cambria Math" panose="02040503050406030204" pitchFamily="18" charset="0"/>
+                            </a:rPr>
                             <m:t>2</m:t>
                           </m:r>
                         </m:den>
@@ -10025,7 +11038,9 @@
                       <m:func>
                         <m:funcPr>
                           <m:ctrlPr>
-                            <a:rPr lang="en-US" i="1"/>
+                            <a:rPr lang="en-US" i="1">
+                              <a:latin typeface="Cambria Math" panose="02040503050406030204" pitchFamily="18" charset="0"/>
+                            </a:rPr>
                           </m:ctrlPr>
                         </m:funcPr>
                         <m:fName>
@@ -10033,7 +11048,9 @@
                             <m:rPr>
                               <m:sty m:val="p"/>
                             </m:rPr>
-                            <a:rPr lang="ru-RU"/>
+                            <a:rPr lang="ru-RU">
+                              <a:latin typeface="Cambria Math" panose="02040503050406030204" pitchFamily="18" charset="0"/>
+                            </a:rPr>
                             <m:t>ln</m:t>
                           </m:r>
                         </m:fName>
@@ -10041,14 +11058,18 @@
                           <m:d>
                             <m:dPr>
                               <m:ctrlPr>
-                                <a:rPr lang="en-US" i="1"/>
+                                <a:rPr lang="en-US" i="1">
+                                  <a:latin typeface="Cambria Math" panose="02040503050406030204" pitchFamily="18" charset="0"/>
+                                </a:rPr>
                               </m:ctrlPr>
                             </m:dPr>
                             <m:e>
                               <m:sSup>
                                 <m:sSupPr>
                                   <m:ctrlPr>
-                                    <a:rPr lang="en-US" i="1"/>
+                                    <a:rPr lang="en-US" i="1">
+                                      <a:latin typeface="Cambria Math" panose="02040503050406030204" pitchFamily="18" charset="0"/>
+                                    </a:rPr>
                                   </m:ctrlPr>
                                 </m:sSupPr>
                                 <m:e>
@@ -10056,12 +11077,16 @@
                                     <m:accPr>
                                       <m:chr m:val="̂"/>
                                       <m:ctrlPr>
-                                        <a:rPr lang="en-US" i="1"/>
+                                        <a:rPr lang="en-US" i="1">
+                                          <a:latin typeface="Cambria Math" panose="02040503050406030204" pitchFamily="18" charset="0"/>
+                                        </a:rPr>
                                       </m:ctrlPr>
                                     </m:accPr>
                                     <m:e>
                                       <m:r>
-                                        <a:rPr lang="uk-UA" i="1"/>
+                                        <a:rPr lang="uk-UA" i="1">
+                                          <a:latin typeface="Cambria Math" panose="02040503050406030204" pitchFamily="18" charset="0"/>
+                                        </a:rPr>
                                         <m:t>𝜎</m:t>
                                       </m:r>
                                     </m:e>
@@ -10069,7 +11094,9 @@
                                 </m:e>
                                 <m:sup>
                                   <m:r>
-                                    <a:rPr lang="en-US" i="1"/>
+                                    <a:rPr lang="en-US" i="1">
+                                      <a:latin typeface="Cambria Math" panose="02040503050406030204" pitchFamily="18" charset="0"/>
+                                    </a:rPr>
                                     <m:t>2</m:t>
                                   </m:r>
                                 </m:sup>
@@ -10077,24 +11104,32 @@
                             </m:e>
                           </m:d>
                           <m:r>
-                            <a:rPr lang="ru-RU" i="1"/>
+                            <a:rPr lang="ru-RU" i="1">
+                              <a:latin typeface="Cambria Math" panose="02040503050406030204" pitchFamily="18" charset="0"/>
+                            </a:rPr>
                             <m:t>−</m:t>
                           </m:r>
                           <m:f>
                             <m:fPr>
                               <m:ctrlPr>
-                                <a:rPr lang="en-US" i="1"/>
+                                <a:rPr lang="en-US" i="1">
+                                  <a:latin typeface="Cambria Math" panose="02040503050406030204" pitchFamily="18" charset="0"/>
+                                </a:rPr>
                               </m:ctrlPr>
                             </m:fPr>
                             <m:num>
                               <m:r>
-                                <a:rPr lang="ru-RU" i="1"/>
+                                <a:rPr lang="ru-RU" i="1">
+                                  <a:latin typeface="Cambria Math" panose="02040503050406030204" pitchFamily="18" charset="0"/>
+                                </a:rPr>
                                 <m:t>1</m:t>
                               </m:r>
                             </m:num>
                             <m:den>
                               <m:r>
-                                <a:rPr lang="ru-RU" i="1"/>
+                                <a:rPr lang="ru-RU" i="1">
+                                  <a:latin typeface="Cambria Math" panose="02040503050406030204" pitchFamily="18" charset="0"/>
+                                </a:rPr>
                                 <m:t>2</m:t>
                               </m:r>
                             </m:den>
@@ -10102,7 +11137,9 @@
                           <m:func>
                             <m:funcPr>
                               <m:ctrlPr>
-                                <a:rPr lang="en-US" i="1"/>
+                                <a:rPr lang="en-US" i="1">
+                                  <a:latin typeface="Cambria Math" panose="02040503050406030204" pitchFamily="18" charset="0"/>
+                                </a:rPr>
                               </m:ctrlPr>
                             </m:funcPr>
                             <m:fName>
@@ -10110,7 +11147,9 @@
                                 <m:rPr>
                                   <m:sty m:val="p"/>
                                 </m:rPr>
-                                <a:rPr lang="ru-RU"/>
+                                <a:rPr lang="ru-RU">
+                                  <a:latin typeface="Cambria Math" panose="02040503050406030204" pitchFamily="18" charset="0"/>
+                                </a:rPr>
                                 <m:t>ln</m:t>
                               </m:r>
                             </m:fName>
@@ -10120,7 +11159,9 @@
                                   <m:begChr m:val="|"/>
                                   <m:endChr m:val="|"/>
                                   <m:ctrlPr>
-                                    <a:rPr lang="en-US" i="1"/>
+                                    <a:rPr lang="en-US" i="1">
+                                      <a:latin typeface="Cambria Math" panose="02040503050406030204" pitchFamily="18" charset="0"/>
+                                    </a:rPr>
                                   </m:ctrlPr>
                                 </m:dPr>
                                 <m:e>
@@ -10128,7 +11169,9 @@
                                     <m:rPr>
                                       <m:sty m:val="p"/>
                                     </m:rPr>
-                                    <a:rPr lang="en-US"/>
+                                    <a:rPr lang="en-US">
+                                      <a:latin typeface="Cambria Math" panose="02040503050406030204" pitchFamily="18" charset="0"/>
+                                    </a:rPr>
                                     <m:t>Ψ</m:t>
                                   </m:r>
                                 </m:e>
@@ -10150,7 +11193,9 @@
                 <a14:m>
                   <m:oMath xmlns:m="http://schemas.openxmlformats.org/officeDocument/2006/math">
                     <m:r>
-                      <a:rPr lang="uk-UA" b="1" i="1"/>
+                      <a:rPr lang="uk-UA" b="1" i="1">
+                        <a:latin typeface="Cambria Math" panose="02040503050406030204" pitchFamily="18" charset="0"/>
+                      </a:rPr>
                       <m:t>𝜽</m:t>
                     </m:r>
                   </m:oMath>
@@ -10162,11 +11207,15 @@
                 <a14:m>
                   <m:oMath xmlns:m="http://schemas.openxmlformats.org/officeDocument/2006/math">
                     <m:r>
-                      <a:rPr lang="uk-UA" b="1" i="1"/>
+                      <a:rPr lang="uk-UA" b="1" i="1">
+                        <a:latin typeface="Cambria Math" panose="02040503050406030204" pitchFamily="18" charset="0"/>
+                      </a:rPr>
                       <m:t>𝒑</m:t>
                     </m:r>
                     <m:r>
-                      <a:rPr lang="uk-UA" b="1" i="1"/>
+                      <a:rPr lang="uk-UA" b="1" i="1">
+                        <a:latin typeface="Cambria Math" panose="02040503050406030204" pitchFamily="18" charset="0"/>
+                      </a:rPr>
                       <m:t>.</m:t>
                     </m:r>
                   </m:oMath>
@@ -10183,7 +11232,7 @@
             </p:txBody>
           </p:sp>
         </mc:Choice>
-        <mc:Fallback>
+        <mc:Fallback xmlns="">
           <p:sp>
             <p:nvSpPr>
               <p:cNvPr id="3" name="Content Placeholder 2">
@@ -10316,8 +11365,8 @@
           </a:p>
         </p:txBody>
       </p:sp>
-      <mc:AlternateContent xmlns:mc="http://schemas.openxmlformats.org/markup-compatibility/2006">
-        <mc:Choice xmlns:a14="http://schemas.microsoft.com/office/drawing/2010/main" Requires="a14">
+      <mc:AlternateContent xmlns:mc="http://schemas.openxmlformats.org/markup-compatibility/2006" xmlns:a14="http://schemas.microsoft.com/office/drawing/2010/main">
+        <mc:Choice Requires="a14">
           <p:sp>
             <p:nvSpPr>
               <p:cNvPr id="3" name="Content Placeholder 2">
@@ -10356,12 +11405,16 @@
                       <m:accPr>
                         <m:chr m:val="̂"/>
                         <m:ctrlPr>
-                          <a:rPr lang="en-US" i="1"/>
+                          <a:rPr lang="en-US" i="1">
+                            <a:latin typeface="Cambria Math" panose="02040503050406030204" pitchFamily="18" charset="0"/>
+                          </a:rPr>
                         </m:ctrlPr>
                       </m:accPr>
                       <m:e>
                         <m:r>
-                          <a:rPr lang="uk-UA" i="1"/>
+                          <a:rPr lang="uk-UA" i="1">
+                            <a:latin typeface="Cambria Math" panose="02040503050406030204" pitchFamily="18" charset="0"/>
+                          </a:rPr>
                           <m:t>𝑦</m:t>
                         </m:r>
                       </m:e>
@@ -10386,12 +11439,16 @@
                       <m:accPr>
                         <m:chr m:val="̂"/>
                         <m:ctrlPr>
-                          <a:rPr lang="en-US" i="1"/>
+                          <a:rPr lang="en-US" i="1">
+                            <a:latin typeface="Cambria Math" panose="02040503050406030204" pitchFamily="18" charset="0"/>
+                          </a:rPr>
                         </m:ctrlPr>
                       </m:accPr>
                       <m:e>
                         <m:r>
-                          <a:rPr lang="uk-UA" i="1"/>
+                          <a:rPr lang="uk-UA" i="1">
+                            <a:latin typeface="Cambria Math" panose="02040503050406030204" pitchFamily="18" charset="0"/>
+                          </a:rPr>
                           <m:t>𝑦</m:t>
                         </m:r>
                       </m:e>
@@ -10416,82 +11473,110 @@
                       <m:accPr>
                         <m:chr m:val="̃"/>
                         <m:ctrlPr>
-                          <a:rPr lang="en-US" i="1"/>
+                          <a:rPr lang="en-US" i="1">
+                            <a:latin typeface="Cambria Math" panose="02040503050406030204" pitchFamily="18" charset="0"/>
+                          </a:rPr>
                         </m:ctrlPr>
                       </m:accPr>
                       <m:e>
                         <m:r>
-                          <a:rPr lang="uk-UA" i="1"/>
+                          <a:rPr lang="uk-UA" i="1">
+                            <a:latin typeface="Cambria Math" panose="02040503050406030204" pitchFamily="18" charset="0"/>
+                          </a:rPr>
                           <m:t>𝑦</m:t>
                         </m:r>
                       </m:e>
                     </m:acc>
                     <m:r>
-                      <a:rPr lang="uk-UA" i="1"/>
+                      <a:rPr lang="uk-UA" i="1">
+                        <a:latin typeface="Cambria Math" panose="02040503050406030204" pitchFamily="18" charset="0"/>
+                      </a:rPr>
                       <m:t>=</m:t>
                     </m:r>
                     <m:sSup>
                       <m:sSupPr>
                         <m:ctrlPr>
-                          <a:rPr lang="en-US" i="1"/>
+                          <a:rPr lang="en-US" i="1">
+                            <a:latin typeface="Cambria Math" panose="02040503050406030204" pitchFamily="18" charset="0"/>
+                          </a:rPr>
                         </m:ctrlPr>
                       </m:sSupPr>
                       <m:e>
                         <m:r>
-                          <a:rPr lang="uk-UA" i="1"/>
+                          <a:rPr lang="uk-UA" i="1">
+                            <a:latin typeface="Cambria Math" panose="02040503050406030204" pitchFamily="18" charset="0"/>
+                          </a:rPr>
                           <m:t>{</m:t>
                         </m:r>
                         <m:sSup>
                           <m:sSupPr>
                             <m:ctrlPr>
-                              <a:rPr lang="en-US" b="1" i="1"/>
+                              <a:rPr lang="en-US" b="1" i="1">
+                                <a:latin typeface="Cambria Math" panose="02040503050406030204" pitchFamily="18" charset="0"/>
+                              </a:rPr>
                             </m:ctrlPr>
                           </m:sSupPr>
                           <m:e>
                             <m:r>
-                              <a:rPr lang="uk-UA" b="1" i="1"/>
+                              <a:rPr lang="uk-UA" b="1" i="1">
+                                <a:latin typeface="Cambria Math" panose="02040503050406030204" pitchFamily="18" charset="0"/>
+                              </a:rPr>
                               <m:t>𝐲</m:t>
                             </m:r>
                           </m:e>
                           <m:sup>
                             <m:r>
-                              <a:rPr lang="uk-UA" i="1"/>
+                              <a:rPr lang="uk-UA" i="1">
+                                <a:latin typeface="Cambria Math" panose="02040503050406030204" pitchFamily="18" charset="0"/>
+                              </a:rPr>
                               <m:t>𝑇</m:t>
                             </m:r>
                           </m:sup>
                         </m:sSup>
                         <m:r>
-                          <a:rPr lang="uk-UA" i="1"/>
+                          <a:rPr lang="uk-UA" i="1">
+                            <a:latin typeface="Cambria Math" panose="02040503050406030204" pitchFamily="18" charset="0"/>
+                          </a:rPr>
                           <m:t>,</m:t>
                         </m:r>
                         <m:acc>
                           <m:accPr>
                             <m:chr m:val="̂"/>
                             <m:ctrlPr>
-                              <a:rPr lang="en-US" i="1"/>
+                              <a:rPr lang="en-US" i="1">
+                                <a:latin typeface="Cambria Math" panose="02040503050406030204" pitchFamily="18" charset="0"/>
+                              </a:rPr>
                             </m:ctrlPr>
                           </m:accPr>
                           <m:e>
                             <m:r>
-                              <a:rPr lang="uk-UA" i="1"/>
+                              <a:rPr lang="uk-UA" i="1">
+                                <a:latin typeface="Cambria Math" panose="02040503050406030204" pitchFamily="18" charset="0"/>
+                              </a:rPr>
                               <m:t>𝑦</m:t>
                             </m:r>
                           </m:e>
                         </m:acc>
                         <m:r>
-                          <a:rPr lang="uk-UA" i="1"/>
+                          <a:rPr lang="uk-UA" i="1">
+                            <a:latin typeface="Cambria Math" panose="02040503050406030204" pitchFamily="18" charset="0"/>
+                          </a:rPr>
                           <m:t>}</m:t>
                         </m:r>
                       </m:e>
                       <m:sup>
                         <m:r>
-                          <a:rPr lang="uk-UA" i="1"/>
+                          <a:rPr lang="uk-UA" i="1">
+                            <a:latin typeface="Cambria Math" panose="02040503050406030204" pitchFamily="18" charset="0"/>
+                          </a:rPr>
                           <m:t>𝑇</m:t>
                         </m:r>
                       </m:sup>
                     </m:sSup>
                     <m:r>
-                      <a:rPr lang="uk-UA" i="1"/>
+                      <a:rPr lang="uk-UA" i="1">
+                        <a:latin typeface="Cambria Math" panose="02040503050406030204" pitchFamily="18" charset="0"/>
+                      </a:rPr>
                       <m:t>, </m:t>
                     </m:r>
                   </m:oMath>
@@ -10506,18 +11591,24 @@
                       <m:accPr>
                         <m:chr m:val="̂"/>
                         <m:ctrlPr>
-                          <a:rPr lang="en-US" i="1"/>
+                          <a:rPr lang="en-US" i="1">
+                            <a:latin typeface="Cambria Math" panose="02040503050406030204" pitchFamily="18" charset="0"/>
+                          </a:rPr>
                         </m:ctrlPr>
                       </m:accPr>
                       <m:e>
                         <m:r>
-                          <a:rPr lang="uk-UA" i="1"/>
+                          <a:rPr lang="uk-UA" i="1">
+                            <a:latin typeface="Cambria Math" panose="02040503050406030204" pitchFamily="18" charset="0"/>
+                          </a:rPr>
                           <m:t>𝑦</m:t>
                         </m:r>
                       </m:e>
                     </m:acc>
                     <m:r>
-                      <a:rPr lang="en-US" i="1"/>
+                      <a:rPr lang="en-US" i="1">
+                        <a:latin typeface="Cambria Math" panose="02040503050406030204" pitchFamily="18" charset="0"/>
+                      </a:rPr>
                       <m:t>:</m:t>
                     </m:r>
                   </m:oMath>
@@ -10535,17 +11626,23 @@
                     </m:oMathParaPr>
                     <m:oMath xmlns:m="http://schemas.openxmlformats.org/officeDocument/2006/math">
                       <m:r>
-                        <a:rPr lang="en-US" i="1"/>
+                        <a:rPr lang="en-US" i="1">
+                          <a:latin typeface="Cambria Math" panose="02040503050406030204" pitchFamily="18" charset="0"/>
+                        </a:rPr>
                         <m:t>𝜓</m:t>
                       </m:r>
                       <m:r>
-                        <a:rPr lang="en-US" i="1"/>
+                        <a:rPr lang="en-US" i="1">
+                          <a:latin typeface="Cambria Math" panose="02040503050406030204" pitchFamily="18" charset="0"/>
+                        </a:rPr>
                         <m:t>=</m:t>
                       </m:r>
                       <m:d>
                         <m:dPr>
                           <m:ctrlPr>
-                            <a:rPr lang="en-US" i="1"/>
+                            <a:rPr lang="en-US" i="1">
+                              <a:latin typeface="Cambria Math" panose="02040503050406030204" pitchFamily="18" charset="0"/>
+                            </a:rPr>
                           </m:ctrlPr>
                         </m:dPr>
                         <m:e>
@@ -10560,7 +11657,9 @@
                                 </m:mc>
                               </m:mcs>
                               <m:ctrlPr>
-                                <a:rPr lang="en-US" i="1"/>
+                                <a:rPr lang="en-US" i="1">
+                                  <a:latin typeface="Cambria Math" panose="02040503050406030204" pitchFamily="18" charset="0"/>
+                                </a:rPr>
                               </m:ctrlPr>
                             </m:mPr>
                             <m:mr>
@@ -10569,7 +11668,9 @@
                                   <m:rPr>
                                     <m:sty m:val="p"/>
                                   </m:rPr>
-                                  <a:rPr lang="en-US"/>
+                                  <a:rPr lang="en-US">
+                                    <a:latin typeface="Cambria Math" panose="02040503050406030204" pitchFamily="18" charset="0"/>
+                                  </a:rPr>
                                   <m:t>cor</m:t>
                                 </m:r>
                                 <m:d>
@@ -10577,36 +11678,48 @@
                                     <m:begChr m:val="["/>
                                     <m:endChr m:val="]"/>
                                     <m:ctrlPr>
-                                      <a:rPr lang="en-US" i="1"/>
+                                      <a:rPr lang="en-US" i="1">
+                                        <a:latin typeface="Cambria Math" panose="02040503050406030204" pitchFamily="18" charset="0"/>
+                                      </a:rPr>
                                     </m:ctrlPr>
                                   </m:dPr>
                                   <m:e>
                                     <m:r>
-                                      <a:rPr lang="en-US" i="1"/>
+                                      <a:rPr lang="en-US" i="1">
+                                        <a:latin typeface="Cambria Math" panose="02040503050406030204" pitchFamily="18" charset="0"/>
+                                      </a:rPr>
                                       <m:t>𝑌</m:t>
                                     </m:r>
                                     <m:d>
                                       <m:dPr>
                                         <m:ctrlPr>
-                                          <a:rPr lang="en-US" i="1"/>
+                                          <a:rPr lang="en-US" i="1">
+                                            <a:latin typeface="Cambria Math" panose="02040503050406030204" pitchFamily="18" charset="0"/>
+                                          </a:rPr>
                                         </m:ctrlPr>
                                       </m:dPr>
                                       <m:e>
                                         <m:sSup>
                                           <m:sSupPr>
                                             <m:ctrlPr>
-                                              <a:rPr lang="en-US" i="1"/>
+                                              <a:rPr lang="en-US" i="1">
+                                                <a:latin typeface="Cambria Math" panose="02040503050406030204" pitchFamily="18" charset="0"/>
+                                              </a:rPr>
                                             </m:ctrlPr>
                                           </m:sSupPr>
                                           <m:e>
                                             <m:r>
-                                              <a:rPr lang="en-US" i="1"/>
+                                              <a:rPr lang="en-US" i="1">
+                                                <a:latin typeface="Cambria Math" panose="02040503050406030204" pitchFamily="18" charset="0"/>
+                                              </a:rPr>
                                               <m:t>𝑥</m:t>
                                             </m:r>
                                           </m:e>
                                           <m:sup>
                                             <m:r>
-                                              <a:rPr lang="en-US" i="1"/>
+                                              <a:rPr lang="en-US" i="1">
+                                                <a:latin typeface="Cambria Math" panose="02040503050406030204" pitchFamily="18" charset="0"/>
+                                              </a:rPr>
                                               <m:t>(1)</m:t>
                                             </m:r>
                                           </m:sup>
@@ -10614,23 +11727,33 @@
                                       </m:e>
                                     </m:d>
                                     <m:r>
-                                      <a:rPr lang="en-US" i="1"/>
+                                      <a:rPr lang="en-US" i="1">
+                                        <a:latin typeface="Cambria Math" panose="02040503050406030204" pitchFamily="18" charset="0"/>
+                                      </a:rPr>
                                       <m:t>,</m:t>
                                     </m:r>
                                     <m:r>
-                                      <a:rPr lang="en-US" i="1"/>
+                                      <a:rPr lang="en-US" i="1">
+                                        <a:latin typeface="Cambria Math" panose="02040503050406030204" pitchFamily="18" charset="0"/>
+                                      </a:rPr>
                                       <m:t>𝑌</m:t>
                                     </m:r>
                                     <m:r>
-                                      <a:rPr lang="en-US" i="1"/>
+                                      <a:rPr lang="en-US" i="1">
+                                        <a:latin typeface="Cambria Math" panose="02040503050406030204" pitchFamily="18" charset="0"/>
+                                      </a:rPr>
                                       <m:t>(</m:t>
                                     </m:r>
                                     <m:r>
-                                      <a:rPr lang="en-US" i="1"/>
+                                      <a:rPr lang="en-US" i="1">
+                                        <a:latin typeface="Cambria Math" panose="02040503050406030204" pitchFamily="18" charset="0"/>
+                                      </a:rPr>
                                       <m:t>𝑥</m:t>
                                     </m:r>
                                     <m:r>
-                                      <a:rPr lang="en-US" i="1"/>
+                                      <a:rPr lang="en-US" i="1">
+                                        <a:latin typeface="Cambria Math" panose="02040503050406030204" pitchFamily="18" charset="0"/>
+                                      </a:rPr>
                                       <m:t>)</m:t>
                                     </m:r>
                                   </m:e>
@@ -10640,7 +11763,9 @@
                             <m:mr>
                               <m:e>
                                 <m:r>
-                                  <a:rPr lang="en-US" i="1"/>
+                                  <a:rPr lang="en-US" i="1">
+                                    <a:latin typeface="Cambria Math" panose="02040503050406030204" pitchFamily="18" charset="0"/>
+                                  </a:rPr>
                                   <m:t>…</m:t>
                                 </m:r>
                               </m:e>
@@ -10651,7 +11776,9 @@
                                   <m:rPr>
                                     <m:sty m:val="p"/>
                                   </m:rPr>
-                                  <a:rPr lang="en-US"/>
+                                  <a:rPr lang="en-US">
+                                    <a:latin typeface="Cambria Math" panose="02040503050406030204" pitchFamily="18" charset="0"/>
+                                  </a:rPr>
                                   <m:t>cor</m:t>
                                 </m:r>
                                 <m:d>
@@ -10659,44 +11786,60 @@
                                     <m:begChr m:val="["/>
                                     <m:endChr m:val="]"/>
                                     <m:ctrlPr>
-                                      <a:rPr lang="en-US" i="1"/>
+                                      <a:rPr lang="en-US" i="1">
+                                        <a:latin typeface="Cambria Math" panose="02040503050406030204" pitchFamily="18" charset="0"/>
+                                      </a:rPr>
                                     </m:ctrlPr>
                                   </m:dPr>
                                   <m:e>
                                     <m:r>
-                                      <a:rPr lang="en-US" i="1"/>
+                                      <a:rPr lang="en-US" i="1">
+                                        <a:latin typeface="Cambria Math" panose="02040503050406030204" pitchFamily="18" charset="0"/>
+                                      </a:rPr>
                                       <m:t>𝑌</m:t>
                                     </m:r>
                                     <m:d>
                                       <m:dPr>
                                         <m:ctrlPr>
-                                          <a:rPr lang="en-US" i="1"/>
+                                          <a:rPr lang="en-US" i="1">
+                                            <a:latin typeface="Cambria Math" panose="02040503050406030204" pitchFamily="18" charset="0"/>
+                                          </a:rPr>
                                         </m:ctrlPr>
                                       </m:dPr>
                                       <m:e>
                                         <m:sSup>
                                           <m:sSupPr>
                                             <m:ctrlPr>
-                                              <a:rPr lang="en-US" i="1"/>
+                                              <a:rPr lang="en-US" i="1">
+                                                <a:latin typeface="Cambria Math" panose="02040503050406030204" pitchFamily="18" charset="0"/>
+                                              </a:rPr>
                                             </m:ctrlPr>
                                           </m:sSupPr>
                                           <m:e>
                                             <m:r>
-                                              <a:rPr lang="en-US" i="1"/>
+                                              <a:rPr lang="en-US" i="1">
+                                                <a:latin typeface="Cambria Math" panose="02040503050406030204" pitchFamily="18" charset="0"/>
+                                              </a:rPr>
                                               <m:t>𝑥</m:t>
                                             </m:r>
                                           </m:e>
                                           <m:sup>
                                             <m:r>
-                                              <a:rPr lang="en-US" i="1"/>
+                                              <a:rPr lang="en-US" i="1">
+                                                <a:latin typeface="Cambria Math" panose="02040503050406030204" pitchFamily="18" charset="0"/>
+                                              </a:rPr>
                                               <m:t>(</m:t>
                                             </m:r>
                                             <m:r>
-                                              <a:rPr lang="en-US" i="1"/>
+                                              <a:rPr lang="en-US" i="1">
+                                                <a:latin typeface="Cambria Math" panose="02040503050406030204" pitchFamily="18" charset="0"/>
+                                              </a:rPr>
                                               <m:t>𝑛</m:t>
                                             </m:r>
                                             <m:r>
-                                              <a:rPr lang="en-US" i="1"/>
+                                              <a:rPr lang="en-US" i="1">
+                                                <a:latin typeface="Cambria Math" panose="02040503050406030204" pitchFamily="18" charset="0"/>
+                                              </a:rPr>
                                               <m:t>)</m:t>
                                             </m:r>
                                           </m:sup>
@@ -10704,23 +11847,33 @@
                                       </m:e>
                                     </m:d>
                                     <m:r>
-                                      <a:rPr lang="en-US" i="1"/>
+                                      <a:rPr lang="en-US" i="1">
+                                        <a:latin typeface="Cambria Math" panose="02040503050406030204" pitchFamily="18" charset="0"/>
+                                      </a:rPr>
                                       <m:t>,</m:t>
                                     </m:r>
                                     <m:r>
-                                      <a:rPr lang="en-US" i="1"/>
+                                      <a:rPr lang="en-US" i="1">
+                                        <a:latin typeface="Cambria Math" panose="02040503050406030204" pitchFamily="18" charset="0"/>
+                                      </a:rPr>
                                       <m:t>𝑌</m:t>
                                     </m:r>
                                     <m:r>
-                                      <a:rPr lang="en-US" i="1"/>
+                                      <a:rPr lang="en-US" i="1">
+                                        <a:latin typeface="Cambria Math" panose="02040503050406030204" pitchFamily="18" charset="0"/>
+                                      </a:rPr>
                                       <m:t>(</m:t>
                                     </m:r>
                                     <m:r>
-                                      <a:rPr lang="en-US" i="1"/>
+                                      <a:rPr lang="en-US" i="1">
+                                        <a:latin typeface="Cambria Math" panose="02040503050406030204" pitchFamily="18" charset="0"/>
+                                      </a:rPr>
                                       <m:t>𝑥</m:t>
                                     </m:r>
                                     <m:r>
-                                      <a:rPr lang="en-US" i="1"/>
+                                      <a:rPr lang="en-US" i="1">
+                                        <a:latin typeface="Cambria Math" panose="02040503050406030204" pitchFamily="18" charset="0"/>
+                                      </a:rPr>
                                       <m:t>)</m:t>
                                     </m:r>
                                   </m:e>
@@ -10731,13 +11884,17 @@
                         </m:e>
                       </m:d>
                       <m:r>
-                        <a:rPr lang="en-US" i="1"/>
+                        <a:rPr lang="en-US" i="1">
+                          <a:latin typeface="Cambria Math" panose="02040503050406030204" pitchFamily="18" charset="0"/>
+                        </a:rPr>
                         <m:t>=</m:t>
                       </m:r>
                       <m:d>
                         <m:dPr>
                           <m:ctrlPr>
-                            <a:rPr lang="en-US" i="1"/>
+                            <a:rPr lang="en-US" i="1">
+                              <a:latin typeface="Cambria Math" panose="02040503050406030204" pitchFamily="18" charset="0"/>
+                            </a:rPr>
                           </m:ctrlPr>
                         </m:dPr>
                         <m:e>
@@ -10752,7 +11909,9 @@
                                 </m:mc>
                               </m:mcs>
                               <m:ctrlPr>
-                                <a:rPr lang="en-US" i="1"/>
+                                <a:rPr lang="en-US" i="1">
+                                  <a:latin typeface="Cambria Math" panose="02040503050406030204" pitchFamily="18" charset="0"/>
+                                </a:rPr>
                               </m:ctrlPr>
                             </m:mPr>
                             <m:mr>
@@ -10760,18 +11919,24 @@
                                 <m:sSup>
                                   <m:sSupPr>
                                     <m:ctrlPr>
-                                      <a:rPr lang="en-US" i="1"/>
+                                      <a:rPr lang="en-US" i="1">
+                                        <a:latin typeface="Cambria Math" panose="02040503050406030204" pitchFamily="18" charset="0"/>
+                                      </a:rPr>
                                     </m:ctrlPr>
                                   </m:sSupPr>
                                   <m:e>
                                     <m:r>
-                                      <a:rPr lang="en-US" i="1"/>
+                                      <a:rPr lang="en-US" i="1">
+                                        <a:latin typeface="Cambria Math" panose="02040503050406030204" pitchFamily="18" charset="0"/>
+                                      </a:rPr>
                                       <m:t>𝜓</m:t>
                                     </m:r>
                                   </m:e>
                                   <m:sup>
                                     <m:r>
-                                      <a:rPr lang="en-US" i="1"/>
+                                      <a:rPr lang="en-US" i="1">
+                                        <a:latin typeface="Cambria Math" panose="02040503050406030204" pitchFamily="18" charset="0"/>
+                                      </a:rPr>
                                       <m:t>(1)</m:t>
                                     </m:r>
                                   </m:sup>
@@ -10781,7 +11946,9 @@
                             <m:mr>
                               <m:e>
                                 <m:r>
-                                  <a:rPr lang="en-US" i="1"/>
+                                  <a:rPr lang="en-US" i="1">
+                                    <a:latin typeface="Cambria Math" panose="02040503050406030204" pitchFamily="18" charset="0"/>
+                                  </a:rPr>
                                   <m:t>…</m:t>
                                 </m:r>
                               </m:e>
@@ -10791,26 +11958,36 @@
                                 <m:sSup>
                                   <m:sSupPr>
                                     <m:ctrlPr>
-                                      <a:rPr lang="en-US" i="1"/>
+                                      <a:rPr lang="en-US" i="1">
+                                        <a:latin typeface="Cambria Math" panose="02040503050406030204" pitchFamily="18" charset="0"/>
+                                      </a:rPr>
                                     </m:ctrlPr>
                                   </m:sSupPr>
                                   <m:e>
                                     <m:r>
-                                      <a:rPr lang="en-US" i="1"/>
+                                      <a:rPr lang="en-US" i="1">
+                                        <a:latin typeface="Cambria Math" panose="02040503050406030204" pitchFamily="18" charset="0"/>
+                                      </a:rPr>
                                       <m:t>𝜓</m:t>
                                     </m:r>
                                   </m:e>
                                   <m:sup>
                                     <m:r>
-                                      <a:rPr lang="en-US" i="1"/>
+                                      <a:rPr lang="en-US" i="1">
+                                        <a:latin typeface="Cambria Math" panose="02040503050406030204" pitchFamily="18" charset="0"/>
+                                      </a:rPr>
                                       <m:t>(</m:t>
                                     </m:r>
                                     <m:r>
-                                      <a:rPr lang="en-US" i="1"/>
+                                      <a:rPr lang="en-US" i="1">
+                                        <a:latin typeface="Cambria Math" panose="02040503050406030204" pitchFamily="18" charset="0"/>
+                                      </a:rPr>
                                       <m:t>𝑛</m:t>
                                     </m:r>
                                     <m:r>
-                                      <a:rPr lang="en-US" i="1"/>
+                                      <a:rPr lang="en-US" i="1">
+                                        <a:latin typeface="Cambria Math" panose="02040503050406030204" pitchFamily="18" charset="0"/>
+                                      </a:rPr>
                                       <m:t>)</m:t>
                                     </m:r>
                                   </m:sup>
@@ -10850,24 +12027,32 @@
                         <m:accPr>
                           <m:chr m:val="̃"/>
                           <m:ctrlPr>
-                            <a:rPr lang="en-US" i="1"/>
+                            <a:rPr lang="en-US" i="1">
+                              <a:latin typeface="Cambria Math" panose="02040503050406030204" pitchFamily="18" charset="0"/>
+                            </a:rPr>
                           </m:ctrlPr>
                         </m:accPr>
                         <m:e>
                           <m:r>
-                            <a:rPr lang="uk-UA" b="1" i="1"/>
+                            <a:rPr lang="uk-UA" b="1" i="1">
+                              <a:latin typeface="Cambria Math" panose="02040503050406030204" pitchFamily="18" charset="0"/>
+                            </a:rPr>
                             <m:t>𝚿</m:t>
                           </m:r>
                         </m:e>
                       </m:acc>
                       <m:r>
-                        <a:rPr lang="uk-UA" i="1"/>
+                        <a:rPr lang="uk-UA" i="1">
+                          <a:latin typeface="Cambria Math" panose="02040503050406030204" pitchFamily="18" charset="0"/>
+                        </a:rPr>
                         <m:t>=</m:t>
                       </m:r>
                       <m:d>
                         <m:dPr>
                           <m:ctrlPr>
-                            <a:rPr lang="en-US" i="1"/>
+                            <a:rPr lang="en-US" i="1">
+                              <a:latin typeface="Cambria Math" panose="02040503050406030204" pitchFamily="18" charset="0"/>
+                            </a:rPr>
                           </m:ctrlPr>
                         </m:dPr>
                         <m:e>
@@ -10882,7 +12067,9 @@
                                 </m:mc>
                               </m:mcs>
                               <m:ctrlPr>
-                                <a:rPr lang="en-US" i="1"/>
+                                <a:rPr lang="en-US" i="1">
+                                  <a:latin typeface="Cambria Math" panose="02040503050406030204" pitchFamily="18" charset="0"/>
+                                </a:rPr>
                               </m:ctrlPr>
                             </m:mPr>
                             <m:mr>
@@ -10891,13 +12078,17 @@
                                   <m:rPr>
                                     <m:sty m:val="p"/>
                                   </m:rPr>
-                                  <a:rPr lang="uk-UA"/>
+                                  <a:rPr lang="uk-UA">
+                                    <a:latin typeface="Cambria Math" panose="02040503050406030204" pitchFamily="18" charset="0"/>
+                                  </a:rPr>
                                   <m:t>Ψ</m:t>
                                 </m:r>
                               </m:e>
                               <m:e>
                                 <m:r>
-                                  <a:rPr lang="en-US" i="1"/>
+                                  <a:rPr lang="en-US" i="1">
+                                    <a:latin typeface="Cambria Math" panose="02040503050406030204" pitchFamily="18" charset="0"/>
+                                  </a:rPr>
                                   <m:t>𝜓</m:t>
                                 </m:r>
                               </m:e>
@@ -10905,13 +12096,17 @@
                             <m:mr>
                               <m:e>
                                 <m:r>
-                                  <a:rPr lang="en-US" i="1"/>
+                                  <a:rPr lang="en-US" i="1">
+                                    <a:latin typeface="Cambria Math" panose="02040503050406030204" pitchFamily="18" charset="0"/>
+                                  </a:rPr>
                                   <m:t>𝜓</m:t>
                                 </m:r>
                               </m:e>
                               <m:e>
                                 <m:r>
-                                  <a:rPr lang="uk-UA" i="1"/>
+                                  <a:rPr lang="uk-UA" i="1">
+                                    <a:latin typeface="Cambria Math" panose="02040503050406030204" pitchFamily="18" charset="0"/>
+                                  </a:rPr>
                                   <m:t>1</m:t>
                                 </m:r>
                               </m:e>
@@ -10930,7 +12125,7 @@
             </p:txBody>
           </p:sp>
         </mc:Choice>
-        <mc:Fallback>
+        <mc:Fallback xmlns="">
           <p:sp>
             <p:nvSpPr>
               <p:cNvPr id="3" name="Content Placeholder 2">
